--- a/final-presentations/2021-04-12-ecpam/01-overview.pptx
+++ b/final-presentations/2021-04-12-ecpam/01-overview.pptx
@@ -5,25 +5,21 @@
     <p:sldMasterId id="2147483935" r:id="rId4"/>
   </p:sldMasterIdLst>
   <p:notesMasterIdLst>
-    <p:notesMasterId r:id="rId18"/>
+    <p:notesMasterId r:id="rId14"/>
   </p:notesMasterIdLst>
   <p:handoutMasterIdLst>
-    <p:handoutMasterId r:id="rId19"/>
+    <p:handoutMasterId r:id="rId15"/>
   </p:handoutMasterIdLst>
   <p:sldIdLst>
     <p:sldId id="318" r:id="rId5"/>
-    <p:sldId id="563" r:id="rId6"/>
+    <p:sldId id="320" r:id="rId6"/>
     <p:sldId id="1819" r:id="rId7"/>
-    <p:sldId id="325" r:id="rId8"/>
-    <p:sldId id="1823" r:id="rId9"/>
-    <p:sldId id="1822" r:id="rId10"/>
-    <p:sldId id="1824" r:id="rId11"/>
-    <p:sldId id="1846" r:id="rId12"/>
-    <p:sldId id="1821" r:id="rId13"/>
-    <p:sldId id="1820" r:id="rId14"/>
-    <p:sldId id="279" r:id="rId15"/>
-    <p:sldId id="1845" r:id="rId16"/>
-    <p:sldId id="257" r:id="rId17"/>
+    <p:sldId id="1822" r:id="rId8"/>
+    <p:sldId id="1821" r:id="rId9"/>
+    <p:sldId id="279" r:id="rId10"/>
+    <p:sldId id="1847" r:id="rId11"/>
+    <p:sldId id="1848" r:id="rId12"/>
+    <p:sldId id="1845" r:id="rId13"/>
   </p:sldIdLst>
   <p:sldSz cx="12188825" cy="6858000"/>
   <p:notesSz cx="7010400" cy="9296400"/>
@@ -267,7 +263,7 @@
           <a:p>
             <a:fld id="{0B842F42-2CE9-4E35-95C1-410DC08A50B1}" type="datetimeFigureOut">
               <a:rPr lang="en-US" smtClean="0"/>
-              <a:t>10/8/2020</a:t>
+              <a:t>4/6/2021</a:t>
             </a:fld>
             <a:endParaRPr lang="en-US"/>
           </a:p>
@@ -432,7 +428,7 @@
           <a:p>
             <a:fld id="{6F282904-F315-4730-8D91-37D99E141A6F}" type="datetimeFigureOut">
               <a:rPr lang="en-US" smtClean="0"/>
-              <a:t>10/8/2020</a:t>
+              <a:t>4/6/2021</a:t>
             </a:fld>
             <a:endParaRPr lang="en-US"/>
           </a:p>
@@ -697,191 +693,6 @@
     </a:lvl9pPr>
   </p:notesStyle>
 </p:notesMaster>
-</file>
-
-<file path=ppt/notesSlides/notesSlide1.xml><?xml version="1.0" encoding="utf-8"?>
-<p:notes xmlns:a="http://schemas.openxmlformats.org/drawingml/2006/main" xmlns:r="http://schemas.openxmlformats.org/officeDocument/2006/relationships" xmlns:p="http://schemas.openxmlformats.org/presentationml/2006/main">
-  <p:cSld>
-    <p:spTree>
-      <p:nvGrpSpPr>
-        <p:cNvPr id="1" name=""/>
-        <p:cNvGrpSpPr/>
-        <p:nvPr/>
-      </p:nvGrpSpPr>
-      <p:grpSpPr>
-        <a:xfrm>
-          <a:off x="0" y="0"/>
-          <a:ext cx="0" cy="0"/>
-          <a:chOff x="0" y="0"/>
-          <a:chExt cx="0" cy="0"/>
-        </a:xfrm>
-      </p:grpSpPr>
-      <p:sp>
-        <p:nvSpPr>
-          <p:cNvPr id="2" name="Slide Image Placeholder 1"/>
-          <p:cNvSpPr>
-            <a:spLocks noGrp="1" noRot="1" noChangeAspect="1"/>
-          </p:cNvSpPr>
-          <p:nvPr>
-            <p:ph type="sldImg"/>
-          </p:nvPr>
-        </p:nvSpPr>
-        <p:spPr/>
-      </p:sp>
-      <p:sp>
-        <p:nvSpPr>
-          <p:cNvPr id="3" name="Notes Placeholder 2"/>
-          <p:cNvSpPr>
-            <a:spLocks noGrp="1"/>
-          </p:cNvSpPr>
-          <p:nvPr>
-            <p:ph type="body" idx="1"/>
-          </p:nvPr>
-        </p:nvSpPr>
-        <p:spPr/>
-        <p:txBody>
-          <a:bodyPr/>
-          <a:lstStyle/>
-          <a:p>
-            <a:r>
-              <a:rPr lang="en-US" dirty="0"/>
-              <a:t>Numerical models</a:t>
-            </a:r>
-          </a:p>
-        </p:txBody>
-      </p:sp>
-      <p:sp>
-        <p:nvSpPr>
-          <p:cNvPr id="4" name="Slide Number Placeholder 3"/>
-          <p:cNvSpPr>
-            <a:spLocks noGrp="1"/>
-          </p:cNvSpPr>
-          <p:nvPr>
-            <p:ph type="sldNum" sz="quarter" idx="10"/>
-          </p:nvPr>
-        </p:nvSpPr>
-        <p:spPr/>
-        <p:txBody>
-          <a:bodyPr/>
-          <a:lstStyle/>
-          <a:p>
-            <a:fld id="{54E672D7-8E2D-4611-973D-F4591A707C34}" type="slidenum">
-              <a:rPr lang="en-US" smtClean="0"/>
-              <a:t>4</a:t>
-            </a:fld>
-            <a:endParaRPr lang="en-US"/>
-          </a:p>
-        </p:txBody>
-      </p:sp>
-    </p:spTree>
-    <p:extLst>
-      <p:ext uri="{BB962C8B-B14F-4D97-AF65-F5344CB8AC3E}">
-        <p14:creationId xmlns:p14="http://schemas.microsoft.com/office/powerpoint/2010/main" val="1686002994"/>
-      </p:ext>
-    </p:extLst>
-  </p:cSld>
-  <p:clrMapOvr>
-    <a:masterClrMapping/>
-  </p:clrMapOvr>
-</p:notes>
-</file>
-
-<file path=ppt/notesSlides/notesSlide2.xml><?xml version="1.0" encoding="utf-8"?>
-<p:notes xmlns:a="http://schemas.openxmlformats.org/drawingml/2006/main" xmlns:r="http://schemas.openxmlformats.org/officeDocument/2006/relationships" xmlns:p="http://schemas.openxmlformats.org/presentationml/2006/main">
-  <p:cSld>
-    <p:spTree>
-      <p:nvGrpSpPr>
-        <p:cNvPr id="1" name=""/>
-        <p:cNvGrpSpPr/>
-        <p:nvPr/>
-      </p:nvGrpSpPr>
-      <p:grpSpPr>
-        <a:xfrm>
-          <a:off x="0" y="0"/>
-          <a:ext cx="0" cy="0"/>
-          <a:chOff x="0" y="0"/>
-          <a:chExt cx="0" cy="0"/>
-        </a:xfrm>
-      </p:grpSpPr>
-      <p:sp>
-        <p:nvSpPr>
-          <p:cNvPr id="2" name="Slide Image Placeholder 1"/>
-          <p:cNvSpPr>
-            <a:spLocks noGrp="1" noRot="1" noChangeAspect="1"/>
-          </p:cNvSpPr>
-          <p:nvPr>
-            <p:ph type="sldImg"/>
-          </p:nvPr>
-        </p:nvSpPr>
-        <p:spPr/>
-      </p:sp>
-      <p:sp>
-        <p:nvSpPr>
-          <p:cNvPr id="3" name="Notes Placeholder 2"/>
-          <p:cNvSpPr>
-            <a:spLocks noGrp="1"/>
-          </p:cNvSpPr>
-          <p:nvPr>
-            <p:ph type="body" idx="1"/>
-          </p:nvPr>
-        </p:nvSpPr>
-        <p:spPr/>
-        <p:txBody>
-          <a:bodyPr/>
-          <a:lstStyle/>
-          <a:p>
-            <a:r>
-              <a:rPr lang="en-US" dirty="0"/>
-              <a:t>2005, BG/L</a:t>
-            </a:r>
-          </a:p>
-          <a:p>
-            <a:r>
-              <a:rPr lang="en-US" dirty="0"/>
-              <a:t>This was not even a</a:t>
-            </a:r>
-            <a:r>
-              <a:rPr lang="en-US" baseline="0" dirty="0"/>
-              <a:t> situation like retracting results </a:t>
-            </a:r>
-            <a:endParaRPr lang="en-US" dirty="0"/>
-          </a:p>
-        </p:txBody>
-      </p:sp>
-      <p:sp>
-        <p:nvSpPr>
-          <p:cNvPr id="4" name="Slide Number Placeholder 3"/>
-          <p:cNvSpPr>
-            <a:spLocks noGrp="1"/>
-          </p:cNvSpPr>
-          <p:nvPr>
-            <p:ph type="sldNum" sz="quarter" idx="10"/>
-          </p:nvPr>
-        </p:nvSpPr>
-        <p:spPr/>
-        <p:txBody>
-          <a:bodyPr/>
-          <a:lstStyle/>
-          <a:p>
-            <a:fld id="{54E672D7-8E2D-4611-973D-F4591A707C34}" type="slidenum">
-              <a:rPr lang="en-US" smtClean="0"/>
-              <a:t>7</a:t>
-            </a:fld>
-            <a:endParaRPr lang="en-US"/>
-          </a:p>
-        </p:txBody>
-      </p:sp>
-    </p:spTree>
-    <p:extLst>
-      <p:ext uri="{BB962C8B-B14F-4D97-AF65-F5344CB8AC3E}">
-        <p14:creationId xmlns:p14="http://schemas.microsoft.com/office/powerpoint/2010/main" val="1019170940"/>
-      </p:ext>
-    </p:extLst>
-  </p:cSld>
-  <p:clrMapOvr>
-    <a:masterClrMapping/>
-  </p:clrMapOvr>
-</p:notes>
 </file>
 
 <file path=ppt/slideLayouts/slideLayout1.xml><?xml version="1.0" encoding="utf-8"?>
@@ -4381,7 +4192,7 @@
           <a:p>
             <a:r>
               <a:rPr lang="en-US" dirty="0"/>
-              <a:t>Motivation and Overview of Best Practices in HPC Software Development</a:t>
+              <a:t>Motivation and Overview</a:t>
             </a:r>
           </a:p>
         </p:txBody>
@@ -4409,38 +4220,48 @@
           <a:p>
             <a:r>
               <a:rPr lang="en-US" u="sng" dirty="0"/>
-              <a:t>David E. Bernholdt </a:t>
+              <a:t>Patricia A. Grubel</a:t>
             </a:r>
             <a:br>
               <a:rPr lang="en-US" u="sng" dirty="0"/>
             </a:br>
             <a:r>
-              <a:rPr lang="en-US" sz="2000" dirty="0"/>
+              <a:rPr lang="en-US" sz="2400" dirty="0"/>
+              <a:t>Los Alamos National Laboratory</a:t>
+            </a:r>
+            <a:endParaRPr lang="en-US" dirty="0"/>
+          </a:p>
+          <a:p>
+            <a:r>
+              <a:rPr lang="en-US" dirty="0"/>
+              <a:t>David E. Bernholdt </a:t>
+            </a:r>
+            <a:br>
+              <a:rPr lang="en-US" u="sng" dirty="0"/>
+            </a:br>
+            <a:r>
+              <a:rPr lang="en-US" sz="2400" dirty="0"/>
               <a:t>Oak Ridge National Laboratory</a:t>
             </a:r>
           </a:p>
           <a:p>
             <a:r>
-              <a:rPr lang="en-US" dirty="0" err="1"/>
-              <a:t>Anshu</a:t>
-            </a:r>
-            <a:r>
               <a:rPr lang="en-US" dirty="0"/>
-              <a:t> Dubey, Katherine M. Riley</a:t>
+              <a:t>Anshu Dubey, Katherine M. Riley</a:t>
             </a:r>
             <a:br>
               <a:rPr lang="en-US" dirty="0"/>
             </a:br>
             <a:r>
-              <a:rPr lang="en-US" sz="2000" dirty="0"/>
+              <a:rPr lang="en-US" sz="2400" dirty="0"/>
               <a:t>Argonne National Laboratory</a:t>
             </a:r>
             <a:endParaRPr lang="en-US" dirty="0"/>
           </a:p>
           <a:p>
             <a:r>
-              <a:rPr lang="en-US" sz="2000" dirty="0"/>
-              <a:t>Better Scientific Software Tutorial, SC20, November 2020</a:t>
+              <a:rPr lang="en-US" sz="2400" dirty="0"/>
+              <a:t>Developing a Testing and Continuous Integration Strategy for your Team tutorial @ ECP Annual Meeting, April 2021</a:t>
             </a:r>
           </a:p>
         </p:txBody>
@@ -4581,7 +4402,7 @@
 </p:sld>
 </file>
 
-<file path=ppt/slides/slide10.xml><?xml version="1.0" encoding="utf-8"?>
+<file path=ppt/slides/slide2.xml><?xml version="1.0" encoding="utf-8"?>
 <p:sld xmlns:a="http://schemas.openxmlformats.org/drawingml/2006/main" xmlns:r="http://schemas.openxmlformats.org/officeDocument/2006/relationships" xmlns:p="http://schemas.openxmlformats.org/presentationml/2006/main">
   <p:cSld>
     <p:spTree>
@@ -4600,392 +4421,319 @@
       </p:grpSpPr>
       <p:sp>
         <p:nvSpPr>
-          <p:cNvPr id="2" name="Rectangle 1">
+          <p:cNvPr id="2" name="Title 1">
             <a:extLst>
               <a:ext uri="{FF2B5EF4-FFF2-40B4-BE49-F238E27FC236}">
-                <a16:creationId xmlns:a16="http://schemas.microsoft.com/office/drawing/2014/main" id="{35B3607C-F7FB-4C9C-B89D-B2DE6168B45D}"/>
+                <a16:creationId xmlns:a16="http://schemas.microsoft.com/office/drawing/2014/main" id="{6442C24D-D970-4D40-8F14-D70C10A96304}"/>
               </a:ext>
             </a:extLst>
           </p:cNvPr>
-          <p:cNvSpPr/>
-          <p:nvPr/>
+          <p:cNvSpPr>
+            <a:spLocks noGrp="1"/>
+          </p:cNvSpPr>
+          <p:nvPr>
+            <p:ph type="title"/>
+          </p:nvPr>
         </p:nvSpPr>
         <p:spPr>
           <a:xfrm>
-            <a:off x="575448" y="1152602"/>
-            <a:ext cx="4892029" cy="1569660"/>
-          </a:xfrm>
-          <a:prstGeom prst="rect">
-            <a:avLst/>
-          </a:prstGeom>
+            <a:off x="363096" y="112911"/>
+            <a:ext cx="11372473" cy="914400"/>
+          </a:xfrm>
         </p:spPr>
         <p:txBody>
-          <a:bodyPr wrap="square">
-            <a:spAutoFit/>
-          </a:bodyPr>
+          <a:bodyPr/>
           <a:lstStyle/>
           <a:p>
-            <a:pPr algn="ctr"/>
-            <a:r>
-              <a:rPr lang="en-US" sz="3200" b="1" dirty="0"/>
-              <a:t>Good scientific process </a:t>
-            </a:r>
-            <a:br>
-              <a:rPr lang="en-US" sz="3200" b="1" dirty="0"/>
-            </a:br>
-            <a:r>
-              <a:rPr lang="en-US" sz="3200" b="1" dirty="0"/>
-              <a:t>requires </a:t>
-            </a:r>
-            <a:br>
-              <a:rPr lang="en-US" sz="3200" b="1" dirty="0"/>
-            </a:br>
-            <a:r>
-              <a:rPr lang="en-US" sz="3200" b="1" dirty="0">
-                <a:solidFill>
-                  <a:schemeClr val="tx2"/>
-                </a:solidFill>
-              </a:rPr>
-              <a:t>good software practices</a:t>
+            <a:r>
+              <a:rPr lang="en-US" dirty="0"/>
+              <a:t>License, Citation and Acknowledgements</a:t>
             </a:r>
           </a:p>
         </p:txBody>
       </p:sp>
       <p:sp>
         <p:nvSpPr>
-          <p:cNvPr id="5" name="Rectangle 4">
+          <p:cNvPr id="3" name="Content Placeholder 2">
             <a:extLst>
               <a:ext uri="{FF2B5EF4-FFF2-40B4-BE49-F238E27FC236}">
-                <a16:creationId xmlns:a16="http://schemas.microsoft.com/office/drawing/2014/main" id="{1791A19B-0FCA-4503-B689-72E52F74EEE8}"/>
+                <a16:creationId xmlns:a16="http://schemas.microsoft.com/office/drawing/2014/main" id="{0385A3AB-B258-4D59-B407-F7D57545A163}"/>
               </a:ext>
             </a:extLst>
           </p:cNvPr>
-          <p:cNvSpPr/>
-          <p:nvPr/>
+          <p:cNvSpPr>
+            <a:spLocks noGrp="1"/>
+          </p:cNvSpPr>
+          <p:nvPr>
+            <p:ph idx="1"/>
+          </p:nvPr>
         </p:nvSpPr>
         <p:spPr>
           <a:xfrm>
-            <a:off x="532542" y="4127870"/>
-            <a:ext cx="4977841" cy="1569660"/>
+            <a:off x="409507" y="570111"/>
+            <a:ext cx="11369809" cy="4047778"/>
+          </a:xfrm>
+        </p:spPr>
+        <p:txBody>
+          <a:bodyPr/>
+          <a:lstStyle/>
+          <a:p>
+            <a:pPr marL="0" indent="0">
+              <a:buNone/>
+            </a:pPr>
+            <a:r>
+              <a:rPr lang="en-US" sz="2000" b="1" dirty="0"/>
+              <a:t>License and Citation</a:t>
+            </a:r>
+          </a:p>
+          <a:p>
+            <a:pPr>
+              <a:spcBef>
+                <a:spcPts val="400"/>
+              </a:spcBef>
+            </a:pPr>
+            <a:r>
+              <a:rPr lang="en-US" sz="1600" dirty="0"/>
+              <a:t>This work is licensed under a </a:t>
+            </a:r>
+            <a:r>
+              <a:rPr lang="en-US" sz="1600" dirty="0">
+                <a:hlinkClick r:id="rId2"/>
+              </a:rPr>
+              <a:t>Creative</a:t>
+            </a:r>
+            <a:r>
+              <a:rPr lang="en-US" sz="1600" dirty="0">
+                <a:hlinkClick r:id="rId3"/>
+              </a:rPr>
+              <a:t> Commons Attribution 4.0 International License</a:t>
+            </a:r>
+            <a:r>
+              <a:rPr lang="en-US" sz="1600" dirty="0"/>
+              <a:t> (CC BY 4.0).</a:t>
+            </a:r>
+          </a:p>
+          <a:p>
+            <a:pPr>
+              <a:spcBef>
+                <a:spcPts val="400"/>
+              </a:spcBef>
+            </a:pPr>
+            <a:r>
+              <a:rPr lang="en-US" sz="1600" b="1" dirty="0"/>
+              <a:t>The requested citation the overall tutorial is: David E. Bernholdt, Anshu Dubey, Rinku K. Gupta, and David M. Rogers, Better Scientific Software tutorial, in Improving Scientific Software conference, online, 2021. DOI: </a:t>
+            </a:r>
+            <a:r>
+              <a:rPr lang="en-US" sz="1600" b="1" dirty="0">
+                <a:hlinkClick r:id="rId4"/>
+              </a:rPr>
+              <a:t>10.6084/m9.figshare.14256257</a:t>
+            </a:r>
+            <a:endParaRPr lang="en-US" sz="1600" b="1" dirty="0"/>
+          </a:p>
+          <a:p>
+            <a:pPr>
+              <a:spcBef>
+                <a:spcPts val="400"/>
+              </a:spcBef>
+            </a:pPr>
+            <a:r>
+              <a:rPr lang="en-US" sz="1600" dirty="0"/>
+              <a:t>Individual modules may be cited as </a:t>
+            </a:r>
+            <a:r>
+              <a:rPr lang="en-US" sz="1600" i="1" dirty="0"/>
+              <a:t>Speaker, Module Title</a:t>
+            </a:r>
+            <a:r>
+              <a:rPr lang="en-US" sz="1600" dirty="0"/>
+              <a:t>, in Better Scientific Software tutorial…</a:t>
+            </a:r>
+          </a:p>
+          <a:p>
+            <a:pPr marL="0" indent="0">
+              <a:spcBef>
+                <a:spcPts val="800"/>
+              </a:spcBef>
+              <a:buNone/>
+            </a:pPr>
+            <a:r>
+              <a:rPr lang="en-US" sz="2000" b="1" dirty="0"/>
+              <a:t>Acknowledgements</a:t>
+            </a:r>
+          </a:p>
+          <a:p>
+            <a:pPr>
+              <a:spcBef>
+                <a:spcPts val="400"/>
+              </a:spcBef>
+            </a:pPr>
+            <a:r>
+              <a:rPr lang="en-US" sz="1400" dirty="0"/>
+              <a:t>Additional contributors include: Mike </a:t>
+            </a:r>
+            <a:r>
+              <a:rPr lang="en-US" sz="1400" dirty="0" err="1"/>
+              <a:t>Heroux</a:t>
+            </a:r>
+            <a:r>
+              <a:rPr lang="en-US" sz="1400" dirty="0"/>
+              <a:t>, Alicia </a:t>
+            </a:r>
+            <a:r>
+              <a:rPr lang="en-US" sz="1400" dirty="0" err="1"/>
+              <a:t>Klinvex</a:t>
+            </a:r>
+            <a:r>
+              <a:rPr lang="en-US" sz="1400" dirty="0"/>
+              <a:t>, Mark Miller, Jared O’Neal, Katherine Riley, David Rogers, Deborah Stevens, James </a:t>
+            </a:r>
+            <a:r>
+              <a:rPr lang="en-US" sz="1400" dirty="0" err="1"/>
+              <a:t>Willenbring</a:t>
+            </a:r>
+            <a:endParaRPr lang="en-US" sz="1400" dirty="0"/>
+          </a:p>
+          <a:p>
+            <a:pPr>
+              <a:spcBef>
+                <a:spcPts val="400"/>
+              </a:spcBef>
+            </a:pPr>
+            <a:r>
+              <a:rPr lang="en-US" sz="1400" dirty="0"/>
+              <a:t>This work was supported by the U.S. Department of Energy Office of Science, Office of Advanced Scientific Computing Research (ASCR), and by the </a:t>
+            </a:r>
+            <a:r>
+              <a:rPr lang="en-US" sz="1400" dirty="0" err="1"/>
+              <a:t>Exascale</a:t>
+            </a:r>
+            <a:r>
+              <a:rPr lang="en-US" sz="1400" dirty="0"/>
+              <a:t> Computing Project (17-SC-20-SC), a collaborative effort of the U.S. Department of Energy Office of Science and the National Nuclear Security Administration</a:t>
+            </a:r>
+            <a:r>
+              <a:rPr lang="en-US" sz="1400" i="1" dirty="0"/>
+              <a:t>.</a:t>
+            </a:r>
+            <a:endParaRPr lang="en-US" sz="1400" dirty="0"/>
+          </a:p>
+          <a:p>
+            <a:pPr>
+              <a:spcBef>
+                <a:spcPts val="400"/>
+              </a:spcBef>
+            </a:pPr>
+            <a:r>
+              <a:rPr lang="en-US" sz="1400" dirty="0"/>
+              <a:t>This work was performed in part at the Argonne National Laboratory, which is managed by </a:t>
+            </a:r>
+            <a:r>
+              <a:rPr lang="en-US" sz="1400" dirty="0" err="1"/>
+              <a:t>UChicago</a:t>
+            </a:r>
+            <a:r>
+              <a:rPr lang="en-US" sz="1400" dirty="0"/>
+              <a:t> Argonne, LLC for the U.S. Department of Energy under Contract No. DE-AC02-06CH11357.</a:t>
+            </a:r>
+          </a:p>
+          <a:p>
+            <a:pPr>
+              <a:spcBef>
+                <a:spcPts val="400"/>
+              </a:spcBef>
+            </a:pPr>
+            <a:r>
+              <a:rPr lang="en-US" sz="1400" dirty="0"/>
+              <a:t>This work was performed in part at the Oak Ridge National Laboratory, which is managed by UT-Battelle, LLC for the U.S. Department of Energy under Contract No. DE-AC05-00OR22725.</a:t>
+            </a:r>
+          </a:p>
+          <a:p>
+            <a:pPr>
+              <a:spcBef>
+                <a:spcPts val="400"/>
+              </a:spcBef>
+            </a:pPr>
+            <a:r>
+              <a:rPr lang="en-US" sz="1400" dirty="0"/>
+              <a:t>This work was performed in part at the Lawrence Livermore National Laboratory, which is managed by Lawrence Livermore National Security, LLC for the U.S. Department of Energy under Contract No. DE-AC52-07NA27344.</a:t>
+            </a:r>
+          </a:p>
+          <a:p>
+            <a:pPr>
+              <a:spcBef>
+                <a:spcPts val="400"/>
+              </a:spcBef>
+            </a:pPr>
+            <a:r>
+              <a:rPr lang="en-US" sz="1400" dirty="0"/>
+              <a:t>This work was performed in part at the Los Alamos National Laboratory, which is managed by Triad National Security, LLC for the U.S. Department of Energy under Contract No.89233218CNA000001</a:t>
+            </a:r>
+          </a:p>
+          <a:p>
+            <a:pPr>
+              <a:spcBef>
+                <a:spcPts val="400"/>
+              </a:spcBef>
+            </a:pPr>
+            <a:r>
+              <a:rPr lang="en-US" sz="1400" dirty="0"/>
+              <a:t>This work was performed in part at Sandia National Laboratories. Sandia National Laboratories is a multi-mission laboratory managed and operated by National Technology and Engineering Solutions of Sandia, LLC., a wholly owned subsidiary of Honeywell International, Inc., for the U.S. Department of Energy’s National Nuclear Security Administration under contract DE-NA0003525.</a:t>
+            </a:r>
+          </a:p>
+        </p:txBody>
+      </p:sp>
+      <p:pic>
+        <p:nvPicPr>
+          <p:cNvPr id="4" name="Picture 2" descr="https://licensebuttons.net/l/by/4.0/88x31.png">
+            <a:extLst>
+              <a:ext uri="{FF2B5EF4-FFF2-40B4-BE49-F238E27FC236}">
+                <a16:creationId xmlns:a16="http://schemas.microsoft.com/office/drawing/2014/main" id="{61840015-22A0-4634-A2DE-AA05F998FD3A}"/>
+              </a:ext>
+            </a:extLst>
+          </p:cNvPr>
+          <p:cNvPicPr>
+            <a:picLocks noChangeAspect="1" noChangeArrowheads="1"/>
+          </p:cNvPicPr>
+          <p:nvPr/>
+        </p:nvPicPr>
+        <p:blipFill>
+          <a:blip r:embed="rId5">
+            <a:extLst>
+              <a:ext uri="{28A0092B-C50C-407E-A947-70E740481C1C}">
+                <a14:useLocalDpi xmlns:a14="http://schemas.microsoft.com/office/drawing/2010/main" val="0"/>
+              </a:ext>
+            </a:extLst>
+          </a:blip>
+          <a:srcRect/>
+          <a:stretch>
+            <a:fillRect/>
+          </a:stretch>
+        </p:blipFill>
+        <p:spPr bwMode="auto">
+          <a:xfrm>
+            <a:off x="10249254" y="570111"/>
+            <a:ext cx="1661258" cy="585216"/>
           </a:xfrm>
           <a:prstGeom prst="rect">
             <a:avLst/>
           </a:prstGeom>
-        </p:spPr>
-        <p:txBody>
-          <a:bodyPr wrap="square">
-            <a:spAutoFit/>
-          </a:bodyPr>
-          <a:lstStyle/>
-          <a:p>
-            <a:pPr algn="ctr"/>
-            <a:r>
-              <a:rPr lang="en-US" sz="3200" b="1" dirty="0">
+          <a:noFill/>
+          <a:extLst>
+            <a:ext uri="{909E8E84-426E-40DD-AFC4-6F175D3DCCD1}">
+              <a14:hiddenFill xmlns:a14="http://schemas.microsoft.com/office/drawing/2010/main">
                 <a:solidFill>
-                  <a:schemeClr val="tx2"/>
+                  <a:srgbClr val="FFFFFF"/>
                 </a:solidFill>
-              </a:rPr>
-              <a:t>Good software practices </a:t>
-            </a:r>
-            <a:br>
-              <a:rPr lang="en-US" sz="3200" b="1" dirty="0"/>
-            </a:br>
-            <a:r>
-              <a:rPr lang="en-US" sz="3200" b="1" dirty="0"/>
-              <a:t>increase</a:t>
-            </a:r>
-            <a:br>
-              <a:rPr lang="en-US" sz="3200" b="1" dirty="0"/>
-            </a:br>
-            <a:r>
-              <a:rPr lang="en-US" sz="3200" b="1" dirty="0"/>
-              <a:t>scientific productivity</a:t>
-            </a:r>
-          </a:p>
-        </p:txBody>
-      </p:sp>
-      <p:sp>
-        <p:nvSpPr>
-          <p:cNvPr id="4" name="Rectangle 3">
-            <a:extLst>
-              <a:ext uri="{FF2B5EF4-FFF2-40B4-BE49-F238E27FC236}">
-                <a16:creationId xmlns:a16="http://schemas.microsoft.com/office/drawing/2014/main" id="{BD777262-E40E-4426-8E71-2943DF7F4D50}"/>
-              </a:ext>
-            </a:extLst>
-          </p:cNvPr>
-          <p:cNvSpPr/>
-          <p:nvPr/>
-        </p:nvSpPr>
-        <p:spPr>
-          <a:xfrm>
-            <a:off x="6779738" y="4127870"/>
-            <a:ext cx="4659139" cy="1569660"/>
-          </a:xfrm>
-          <a:prstGeom prst="rect">
-            <a:avLst/>
-          </a:prstGeom>
-        </p:spPr>
-        <p:txBody>
-          <a:bodyPr wrap="square">
-            <a:spAutoFit/>
-          </a:bodyPr>
-          <a:lstStyle/>
-          <a:p>
-            <a:pPr algn="ctr"/>
-            <a:r>
-              <a:rPr lang="en-US" sz="3200" b="1" dirty="0">
-                <a:solidFill>
-                  <a:schemeClr val="accent2"/>
-                </a:solidFill>
-              </a:rPr>
-              <a:t>Software sustainability</a:t>
-            </a:r>
-          </a:p>
-          <a:p>
-            <a:pPr algn="ctr"/>
-            <a:r>
-              <a:rPr lang="en-US" sz="3200" b="1" dirty="0"/>
-              <a:t>increases</a:t>
-            </a:r>
-            <a:br>
-              <a:rPr lang="en-US" sz="3200" b="1" dirty="0"/>
-            </a:br>
-            <a:r>
-              <a:rPr lang="en-US" sz="3200" b="1" dirty="0"/>
-              <a:t>scientific productivity</a:t>
-            </a:r>
-          </a:p>
-        </p:txBody>
-      </p:sp>
-      <p:sp>
-        <p:nvSpPr>
-          <p:cNvPr id="6" name="Rectangle 5">
-            <a:extLst>
-              <a:ext uri="{FF2B5EF4-FFF2-40B4-BE49-F238E27FC236}">
-                <a16:creationId xmlns:a16="http://schemas.microsoft.com/office/drawing/2014/main" id="{E9B4162B-73A5-4EC1-A8CB-E2B1C199CF67}"/>
-              </a:ext>
-            </a:extLst>
-          </p:cNvPr>
-          <p:cNvSpPr/>
-          <p:nvPr/>
-        </p:nvSpPr>
-        <p:spPr>
-          <a:xfrm>
-            <a:off x="6621520" y="1152602"/>
-            <a:ext cx="4975574" cy="1569660"/>
-          </a:xfrm>
-          <a:prstGeom prst="rect">
-            <a:avLst/>
-          </a:prstGeom>
-        </p:spPr>
-        <p:txBody>
-          <a:bodyPr wrap="square">
-            <a:spAutoFit/>
-          </a:bodyPr>
-          <a:lstStyle/>
-          <a:p>
-            <a:pPr algn="ctr"/>
-            <a:r>
-              <a:rPr lang="en-US" sz="3200" b="1" dirty="0">
-                <a:solidFill>
-                  <a:schemeClr val="tx2"/>
-                </a:solidFill>
-              </a:rPr>
-              <a:t>Good software practices </a:t>
-            </a:r>
-            <a:br>
-              <a:rPr lang="en-US" sz="3200" b="1" dirty="0"/>
-            </a:br>
-            <a:r>
-              <a:rPr lang="en-US" sz="3200" b="1" dirty="0"/>
-              <a:t>increase</a:t>
-            </a:r>
-            <a:br>
-              <a:rPr lang="en-US" sz="3200" b="1" dirty="0"/>
-            </a:br>
-            <a:r>
-              <a:rPr lang="en-US" sz="3200" b="1" dirty="0">
-                <a:solidFill>
-                  <a:schemeClr val="accent2"/>
-                </a:solidFill>
-              </a:rPr>
-              <a:t>software sustainability</a:t>
-            </a:r>
-          </a:p>
-        </p:txBody>
-      </p:sp>
-      <p:sp>
-        <p:nvSpPr>
-          <p:cNvPr id="3" name="Arrow: Right 2">
-            <a:extLst>
-              <a:ext uri="{FF2B5EF4-FFF2-40B4-BE49-F238E27FC236}">
-                <a16:creationId xmlns:a16="http://schemas.microsoft.com/office/drawing/2014/main" id="{6E668A13-9DBB-419A-8098-62D01AFEF4A4}"/>
-              </a:ext>
-            </a:extLst>
-          </p:cNvPr>
-          <p:cNvSpPr/>
-          <p:nvPr/>
-        </p:nvSpPr>
-        <p:spPr>
-          <a:xfrm>
-            <a:off x="5640901" y="1581132"/>
-            <a:ext cx="807194" cy="712601"/>
-          </a:xfrm>
-          <a:prstGeom prst="rightArrow">
-            <a:avLst/>
-          </a:prstGeom>
-          <a:solidFill>
-            <a:schemeClr val="tx2"/>
-          </a:solidFill>
-          <a:ln>
-            <a:noFill/>
-          </a:ln>
-          <a:effectLst>
-            <a:outerShdw blurRad="44450" dist="27940" dir="5400000" algn="ctr">
-              <a:srgbClr val="000000">
-                <a:alpha val="32000"/>
-              </a:srgbClr>
-            </a:outerShdw>
-          </a:effectLst>
-        </p:spPr>
-        <p:txBody>
-          <a:bodyPr rot="0" spcFirstLastPara="0" vertOverflow="overflow" horzOverflow="overflow" vert="horz" wrap="square" lIns="121851" tIns="60925" rIns="121851" bIns="60925" numCol="1" spcCol="0" rtlCol="0" fromWordArt="0" anchor="ctr" anchorCtr="0" forceAA="0" compatLnSpc="1">
-            <a:prstTxWarp prst="textNoShape">
-              <a:avLst/>
-            </a:prstTxWarp>
-            <a:noAutofit/>
-          </a:bodyPr>
-          <a:lstStyle/>
-          <a:p>
-            <a:pPr algn="ctr">
-              <a:lnSpc>
-                <a:spcPct val="90000"/>
-              </a:lnSpc>
-            </a:pPr>
-            <a:endParaRPr lang="en-US" sz="2000" dirty="0">
-              <a:solidFill>
-                <a:schemeClr val="bg1"/>
-              </a:solidFill>
-            </a:endParaRPr>
-          </a:p>
-        </p:txBody>
-      </p:sp>
-      <p:sp>
-        <p:nvSpPr>
-          <p:cNvPr id="7" name="Arrow: Right 6">
-            <a:extLst>
-              <a:ext uri="{FF2B5EF4-FFF2-40B4-BE49-F238E27FC236}">
-                <a16:creationId xmlns:a16="http://schemas.microsoft.com/office/drawing/2014/main" id="{32F4E506-C103-40A0-9EEF-9A24BE3F5CC2}"/>
-              </a:ext>
-            </a:extLst>
-          </p:cNvPr>
-          <p:cNvSpPr/>
-          <p:nvPr/>
-        </p:nvSpPr>
-        <p:spPr>
-          <a:xfrm rot="5400000">
-            <a:off x="2617865" y="3133510"/>
-            <a:ext cx="807194" cy="712601"/>
-          </a:xfrm>
-          <a:prstGeom prst="rightArrow">
-            <a:avLst/>
-          </a:prstGeom>
-          <a:solidFill>
-            <a:schemeClr val="tx2"/>
-          </a:solidFill>
-          <a:ln>
-            <a:noFill/>
-          </a:ln>
-          <a:effectLst>
-            <a:outerShdw blurRad="44450" dist="27940" dir="5400000" algn="ctr">
-              <a:srgbClr val="000000">
-                <a:alpha val="32000"/>
-              </a:srgbClr>
-            </a:outerShdw>
-          </a:effectLst>
-        </p:spPr>
-        <p:txBody>
-          <a:bodyPr rot="0" spcFirstLastPara="0" vertOverflow="overflow" horzOverflow="overflow" vert="horz" wrap="square" lIns="121851" tIns="60925" rIns="121851" bIns="60925" numCol="1" spcCol="0" rtlCol="0" fromWordArt="0" anchor="ctr" anchorCtr="0" forceAA="0" compatLnSpc="1">
-            <a:prstTxWarp prst="textNoShape">
-              <a:avLst/>
-            </a:prstTxWarp>
-            <a:noAutofit/>
-          </a:bodyPr>
-          <a:lstStyle/>
-          <a:p>
-            <a:pPr algn="ctr">
-              <a:lnSpc>
-                <a:spcPct val="90000"/>
-              </a:lnSpc>
-            </a:pPr>
-            <a:endParaRPr lang="en-US" sz="2000" dirty="0">
-              <a:solidFill>
-                <a:schemeClr val="bg1"/>
-              </a:solidFill>
-            </a:endParaRPr>
-          </a:p>
-        </p:txBody>
-      </p:sp>
-      <p:sp>
-        <p:nvSpPr>
-          <p:cNvPr id="9" name="Arrow: Right 8">
-            <a:extLst>
-              <a:ext uri="{FF2B5EF4-FFF2-40B4-BE49-F238E27FC236}">
-                <a16:creationId xmlns:a16="http://schemas.microsoft.com/office/drawing/2014/main" id="{2D94D1BA-E69D-401A-BC0A-24EF1ED24AAB}"/>
-              </a:ext>
-            </a:extLst>
-          </p:cNvPr>
-          <p:cNvSpPr/>
-          <p:nvPr/>
-        </p:nvSpPr>
-        <p:spPr>
-          <a:xfrm rot="5400000">
-            <a:off x="8705710" y="3133511"/>
-            <a:ext cx="807194" cy="712601"/>
-          </a:xfrm>
-          <a:prstGeom prst="rightArrow">
-            <a:avLst/>
-          </a:prstGeom>
-          <a:solidFill>
-            <a:schemeClr val="accent2"/>
-          </a:solidFill>
-          <a:ln>
-            <a:noFill/>
-          </a:ln>
-          <a:effectLst>
-            <a:outerShdw blurRad="44450" dist="27940" dir="5400000" algn="ctr">
-              <a:srgbClr val="000000">
-                <a:alpha val="32000"/>
-              </a:srgbClr>
-            </a:outerShdw>
-          </a:effectLst>
-        </p:spPr>
-        <p:txBody>
-          <a:bodyPr rot="0" spcFirstLastPara="0" vertOverflow="overflow" horzOverflow="overflow" vert="horz" wrap="square" lIns="121851" tIns="60925" rIns="121851" bIns="60925" numCol="1" spcCol="0" rtlCol="0" fromWordArt="0" anchor="ctr" anchorCtr="0" forceAA="0" compatLnSpc="1">
-            <a:prstTxWarp prst="textNoShape">
-              <a:avLst/>
-            </a:prstTxWarp>
-            <a:noAutofit/>
-          </a:bodyPr>
-          <a:lstStyle/>
-          <a:p>
-            <a:pPr algn="ctr">
-              <a:lnSpc>
-                <a:spcPct val="90000"/>
-              </a:lnSpc>
-            </a:pPr>
-            <a:endParaRPr lang="en-US" sz="2000" dirty="0">
-              <a:solidFill>
-                <a:schemeClr val="bg1"/>
-              </a:solidFill>
-            </a:endParaRPr>
-          </a:p>
-        </p:txBody>
-      </p:sp>
+              </a14:hiddenFill>
+            </a:ext>
+          </a:extLst>
+        </p:spPr>
+      </p:pic>
     </p:spTree>
     <p:extLst>
       <p:ext uri="{BB962C8B-B14F-4D97-AF65-F5344CB8AC3E}">
-        <p14:creationId xmlns:p14="http://schemas.microsoft.com/office/powerpoint/2010/main" val="3582905903"/>
+        <p14:creationId xmlns:p14="http://schemas.microsoft.com/office/powerpoint/2010/main" val="978726433"/>
       </p:ext>
     </p:extLst>
   </p:cSld>
@@ -4995,7 +4743,693 @@
 </p:sld>
 </file>
 
-<file path=ppt/slides/slide11.xml><?xml version="1.0" encoding="utf-8"?>
+<file path=ppt/slides/slide3.xml><?xml version="1.0" encoding="utf-8"?>
+<p:sld xmlns:a="http://schemas.openxmlformats.org/drawingml/2006/main" xmlns:r="http://schemas.openxmlformats.org/officeDocument/2006/relationships" xmlns:p="http://schemas.openxmlformats.org/presentationml/2006/main">
+  <p:cSld>
+    <p:spTree>
+      <p:nvGrpSpPr>
+        <p:cNvPr id="1" name=""/>
+        <p:cNvGrpSpPr/>
+        <p:nvPr/>
+      </p:nvGrpSpPr>
+      <p:grpSpPr>
+        <a:xfrm>
+          <a:off x="0" y="0"/>
+          <a:ext cx="0" cy="0"/>
+          <a:chOff x="0" y="0"/>
+          <a:chExt cx="0" cy="0"/>
+        </a:xfrm>
+      </p:grpSpPr>
+      <p:sp>
+        <p:nvSpPr>
+          <p:cNvPr id="3" name="Content Placeholder 2">
+            <a:extLst>
+              <a:ext uri="{FF2B5EF4-FFF2-40B4-BE49-F238E27FC236}">
+                <a16:creationId xmlns:a16="http://schemas.microsoft.com/office/drawing/2014/main" id="{36733E54-E07F-40D0-AAF9-603545181CBC}"/>
+              </a:ext>
+            </a:extLst>
+          </p:cNvPr>
+          <p:cNvSpPr>
+            <a:spLocks noGrp="1"/>
+          </p:cNvSpPr>
+          <p:nvPr>
+            <p:ph idx="1"/>
+          </p:nvPr>
+        </p:nvSpPr>
+        <p:spPr>
+          <a:xfrm>
+            <a:off x="365760" y="1405111"/>
+            <a:ext cx="11369809" cy="4047778"/>
+          </a:xfrm>
+        </p:spPr>
+        <p:txBody>
+          <a:bodyPr anchor="ctr" anchorCtr="0"/>
+          <a:lstStyle/>
+          <a:p>
+            <a:pPr marL="0" indent="0" algn="ctr">
+              <a:buNone/>
+            </a:pPr>
+            <a:r>
+              <a:rPr lang="en-US" sz="4400" dirty="0"/>
+              <a:t>Science through computing is, </a:t>
+            </a:r>
+            <a:br>
+              <a:rPr lang="en-US" sz="4400" dirty="0"/>
+            </a:br>
+            <a:r>
+              <a:rPr lang="en-US" sz="4400" dirty="0"/>
+              <a:t>at best, </a:t>
+            </a:r>
+            <a:br>
+              <a:rPr lang="en-US" sz="4400" dirty="0"/>
+            </a:br>
+            <a:r>
+              <a:rPr lang="en-US" sz="4400" dirty="0"/>
+              <a:t>as credible as the software that produces it!</a:t>
+            </a:r>
+          </a:p>
+        </p:txBody>
+      </p:sp>
+    </p:spTree>
+    <p:extLst>
+      <p:ext uri="{BB962C8B-B14F-4D97-AF65-F5344CB8AC3E}">
+        <p14:creationId xmlns:p14="http://schemas.microsoft.com/office/powerpoint/2010/main" val="242292329"/>
+      </p:ext>
+    </p:extLst>
+  </p:cSld>
+  <p:clrMapOvr>
+    <a:masterClrMapping/>
+  </p:clrMapOvr>
+</p:sld>
+</file>
+
+<file path=ppt/slides/slide4.xml><?xml version="1.0" encoding="utf-8"?>
+<p:sld xmlns:a="http://schemas.openxmlformats.org/drawingml/2006/main" xmlns:r="http://schemas.openxmlformats.org/officeDocument/2006/relationships" xmlns:p="http://schemas.openxmlformats.org/presentationml/2006/main">
+  <p:cSld>
+    <p:spTree>
+      <p:nvGrpSpPr>
+        <p:cNvPr id="1" name=""/>
+        <p:cNvGrpSpPr/>
+        <p:nvPr/>
+      </p:nvGrpSpPr>
+      <p:grpSpPr>
+        <a:xfrm>
+          <a:off x="0" y="0"/>
+          <a:ext cx="0" cy="0"/>
+          <a:chOff x="0" y="0"/>
+          <a:chExt cx="0" cy="0"/>
+        </a:xfrm>
+      </p:grpSpPr>
+      <p:sp>
+        <p:nvSpPr>
+          <p:cNvPr id="2" name="Title 1">
+            <a:extLst>
+              <a:ext uri="{FF2B5EF4-FFF2-40B4-BE49-F238E27FC236}">
+                <a16:creationId xmlns:a16="http://schemas.microsoft.com/office/drawing/2014/main" id="{9FBE681E-868C-4362-8CE9-D9277D90945D}"/>
+              </a:ext>
+            </a:extLst>
+          </p:cNvPr>
+          <p:cNvSpPr>
+            <a:spLocks noGrp="1"/>
+          </p:cNvSpPr>
+          <p:nvPr>
+            <p:ph type="title"/>
+          </p:nvPr>
+        </p:nvSpPr>
+        <p:spPr/>
+        <p:txBody>
+          <a:bodyPr/>
+          <a:lstStyle/>
+          <a:p>
+            <a:r>
+              <a:rPr lang="en-US" dirty="0"/>
+              <a:t>High-Consequence Software-Related Scientific Failures</a:t>
+            </a:r>
+          </a:p>
+        </p:txBody>
+      </p:sp>
+      <p:sp>
+        <p:nvSpPr>
+          <p:cNvPr id="4" name="Text Placeholder 3">
+            <a:extLst>
+              <a:ext uri="{FF2B5EF4-FFF2-40B4-BE49-F238E27FC236}">
+                <a16:creationId xmlns:a16="http://schemas.microsoft.com/office/drawing/2014/main" id="{E8D361FB-619E-41D2-B8F0-CA5FA1B12783}"/>
+              </a:ext>
+            </a:extLst>
+          </p:cNvPr>
+          <p:cNvSpPr>
+            <a:spLocks noGrp="1"/>
+          </p:cNvSpPr>
+          <p:nvPr>
+            <p:ph type="body" idx="1"/>
+          </p:nvPr>
+        </p:nvSpPr>
+        <p:spPr>
+          <a:xfrm>
+            <a:off x="457200" y="1082160"/>
+            <a:ext cx="5588582" cy="821190"/>
+          </a:xfrm>
+        </p:spPr>
+        <p:txBody>
+          <a:bodyPr/>
+          <a:lstStyle/>
+          <a:p>
+            <a:r>
+              <a:rPr lang="en-US" dirty="0"/>
+              <a:t>Therac-25 (1985-1987)</a:t>
+            </a:r>
+          </a:p>
+        </p:txBody>
+      </p:sp>
+      <p:sp>
+        <p:nvSpPr>
+          <p:cNvPr id="5" name="Content Placeholder 4">
+            <a:extLst>
+              <a:ext uri="{FF2B5EF4-FFF2-40B4-BE49-F238E27FC236}">
+                <a16:creationId xmlns:a16="http://schemas.microsoft.com/office/drawing/2014/main" id="{56CD8BB6-7BE3-465D-9CA1-DEAACB888B21}"/>
+              </a:ext>
+            </a:extLst>
+          </p:cNvPr>
+          <p:cNvSpPr>
+            <a:spLocks noGrp="1"/>
+          </p:cNvSpPr>
+          <p:nvPr>
+            <p:ph sz="half" idx="2"/>
+          </p:nvPr>
+        </p:nvSpPr>
+        <p:spPr>
+          <a:xfrm>
+            <a:off x="457200" y="1903350"/>
+            <a:ext cx="5588582" cy="3373229"/>
+          </a:xfrm>
+        </p:spPr>
+        <p:txBody>
+          <a:bodyPr/>
+          <a:lstStyle/>
+          <a:p>
+            <a:r>
+              <a:rPr lang="en-US" dirty="0"/>
+              <a:t>Computer-controlled radiation therapy system</a:t>
+            </a:r>
+          </a:p>
+          <a:p>
+            <a:r>
+              <a:rPr lang="en-US" b="1" dirty="0"/>
+              <a:t>Poor software design, development and testing practices </a:t>
+            </a:r>
+            <a:r>
+              <a:rPr lang="en-US" dirty="0"/>
+              <a:t>allowed flaws that let to at least six cases of substantial radiation overdoses, three fatal</a:t>
+            </a:r>
+          </a:p>
+        </p:txBody>
+      </p:sp>
+      <p:sp>
+        <p:nvSpPr>
+          <p:cNvPr id="8" name="Text Placeholder 7">
+            <a:extLst>
+              <a:ext uri="{FF2B5EF4-FFF2-40B4-BE49-F238E27FC236}">
+                <a16:creationId xmlns:a16="http://schemas.microsoft.com/office/drawing/2014/main" id="{2A9420E6-1ED3-47F5-A868-592FBE0CF025}"/>
+              </a:ext>
+            </a:extLst>
+          </p:cNvPr>
+          <p:cNvSpPr>
+            <a:spLocks noGrp="1"/>
+          </p:cNvSpPr>
+          <p:nvPr>
+            <p:ph type="body" sz="quarter" idx="3"/>
+          </p:nvPr>
+        </p:nvSpPr>
+        <p:spPr>
+          <a:xfrm>
+            <a:off x="6218913" y="1082160"/>
+            <a:ext cx="5588581" cy="821190"/>
+          </a:xfrm>
+        </p:spPr>
+        <p:txBody>
+          <a:bodyPr/>
+          <a:lstStyle/>
+          <a:p>
+            <a:r>
+              <a:rPr lang="en-US" dirty="0"/>
+              <a:t>Mars Climate Orbiter (1999)</a:t>
+            </a:r>
+          </a:p>
+        </p:txBody>
+      </p:sp>
+      <p:sp>
+        <p:nvSpPr>
+          <p:cNvPr id="10" name="Text Placeholder 9">
+            <a:extLst>
+              <a:ext uri="{FF2B5EF4-FFF2-40B4-BE49-F238E27FC236}">
+                <a16:creationId xmlns:a16="http://schemas.microsoft.com/office/drawing/2014/main" id="{C8632146-7E50-4441-AA9F-3B7BFE2EDC5F}"/>
+              </a:ext>
+            </a:extLst>
+          </p:cNvPr>
+          <p:cNvSpPr>
+            <a:spLocks noGrp="1"/>
+          </p:cNvSpPr>
+          <p:nvPr>
+            <p:ph sz="quarter" idx="4"/>
+          </p:nvPr>
+        </p:nvSpPr>
+        <p:spPr>
+          <a:xfrm>
+            <a:off x="6218914" y="1903350"/>
+            <a:ext cx="5588582" cy="3373229"/>
+          </a:xfrm>
+        </p:spPr>
+        <p:txBody>
+          <a:bodyPr/>
+          <a:lstStyle/>
+          <a:p>
+            <a:r>
+              <a:rPr lang="en-US" dirty="0"/>
+              <a:t>Incorrect trajectory adjustment caused loss of the orbiter as it was supposed to enter Martian orbit</a:t>
+            </a:r>
+          </a:p>
+          <a:p>
+            <a:r>
+              <a:rPr lang="en-US" dirty="0"/>
+              <a:t>Discrepancy in the units used in two different software components</a:t>
+            </a:r>
+          </a:p>
+          <a:p>
+            <a:r>
+              <a:rPr lang="en-US" dirty="0"/>
+              <a:t>One component </a:t>
+            </a:r>
+            <a:r>
+              <a:rPr lang="en-US" b="1" dirty="0"/>
+              <a:t>didn’t follow specifications</a:t>
+            </a:r>
+          </a:p>
+          <a:p>
+            <a:r>
+              <a:rPr lang="en-US" b="1" dirty="0"/>
+              <a:t>Inadequate testing </a:t>
+            </a:r>
+            <a:r>
+              <a:rPr lang="en-US" dirty="0"/>
+              <a:t>at the interface</a:t>
+            </a:r>
+          </a:p>
+          <a:p>
+            <a:r>
+              <a:rPr lang="en-US" dirty="0"/>
+              <a:t>Concerns raised earlier in the mission were ignored because they </a:t>
+            </a:r>
+            <a:r>
+              <a:rPr lang="en-US" b="1" dirty="0"/>
+              <a:t>weren’t properly documented </a:t>
+            </a:r>
+          </a:p>
+        </p:txBody>
+      </p:sp>
+      <p:pic>
+        <p:nvPicPr>
+          <p:cNvPr id="1030" name="Picture 6" descr="Photo of the Therac 25">
+            <a:extLst>
+              <a:ext uri="{FF2B5EF4-FFF2-40B4-BE49-F238E27FC236}">
+                <a16:creationId xmlns:a16="http://schemas.microsoft.com/office/drawing/2014/main" id="{0B40ADAE-0821-49AE-9C40-E819AA1A080F}"/>
+              </a:ext>
+            </a:extLst>
+          </p:cNvPr>
+          <p:cNvPicPr>
+            <a:picLocks noChangeAspect="1" noChangeArrowheads="1"/>
+          </p:cNvPicPr>
+          <p:nvPr/>
+        </p:nvPicPr>
+        <p:blipFill rotWithShape="1">
+          <a:blip r:embed="rId2">
+            <a:extLst>
+              <a:ext uri="{28A0092B-C50C-407E-A947-70E740481C1C}">
+                <a14:useLocalDpi xmlns:a14="http://schemas.microsoft.com/office/drawing/2010/main" val="0"/>
+              </a:ext>
+            </a:extLst>
+          </a:blip>
+          <a:srcRect l="2986" t="5757" r="2268" b="3090"/>
+          <a:stretch/>
+        </p:blipFill>
+        <p:spPr bwMode="auto">
+          <a:xfrm>
+            <a:off x="457200" y="3709440"/>
+            <a:ext cx="3312001" cy="2066400"/>
+          </a:xfrm>
+          <a:prstGeom prst="rect">
+            <a:avLst/>
+          </a:prstGeom>
+          <a:noFill/>
+          <a:extLst>
+            <a:ext uri="{909E8E84-426E-40DD-AFC4-6F175D3DCCD1}">
+              <a14:hiddenFill xmlns:a14="http://schemas.microsoft.com/office/drawing/2010/main">
+                <a:solidFill>
+                  <a:srgbClr val="FFFFFF"/>
+                </a:solidFill>
+              </a14:hiddenFill>
+            </a:ext>
+          </a:extLst>
+        </p:spPr>
+      </p:pic>
+      <p:pic>
+        <p:nvPicPr>
+          <p:cNvPr id="1028" name="Picture 4">
+            <a:extLst>
+              <a:ext uri="{FF2B5EF4-FFF2-40B4-BE49-F238E27FC236}">
+                <a16:creationId xmlns:a16="http://schemas.microsoft.com/office/drawing/2014/main" id="{F408BCE3-0998-4F7D-940F-78254B75691F}"/>
+              </a:ext>
+            </a:extLst>
+          </p:cNvPr>
+          <p:cNvPicPr>
+            <a:picLocks noChangeAspect="1" noChangeArrowheads="1"/>
+          </p:cNvPicPr>
+          <p:nvPr/>
+        </p:nvPicPr>
+        <p:blipFill>
+          <a:blip r:embed="rId3" cstate="print">
+            <a:extLst>
+              <a:ext uri="{28A0092B-C50C-407E-A947-70E740481C1C}">
+                <a14:useLocalDpi xmlns:a14="http://schemas.microsoft.com/office/drawing/2010/main" val="0"/>
+              </a:ext>
+            </a:extLst>
+          </a:blip>
+          <a:srcRect/>
+          <a:stretch>
+            <a:fillRect/>
+          </a:stretch>
+        </p:blipFill>
+        <p:spPr bwMode="auto">
+          <a:xfrm>
+            <a:off x="3482747" y="4363920"/>
+            <a:ext cx="2570581" cy="2336400"/>
+          </a:xfrm>
+          <a:prstGeom prst="rect">
+            <a:avLst/>
+          </a:prstGeom>
+          <a:noFill/>
+          <a:extLst>
+            <a:ext uri="{909E8E84-426E-40DD-AFC4-6F175D3DCCD1}">
+              <a14:hiddenFill xmlns:a14="http://schemas.microsoft.com/office/drawing/2010/main">
+                <a:solidFill>
+                  <a:srgbClr val="FFFFFF"/>
+                </a:solidFill>
+              </a14:hiddenFill>
+            </a:ext>
+          </a:extLst>
+        </p:spPr>
+      </p:pic>
+      <p:sp>
+        <p:nvSpPr>
+          <p:cNvPr id="12" name="TextBox 11">
+            <a:extLst>
+              <a:ext uri="{FF2B5EF4-FFF2-40B4-BE49-F238E27FC236}">
+                <a16:creationId xmlns:a16="http://schemas.microsoft.com/office/drawing/2014/main" id="{0914C56D-3B93-4509-884B-13EFE57E3C93}"/>
+              </a:ext>
+            </a:extLst>
+          </p:cNvPr>
+          <p:cNvSpPr txBox="1"/>
+          <p:nvPr/>
+        </p:nvSpPr>
+        <p:spPr>
+          <a:xfrm>
+            <a:off x="7025304" y="5505985"/>
+            <a:ext cx="3919153" cy="517065"/>
+          </a:xfrm>
+          <a:prstGeom prst="rect">
+            <a:avLst/>
+          </a:prstGeom>
+          <a:noFill/>
+          <a:ln>
+            <a:solidFill>
+              <a:schemeClr val="accent4"/>
+            </a:solidFill>
+          </a:ln>
+        </p:spPr>
+        <p:txBody>
+          <a:bodyPr wrap="square" lIns="118872" tIns="91440" rIns="118872" bIns="91440" rtlCol="0" anchor="ctr" anchorCtr="0">
+            <a:spAutoFit/>
+          </a:bodyPr>
+          <a:lstStyle/>
+          <a:p>
+            <a:pPr algn="l">
+              <a:lnSpc>
+                <a:spcPct val="90000"/>
+              </a:lnSpc>
+            </a:pPr>
+            <a:r>
+              <a:rPr lang="en-US" sz="2400" i="1" dirty="0">
+                <a:solidFill>
+                  <a:schemeClr val="accent4"/>
+                </a:solidFill>
+              </a:rPr>
+              <a:t>Just two of many examples</a:t>
+            </a:r>
+          </a:p>
+        </p:txBody>
+      </p:sp>
+    </p:spTree>
+    <p:extLst>
+      <p:ext uri="{BB962C8B-B14F-4D97-AF65-F5344CB8AC3E}">
+        <p14:creationId xmlns:p14="http://schemas.microsoft.com/office/powerpoint/2010/main" val="1096721635"/>
+      </p:ext>
+    </p:extLst>
+  </p:cSld>
+  <p:clrMapOvr>
+    <a:masterClrMapping/>
+  </p:clrMapOvr>
+</p:sld>
+</file>
+
+<file path=ppt/slides/slide5.xml><?xml version="1.0" encoding="utf-8"?>
+<p:sld xmlns:a="http://schemas.openxmlformats.org/drawingml/2006/main" xmlns:r="http://schemas.openxmlformats.org/officeDocument/2006/relationships" xmlns:p="http://schemas.openxmlformats.org/presentationml/2006/main">
+  <p:cSld>
+    <p:spTree>
+      <p:nvGrpSpPr>
+        <p:cNvPr id="1" name=""/>
+        <p:cNvGrpSpPr/>
+        <p:nvPr/>
+      </p:nvGrpSpPr>
+      <p:grpSpPr>
+        <a:xfrm>
+          <a:off x="0" y="0"/>
+          <a:ext cx="0" cy="0"/>
+          <a:chOff x="0" y="0"/>
+          <a:chExt cx="0" cy="0"/>
+        </a:xfrm>
+      </p:grpSpPr>
+      <p:sp>
+        <p:nvSpPr>
+          <p:cNvPr id="2" name="Title 1"/>
+          <p:cNvSpPr>
+            <a:spLocks noGrp="1"/>
+          </p:cNvSpPr>
+          <p:nvPr>
+            <p:ph type="title"/>
+          </p:nvPr>
+        </p:nvSpPr>
+        <p:spPr>
+          <a:xfrm>
+            <a:off x="365760" y="410602"/>
+            <a:ext cx="11375136" cy="510909"/>
+          </a:xfrm>
+        </p:spPr>
+        <p:txBody>
+          <a:bodyPr/>
+          <a:lstStyle/>
+          <a:p>
+            <a:r>
+              <a:rPr lang="en-US" dirty="0"/>
+              <a:t>Challenges Developing Scientific Applications Today</a:t>
+            </a:r>
+          </a:p>
+        </p:txBody>
+      </p:sp>
+      <p:sp>
+        <p:nvSpPr>
+          <p:cNvPr id="3" name="Text Placeholder 2"/>
+          <p:cNvSpPr>
+            <a:spLocks noGrp="1"/>
+          </p:cNvSpPr>
+          <p:nvPr>
+            <p:ph type="body" idx="1"/>
+          </p:nvPr>
+        </p:nvSpPr>
+        <p:spPr>
+          <a:xfrm>
+            <a:off x="365760" y="1163920"/>
+            <a:ext cx="5588582" cy="821190"/>
+          </a:xfrm>
+        </p:spPr>
+        <p:txBody>
+          <a:bodyPr/>
+          <a:lstStyle/>
+          <a:p>
+            <a:r>
+              <a:rPr lang="en-US" sz="2800" dirty="0"/>
+              <a:t>Technical</a:t>
+            </a:r>
+          </a:p>
+        </p:txBody>
+      </p:sp>
+      <p:sp>
+        <p:nvSpPr>
+          <p:cNvPr id="7" name="Content Placeholder 6"/>
+          <p:cNvSpPr>
+            <a:spLocks noGrp="1"/>
+          </p:cNvSpPr>
+          <p:nvPr>
+            <p:ph sz="half" idx="2"/>
+          </p:nvPr>
+        </p:nvSpPr>
+        <p:spPr>
+          <a:xfrm>
+            <a:off x="365760" y="2043782"/>
+            <a:ext cx="5588582" cy="3702110"/>
+          </a:xfrm>
+        </p:spPr>
+        <p:txBody>
+          <a:bodyPr>
+            <a:normAutofit lnSpcReduction="10000"/>
+          </a:bodyPr>
+          <a:lstStyle/>
+          <a:p>
+            <a:r>
+              <a:rPr lang="en-US" sz="2400" dirty="0"/>
+              <a:t>All parts of the model and software system can be under research</a:t>
+            </a:r>
+          </a:p>
+          <a:p>
+            <a:r>
+              <a:rPr lang="en-US" sz="2400" dirty="0"/>
+              <a:t>Requirements change throughout the lifecycle as knowledge grows</a:t>
+            </a:r>
+          </a:p>
+          <a:p>
+            <a:r>
+              <a:rPr lang="en-US" sz="2400" dirty="0"/>
+              <a:t>Verification complicated by floating point representation</a:t>
+            </a:r>
+          </a:p>
+          <a:p>
+            <a:r>
+              <a:rPr lang="en-US" sz="2400" dirty="0"/>
+              <a:t>Real world is messy, so is the software</a:t>
+            </a:r>
+          </a:p>
+          <a:p>
+            <a:r>
+              <a:rPr lang="en-US" sz="2400" dirty="0"/>
+              <a:t>Increasing architectural diversity</a:t>
+            </a:r>
+          </a:p>
+          <a:p>
+            <a:endParaRPr lang="en-US" sz="2400" dirty="0"/>
+          </a:p>
+          <a:p>
+            <a:endParaRPr lang="en-US" sz="2400" dirty="0"/>
+          </a:p>
+          <a:p>
+            <a:endParaRPr lang="en-US" sz="2400" dirty="0"/>
+          </a:p>
+        </p:txBody>
+      </p:sp>
+      <p:sp>
+        <p:nvSpPr>
+          <p:cNvPr id="6" name="Text Placeholder 5"/>
+          <p:cNvSpPr>
+            <a:spLocks noGrp="1"/>
+          </p:cNvSpPr>
+          <p:nvPr>
+            <p:ph type="body" sz="quarter" idx="3"/>
+          </p:nvPr>
+        </p:nvSpPr>
+        <p:spPr>
+          <a:xfrm>
+            <a:off x="6191755" y="1163920"/>
+            <a:ext cx="5531934" cy="821190"/>
+          </a:xfrm>
+        </p:spPr>
+        <p:txBody>
+          <a:bodyPr/>
+          <a:lstStyle/>
+          <a:p>
+            <a:r>
+              <a:rPr lang="en-US" sz="2800" dirty="0"/>
+              <a:t>Sociological</a:t>
+            </a:r>
+          </a:p>
+        </p:txBody>
+      </p:sp>
+      <p:sp>
+        <p:nvSpPr>
+          <p:cNvPr id="8" name="Content Placeholder 7"/>
+          <p:cNvSpPr>
+            <a:spLocks noGrp="1"/>
+          </p:cNvSpPr>
+          <p:nvPr>
+            <p:ph sz="quarter" idx="4"/>
+          </p:nvPr>
+        </p:nvSpPr>
+        <p:spPr>
+          <a:xfrm>
+            <a:off x="6191755" y="2043782"/>
+            <a:ext cx="5531934" cy="3702110"/>
+          </a:xfrm>
+        </p:spPr>
+        <p:txBody>
+          <a:bodyPr/>
+          <a:lstStyle/>
+          <a:p>
+            <a:r>
+              <a:rPr lang="en-US" sz="2400" dirty="0"/>
+              <a:t>Competing priorities and incentives</a:t>
+            </a:r>
+          </a:p>
+          <a:p>
+            <a:pPr lvl="1"/>
+            <a:r>
+              <a:rPr lang="en-US" sz="2200" dirty="0"/>
+              <a:t>Sponsors often care more about scientific publications than software per se</a:t>
+            </a:r>
+          </a:p>
+          <a:p>
+            <a:r>
+              <a:rPr lang="en-US" sz="2400" dirty="0"/>
+              <a:t>Limited resources </a:t>
+            </a:r>
+          </a:p>
+          <a:p>
+            <a:r>
+              <a:rPr lang="en-US" sz="2400" dirty="0"/>
+              <a:t>Need for interdisciplinary interactions</a:t>
+            </a:r>
+          </a:p>
+          <a:p>
+            <a:pPr lvl="1"/>
+            <a:r>
+              <a:rPr lang="en-US" sz="2200" dirty="0"/>
+              <a:t>Many different kinds of expertise to be successful</a:t>
+            </a:r>
+          </a:p>
+          <a:p>
+            <a:endParaRPr lang="en-US" sz="2400" dirty="0"/>
+          </a:p>
+        </p:txBody>
+      </p:sp>
+    </p:spTree>
+    <p:extLst>
+      <p:ext uri="{BB962C8B-B14F-4D97-AF65-F5344CB8AC3E}">
+        <p14:creationId xmlns:p14="http://schemas.microsoft.com/office/powerpoint/2010/main" val="3957161676"/>
+      </p:ext>
+    </p:extLst>
+  </p:cSld>
+  <p:clrMapOvr>
+    <a:masterClrMapping/>
+  </p:clrMapOvr>
+</p:sld>
+</file>
+
+<file path=ppt/slides/slide6.xml><?xml version="1.0" encoding="utf-8"?>
 <p:sld xmlns:a="http://schemas.openxmlformats.org/drawingml/2006/main" xmlns:r="http://schemas.openxmlformats.org/officeDocument/2006/relationships" xmlns:p="http://schemas.openxmlformats.org/presentationml/2006/main">
   <p:cSld>
     <p:spTree>
@@ -5101,13 +5535,13 @@
           </a:p>
           <a:p>
             <a:r>
-              <a:rPr lang="en-US" sz="2400" dirty="0"/>
+              <a:rPr lang="en-US" sz="2400" b="1" dirty="0"/>
               <a:t>Institute a rigorous verification and validation regime</a:t>
             </a:r>
           </a:p>
           <a:p>
             <a:r>
-              <a:rPr lang="en-US" sz="2400" dirty="0"/>
+              <a:rPr lang="en-US" sz="2400" b="1" dirty="0"/>
               <a:t>Define and enforce coding and testing standards</a:t>
             </a:r>
           </a:p>
@@ -5268,7 +5702,1038 @@
 </p:sld>
 </file>
 
-<file path=ppt/slides/slide12.xml><?xml version="1.0" encoding="utf-8"?>
+<file path=ppt/slides/slide7.xml><?xml version="1.0" encoding="utf-8"?>
+<p:sld xmlns:a="http://schemas.openxmlformats.org/drawingml/2006/main" xmlns:r="http://schemas.openxmlformats.org/officeDocument/2006/relationships" xmlns:p="http://schemas.openxmlformats.org/presentationml/2006/main">
+  <p:cSld>
+    <p:spTree>
+      <p:nvGrpSpPr>
+        <p:cNvPr id="1" name=""/>
+        <p:cNvGrpSpPr/>
+        <p:nvPr/>
+      </p:nvGrpSpPr>
+      <p:grpSpPr>
+        <a:xfrm>
+          <a:off x="0" y="0"/>
+          <a:ext cx="0" cy="0"/>
+          <a:chOff x="0" y="0"/>
+          <a:chExt cx="0" cy="0"/>
+        </a:xfrm>
+      </p:grpSpPr>
+      <p:sp>
+        <p:nvSpPr>
+          <p:cNvPr id="7" name="Title 6">
+            <a:extLst>
+              <a:ext uri="{FF2B5EF4-FFF2-40B4-BE49-F238E27FC236}">
+                <a16:creationId xmlns:a16="http://schemas.microsoft.com/office/drawing/2014/main" id="{8B4C33BE-BAA5-472B-B745-4FECD70E6807}"/>
+              </a:ext>
+            </a:extLst>
+          </p:cNvPr>
+          <p:cNvSpPr>
+            <a:spLocks noGrp="1"/>
+          </p:cNvSpPr>
+          <p:nvPr>
+            <p:ph type="title"/>
+          </p:nvPr>
+        </p:nvSpPr>
+        <p:spPr/>
+        <p:txBody>
+          <a:bodyPr/>
+          <a:lstStyle/>
+          <a:p>
+            <a:r>
+              <a:rPr lang="en-US" dirty="0"/>
+              <a:t>General Categories of Testing</a:t>
+            </a:r>
+          </a:p>
+        </p:txBody>
+      </p:sp>
+      <p:sp>
+        <p:nvSpPr>
+          <p:cNvPr id="8" name="Content Placeholder 7">
+            <a:extLst>
+              <a:ext uri="{FF2B5EF4-FFF2-40B4-BE49-F238E27FC236}">
+                <a16:creationId xmlns:a16="http://schemas.microsoft.com/office/drawing/2014/main" id="{0C9AC005-FC04-4E65-A7E0-959BACEA39EA}"/>
+              </a:ext>
+            </a:extLst>
+          </p:cNvPr>
+          <p:cNvSpPr>
+            <a:spLocks noGrp="1"/>
+          </p:cNvSpPr>
+          <p:nvPr>
+            <p:ph sz="half" idx="2"/>
+          </p:nvPr>
+        </p:nvSpPr>
+        <p:spPr>
+          <a:xfrm>
+            <a:off x="457200" y="1246860"/>
+            <a:ext cx="5588582" cy="3373229"/>
+          </a:xfrm>
+          <a:ln>
+            <a:noFill/>
+          </a:ln>
+        </p:spPr>
+        <p:txBody>
+          <a:bodyPr/>
+          <a:lstStyle/>
+          <a:p>
+            <a:r>
+              <a:rPr lang="en-US" dirty="0"/>
+              <a:t>Development tests</a:t>
+            </a:r>
+          </a:p>
+          <a:p>
+            <a:pPr lvl="1">
+              <a:spcBef>
+                <a:spcPts val="200"/>
+              </a:spcBef>
+            </a:pPr>
+            <a:r>
+              <a:rPr lang="en-US" dirty="0"/>
+              <a:t>Tests run to protect stability while making changes to the code</a:t>
+            </a:r>
+          </a:p>
+          <a:p>
+            <a:pPr lvl="1">
+              <a:spcBef>
+                <a:spcPts val="200"/>
+              </a:spcBef>
+            </a:pPr>
+            <a:r>
+              <a:rPr lang="en-US" dirty="0"/>
+              <a:t>Can include: unit, functional, integration, system, regression, verification, performance, etc.</a:t>
+            </a:r>
+          </a:p>
+          <a:p>
+            <a:r>
+              <a:rPr lang="en-US" dirty="0"/>
+              <a:t>Post-installation “smoke” tests</a:t>
+            </a:r>
+          </a:p>
+          <a:p>
+            <a:pPr lvl="1">
+              <a:spcBef>
+                <a:spcPts val="200"/>
+              </a:spcBef>
+            </a:pPr>
+            <a:r>
+              <a:rPr lang="en-US" dirty="0"/>
+              <a:t>Simple tests to ensure the build/install process has succeeded</a:t>
+            </a:r>
+          </a:p>
+          <a:p>
+            <a:pPr lvl="1">
+              <a:spcBef>
+                <a:spcPts val="200"/>
+              </a:spcBef>
+            </a:pPr>
+            <a:r>
+              <a:rPr lang="en-US" dirty="0"/>
+              <a:t>Typically take only a few minutes</a:t>
+            </a:r>
+          </a:p>
+          <a:p>
+            <a:pPr lvl="1">
+              <a:spcBef>
+                <a:spcPts val="200"/>
+              </a:spcBef>
+            </a:pPr>
+            <a:r>
+              <a:rPr lang="en-US" dirty="0"/>
+              <a:t>Could be a </a:t>
+            </a:r>
+            <a:r>
+              <a:rPr lang="en-US" i="1" dirty="0"/>
+              <a:t>subset</a:t>
+            </a:r>
+            <a:r>
+              <a:rPr lang="en-US" dirty="0"/>
+              <a:t> of development tests</a:t>
+            </a:r>
+          </a:p>
+          <a:p>
+            <a:r>
+              <a:rPr lang="en-US" dirty="0"/>
+              <a:t>Continuous integration tests</a:t>
+            </a:r>
+          </a:p>
+          <a:p>
+            <a:pPr lvl="1">
+              <a:spcBef>
+                <a:spcPts val="200"/>
+              </a:spcBef>
+            </a:pPr>
+            <a:r>
+              <a:rPr lang="en-US" dirty="0"/>
+              <a:t>Rapid feedback aimed at preventing changes from breaking key branches of the code</a:t>
+            </a:r>
+          </a:p>
+          <a:p>
+            <a:pPr lvl="1">
+              <a:spcBef>
+                <a:spcPts val="200"/>
+              </a:spcBef>
+            </a:pPr>
+            <a:r>
+              <a:rPr lang="en-US" dirty="0"/>
+              <a:t>Run quickly, fail fast, catch problems that would impact other developers</a:t>
+            </a:r>
+          </a:p>
+          <a:p>
+            <a:pPr lvl="1">
+              <a:spcBef>
+                <a:spcPts val="200"/>
+              </a:spcBef>
+            </a:pPr>
+            <a:r>
+              <a:rPr lang="en-US" dirty="0"/>
+              <a:t>Usually associated with automation</a:t>
+            </a:r>
+          </a:p>
+        </p:txBody>
+      </p:sp>
+      <p:pic>
+        <p:nvPicPr>
+          <p:cNvPr id="15" name="Graphic 14">
+            <a:extLst>
+              <a:ext uri="{FF2B5EF4-FFF2-40B4-BE49-F238E27FC236}">
+                <a16:creationId xmlns:a16="http://schemas.microsoft.com/office/drawing/2014/main" id="{48348B29-B8EC-4619-B2C3-CBDC1073488D}"/>
+              </a:ext>
+            </a:extLst>
+          </p:cNvPr>
+          <p:cNvPicPr>
+            <a:picLocks noChangeAspect="1"/>
+          </p:cNvPicPr>
+          <p:nvPr/>
+        </p:nvPicPr>
+        <p:blipFill>
+          <a:blip r:embed="rId2">
+            <a:lum/>
+            <a:alphaModFix/>
+            <a:extLst>
+              <a:ext uri="{96DAC541-7B7A-43D3-8B79-37D633B846F1}">
+                <asvg:svgBlip xmlns:asvg="http://schemas.microsoft.com/office/drawing/2016/SVG/main" r:embed="rId3"/>
+              </a:ext>
+            </a:extLst>
+          </a:blip>
+          <a:srcRect/>
+          <a:stretch>
+            <a:fillRect/>
+          </a:stretch>
+        </p:blipFill>
+        <p:spPr>
+          <a:xfrm>
+            <a:off x="7114928" y="2205763"/>
+            <a:ext cx="4020840" cy="2743199"/>
+          </a:xfrm>
+          <a:prstGeom prst="rect">
+            <a:avLst/>
+          </a:prstGeom>
+          <a:noFill/>
+          <a:ln>
+            <a:noFill/>
+          </a:ln>
+        </p:spPr>
+      </p:pic>
+      <p:sp>
+        <p:nvSpPr>
+          <p:cNvPr id="16" name="TextBox 15">
+            <a:extLst>
+              <a:ext uri="{FF2B5EF4-FFF2-40B4-BE49-F238E27FC236}">
+                <a16:creationId xmlns:a16="http://schemas.microsoft.com/office/drawing/2014/main" id="{C7187C4F-04AB-4BF8-9C35-98A97B90560C}"/>
+              </a:ext>
+            </a:extLst>
+          </p:cNvPr>
+          <p:cNvSpPr txBox="1"/>
+          <p:nvPr/>
+        </p:nvSpPr>
+        <p:spPr>
+          <a:xfrm>
+            <a:off x="8575447" y="4400323"/>
+            <a:ext cx="1097280" cy="346320"/>
+          </a:xfrm>
+          <a:prstGeom prst="rect">
+            <a:avLst/>
+          </a:prstGeom>
+          <a:noFill/>
+          <a:ln>
+            <a:noFill/>
+          </a:ln>
+        </p:spPr>
+        <p:txBody>
+          <a:bodyPr vert="horz" wrap="none" lIns="90000" tIns="45000" rIns="90000" bIns="45000" anchorCtr="0" compatLnSpc="0">
+            <a:spAutoFit/>
+          </a:bodyPr>
+          <a:lstStyle/>
+          <a:p>
+            <a:pPr marL="0" marR="0" lvl="0" indent="0" rtl="0" hangingPunct="0">
+              <a:lnSpc>
+                <a:spcPct val="100000"/>
+              </a:lnSpc>
+              <a:spcBef>
+                <a:spcPts val="0"/>
+              </a:spcBef>
+              <a:spcAft>
+                <a:spcPts val="0"/>
+              </a:spcAft>
+              <a:buNone/>
+              <a:tabLst/>
+            </a:pPr>
+            <a:r>
+              <a:rPr lang="en-US" sz="1800" b="0" i="0" u="none" strike="noStrike" kern="1200" cap="none">
+                <a:ln>
+                  <a:noFill/>
+                </a:ln>
+                <a:latin typeface="Liberation Sans" pitchFamily="18"/>
+                <a:ea typeface="Noto Sans CJK SC" pitchFamily="2"/>
+                <a:cs typeface="Lohit Devanagari" pitchFamily="2"/>
+              </a:rPr>
+              <a:t>unit tests</a:t>
+            </a:r>
+          </a:p>
+        </p:txBody>
+      </p:sp>
+      <p:sp>
+        <p:nvSpPr>
+          <p:cNvPr id="17" name="TextBox 16">
+            <a:extLst>
+              <a:ext uri="{FF2B5EF4-FFF2-40B4-BE49-F238E27FC236}">
+                <a16:creationId xmlns:a16="http://schemas.microsoft.com/office/drawing/2014/main" id="{6C06513B-9718-4CBB-B8E3-E8BAA7305699}"/>
+              </a:ext>
+            </a:extLst>
+          </p:cNvPr>
+          <p:cNvSpPr txBox="1"/>
+          <p:nvPr/>
+        </p:nvSpPr>
+        <p:spPr>
+          <a:xfrm>
+            <a:off x="8575447" y="3779682"/>
+            <a:ext cx="1188719" cy="346320"/>
+          </a:xfrm>
+          <a:prstGeom prst="rect">
+            <a:avLst/>
+          </a:prstGeom>
+          <a:noFill/>
+          <a:ln>
+            <a:noFill/>
+          </a:ln>
+        </p:spPr>
+        <p:txBody>
+          <a:bodyPr vert="horz" wrap="none" lIns="90000" tIns="45000" rIns="90000" bIns="45000" anchorCtr="0" compatLnSpc="0">
+            <a:spAutoFit/>
+          </a:bodyPr>
+          <a:lstStyle/>
+          <a:p>
+            <a:pPr marL="0" marR="0" lvl="0" indent="0" rtl="0" hangingPunct="0">
+              <a:lnSpc>
+                <a:spcPct val="100000"/>
+              </a:lnSpc>
+              <a:spcBef>
+                <a:spcPts val="0"/>
+              </a:spcBef>
+              <a:spcAft>
+                <a:spcPts val="0"/>
+              </a:spcAft>
+              <a:buNone/>
+              <a:tabLst/>
+            </a:pPr>
+            <a:r>
+              <a:rPr lang="en-US" sz="1800" b="0" i="0" u="none" strike="noStrike" kern="1200" cap="none">
+                <a:ln>
+                  <a:noFill/>
+                </a:ln>
+                <a:latin typeface="Liberation Sans" pitchFamily="18"/>
+                <a:ea typeface="Noto Sans CJK SC" pitchFamily="2"/>
+                <a:cs typeface="Lohit Devanagari" pitchFamily="2"/>
+              </a:rPr>
+              <a:t>functional</a:t>
+            </a:r>
+          </a:p>
+        </p:txBody>
+      </p:sp>
+      <p:sp>
+        <p:nvSpPr>
+          <p:cNvPr id="18" name="TextBox 17">
+            <a:extLst>
+              <a:ext uri="{FF2B5EF4-FFF2-40B4-BE49-F238E27FC236}">
+                <a16:creationId xmlns:a16="http://schemas.microsoft.com/office/drawing/2014/main" id="{E37A2CAF-1B62-4C20-A746-E0A9C9C17C89}"/>
+              </a:ext>
+            </a:extLst>
+          </p:cNvPr>
+          <p:cNvSpPr txBox="1"/>
+          <p:nvPr/>
+        </p:nvSpPr>
+        <p:spPr>
+          <a:xfrm>
+            <a:off x="8666888" y="3211603"/>
+            <a:ext cx="1188719" cy="346320"/>
+          </a:xfrm>
+          <a:prstGeom prst="rect">
+            <a:avLst/>
+          </a:prstGeom>
+          <a:noFill/>
+          <a:ln>
+            <a:noFill/>
+          </a:ln>
+        </p:spPr>
+        <p:txBody>
+          <a:bodyPr vert="horz" wrap="none" lIns="90000" tIns="45000" rIns="90000" bIns="45000" anchorCtr="0" compatLnSpc="0">
+            <a:spAutoFit/>
+          </a:bodyPr>
+          <a:lstStyle/>
+          <a:p>
+            <a:pPr marL="0" marR="0" lvl="0" indent="0" rtl="0" hangingPunct="0">
+              <a:lnSpc>
+                <a:spcPct val="100000"/>
+              </a:lnSpc>
+              <a:spcBef>
+                <a:spcPts val="0"/>
+              </a:spcBef>
+              <a:spcAft>
+                <a:spcPts val="0"/>
+              </a:spcAft>
+              <a:buNone/>
+              <a:tabLst/>
+            </a:pPr>
+            <a:r>
+              <a:rPr lang="en-US" sz="1800" b="0" i="0" u="none" strike="noStrike" kern="1200" cap="none">
+                <a:ln>
+                  <a:noFill/>
+                </a:ln>
+                <a:latin typeface="Liberation Sans" pitchFamily="18"/>
+                <a:ea typeface="Noto Sans CJK SC" pitchFamily="2"/>
+                <a:cs typeface="Lohit Devanagari" pitchFamily="2"/>
+              </a:rPr>
+              <a:t>system</a:t>
+            </a:r>
+          </a:p>
+        </p:txBody>
+      </p:sp>
+      <p:sp>
+        <p:nvSpPr>
+          <p:cNvPr id="19" name="TextBox 18">
+            <a:extLst>
+              <a:ext uri="{FF2B5EF4-FFF2-40B4-BE49-F238E27FC236}">
+                <a16:creationId xmlns:a16="http://schemas.microsoft.com/office/drawing/2014/main" id="{04E5F7F6-CD18-46B4-B6E8-BCBFEB27DFA2}"/>
+              </a:ext>
+            </a:extLst>
+          </p:cNvPr>
+          <p:cNvSpPr txBox="1"/>
+          <p:nvPr/>
+        </p:nvSpPr>
+        <p:spPr>
+          <a:xfrm>
+            <a:off x="8484008" y="2571523"/>
+            <a:ext cx="1371599" cy="346320"/>
+          </a:xfrm>
+          <a:prstGeom prst="rect">
+            <a:avLst/>
+          </a:prstGeom>
+          <a:noFill/>
+          <a:ln>
+            <a:noFill/>
+          </a:ln>
+        </p:spPr>
+        <p:txBody>
+          <a:bodyPr vert="horz" wrap="none" lIns="90000" tIns="45000" rIns="90000" bIns="45000" anchorCtr="0" compatLnSpc="0">
+            <a:spAutoFit/>
+          </a:bodyPr>
+          <a:lstStyle/>
+          <a:p>
+            <a:pPr marL="0" marR="0" lvl="0" indent="0" rtl="0" hangingPunct="0">
+              <a:lnSpc>
+                <a:spcPct val="100000"/>
+              </a:lnSpc>
+              <a:spcBef>
+                <a:spcPts val="0"/>
+              </a:spcBef>
+              <a:spcAft>
+                <a:spcPts val="0"/>
+              </a:spcAft>
+              <a:buNone/>
+              <a:tabLst/>
+            </a:pPr>
+            <a:r>
+              <a:rPr lang="en-US" sz="1800" b="0" i="0" u="none" strike="noStrike" kern="1200" cap="none">
+                <a:ln>
+                  <a:noFill/>
+                </a:ln>
+                <a:latin typeface="Liberation Sans" pitchFamily="18"/>
+                <a:ea typeface="Noto Sans CJK SC" pitchFamily="2"/>
+                <a:cs typeface="Lohit Devanagari" pitchFamily="2"/>
+              </a:rPr>
+              <a:t>acceptance</a:t>
+            </a:r>
+          </a:p>
+        </p:txBody>
+      </p:sp>
+      <p:sp>
+        <p:nvSpPr>
+          <p:cNvPr id="20" name="Freeform: Shape 19">
+            <a:extLst>
+              <a:ext uri="{FF2B5EF4-FFF2-40B4-BE49-F238E27FC236}">
+                <a16:creationId xmlns:a16="http://schemas.microsoft.com/office/drawing/2014/main" id="{DA8D221B-83B4-498F-B8FA-E1A045B24999}"/>
+              </a:ext>
+            </a:extLst>
+          </p:cNvPr>
+          <p:cNvSpPr/>
+          <p:nvPr/>
+        </p:nvSpPr>
+        <p:spPr>
+          <a:xfrm>
+            <a:off x="11082167" y="2297202"/>
+            <a:ext cx="274320" cy="2468880"/>
+          </a:xfrm>
+          <a:custGeom>
+            <a:avLst>
+              <a:gd name="f0" fmla="val 1800"/>
+              <a:gd name="f1" fmla="val 10800"/>
+            </a:avLst>
+            <a:gdLst>
+              <a:gd name="f2" fmla="val 10800000"/>
+              <a:gd name="f3" fmla="val 5400000"/>
+              <a:gd name="f4" fmla="val 180"/>
+              <a:gd name="f5" fmla="val w"/>
+              <a:gd name="f6" fmla="val h"/>
+              <a:gd name="f7" fmla="val 0"/>
+              <a:gd name="f8" fmla="val 21600"/>
+              <a:gd name="f9" fmla="val -2147483647"/>
+              <a:gd name="f10" fmla="val 2147483647"/>
+              <a:gd name="f11" fmla="val 5400"/>
+              <a:gd name="f12" fmla="val 10800"/>
+              <a:gd name="f13" fmla="val 16200"/>
+              <a:gd name="f14" fmla="+- 0 0 0"/>
+              <a:gd name="f15" fmla="*/ f5 1 21600"/>
+              <a:gd name="f16" fmla="*/ f6 1 21600"/>
+              <a:gd name="f17" fmla="pin 0 f0 5400"/>
+              <a:gd name="f18" fmla="pin 0 f1 21600"/>
+              <a:gd name="f19" fmla="*/ f14 f2 1"/>
+              <a:gd name="f20" fmla="*/ f17 1 2"/>
+              <a:gd name="f21" fmla="val f17"/>
+              <a:gd name="f22" fmla="val f18"/>
+              <a:gd name="f23" fmla="+- 21600 0 f17"/>
+              <a:gd name="f24" fmla="*/ f17 10000 1"/>
+              <a:gd name="f25" fmla="*/ 10800 f15 1"/>
+              <a:gd name="f26" fmla="*/ f17 f16 1"/>
+              <a:gd name="f27" fmla="*/ f8 f15 1"/>
+              <a:gd name="f28" fmla="*/ f18 f16 1"/>
+              <a:gd name="f29" fmla="*/ 0 f15 1"/>
+              <a:gd name="f30" fmla="*/ 7800 f15 1"/>
+              <a:gd name="f31" fmla="*/ 0 f16 1"/>
+              <a:gd name="f32" fmla="*/ f19 1 f4"/>
+              <a:gd name="f33" fmla="*/ 21600 f16 1"/>
+              <a:gd name="f34" fmla="*/ 21600 f15 1"/>
+              <a:gd name="f35" fmla="*/ 10800 f16 1"/>
+              <a:gd name="f36" fmla="+- f22 0 f17"/>
+              <a:gd name="f37" fmla="+- f22 0 f20"/>
+              <a:gd name="f38" fmla="+- f22 f20 0"/>
+              <a:gd name="f39" fmla="+- f22 f17 0"/>
+              <a:gd name="f40" fmla="+- 21600 0 f20"/>
+              <a:gd name="f41" fmla="*/ f24 1 31953"/>
+              <a:gd name="f42" fmla="+- f32 0 f3"/>
+              <a:gd name="f43" fmla="+- 21600 0 f41"/>
+              <a:gd name="f44" fmla="*/ f41 f16 1"/>
+              <a:gd name="f45" fmla="*/ f43 f16 1"/>
+            </a:gdLst>
+            <a:ahLst>
+              <a:ahXY gdRefY="f0" minY="f7" maxY="f11">
+                <a:pos x="f25" y="f26"/>
+              </a:ahXY>
+              <a:ahXY gdRefY="f1" minY="f7" maxY="f8">
+                <a:pos x="f27" y="f28"/>
+              </a:ahXY>
+            </a:ahLst>
+            <a:cxnLst>
+              <a:cxn ang="3cd4">
+                <a:pos x="hc" y="t"/>
+              </a:cxn>
+              <a:cxn ang="0">
+                <a:pos x="r" y="vc"/>
+              </a:cxn>
+              <a:cxn ang="cd4">
+                <a:pos x="hc" y="b"/>
+              </a:cxn>
+              <a:cxn ang="cd2">
+                <a:pos x="l" y="vc"/>
+              </a:cxn>
+              <a:cxn ang="f42">
+                <a:pos x="f29" y="f31"/>
+              </a:cxn>
+              <a:cxn ang="f42">
+                <a:pos x="f29" y="f33"/>
+              </a:cxn>
+              <a:cxn ang="f42">
+                <a:pos x="f34" y="f35"/>
+              </a:cxn>
+            </a:cxnLst>
+            <a:rect l="f29" t="f44" r="f30" b="f45"/>
+            <a:pathLst>
+              <a:path w="21600" h="21600">
+                <a:moveTo>
+                  <a:pt x="f7" y="f7"/>
+                </a:moveTo>
+                <a:cubicBezTo>
+                  <a:pt x="f11" y="f7"/>
+                  <a:pt x="f12" y="f20"/>
+                  <a:pt x="f12" y="f21"/>
+                </a:cubicBezTo>
+                <a:lnTo>
+                  <a:pt x="f12" y="f36"/>
+                </a:lnTo>
+                <a:cubicBezTo>
+                  <a:pt x="f12" y="f37"/>
+                  <a:pt x="f13" y="f22"/>
+                  <a:pt x="f8" y="f22"/>
+                </a:cubicBezTo>
+                <a:cubicBezTo>
+                  <a:pt x="f13" y="f22"/>
+                  <a:pt x="f12" y="f38"/>
+                  <a:pt x="f12" y="f39"/>
+                </a:cubicBezTo>
+                <a:lnTo>
+                  <a:pt x="f12" y="f23"/>
+                </a:lnTo>
+                <a:cubicBezTo>
+                  <a:pt x="f12" y="f40"/>
+                  <a:pt x="f11" y="f8"/>
+                  <a:pt x="f7" y="f8"/>
+                </a:cubicBezTo>
+              </a:path>
+            </a:pathLst>
+          </a:custGeom>
+          <a:noFill/>
+          <a:ln w="0">
+            <a:solidFill>
+              <a:srgbClr val="3465A4"/>
+            </a:solidFill>
+            <a:prstDash val="solid"/>
+          </a:ln>
+        </p:spPr>
+        <p:txBody>
+          <a:bodyPr wrap="none" lIns="90000" tIns="45000" rIns="90000" bIns="45000" anchor="ctr" anchorCtr="0" compatLnSpc="0">
+            <a:noAutofit/>
+          </a:bodyPr>
+          <a:lstStyle/>
+          <a:p>
+            <a:pPr marL="0" marR="0" lvl="0" indent="0" hangingPunct="0">
+              <a:lnSpc>
+                <a:spcPct val="100000"/>
+              </a:lnSpc>
+              <a:spcBef>
+                <a:spcPts val="0"/>
+              </a:spcBef>
+              <a:spcAft>
+                <a:spcPts val="0"/>
+              </a:spcAft>
+              <a:buNone/>
+              <a:tabLst/>
+            </a:pPr>
+            <a:endParaRPr lang="en-US" sz="1800" b="0" i="0" u="none" strike="noStrike" kern="1200" cap="none">
+              <a:ln>
+                <a:noFill/>
+              </a:ln>
+              <a:latin typeface="Liberation Sans" pitchFamily="18"/>
+              <a:ea typeface="Noto Sans CJK SC" pitchFamily="2"/>
+              <a:cs typeface="Lohit Devanagari" pitchFamily="2"/>
+            </a:endParaRPr>
+          </a:p>
+        </p:txBody>
+      </p:sp>
+      <p:sp>
+        <p:nvSpPr>
+          <p:cNvPr id="21" name="TextBox 20">
+            <a:extLst>
+              <a:ext uri="{FF2B5EF4-FFF2-40B4-BE49-F238E27FC236}">
+                <a16:creationId xmlns:a16="http://schemas.microsoft.com/office/drawing/2014/main" id="{B160DEFA-61D9-45B9-BE49-F2FE76A9069D}"/>
+              </a:ext>
+            </a:extLst>
+          </p:cNvPr>
+          <p:cNvSpPr txBox="1"/>
+          <p:nvPr/>
+        </p:nvSpPr>
+        <p:spPr>
+          <a:xfrm>
+            <a:off x="11370092" y="3224220"/>
+            <a:ext cx="673691" cy="621793"/>
+          </a:xfrm>
+          <a:prstGeom prst="rect">
+            <a:avLst/>
+          </a:prstGeom>
+          <a:noFill/>
+          <a:ln>
+            <a:noFill/>
+          </a:ln>
+        </p:spPr>
+        <p:txBody>
+          <a:bodyPr vert="horz" wrap="square" lIns="90000" tIns="45000" rIns="90000" bIns="45000" anchorCtr="0" compatLnSpc="0">
+            <a:spAutoFit/>
+          </a:bodyPr>
+          <a:lstStyle/>
+          <a:p>
+            <a:pPr marL="0" marR="0" lvl="0" indent="0" rtl="0" hangingPunct="0">
+              <a:lnSpc>
+                <a:spcPct val="100000"/>
+              </a:lnSpc>
+              <a:spcBef>
+                <a:spcPts val="0"/>
+              </a:spcBef>
+              <a:spcAft>
+                <a:spcPts val="0"/>
+              </a:spcAft>
+              <a:buNone/>
+              <a:tabLst/>
+            </a:pPr>
+            <a:r>
+              <a:rPr lang="en-US" sz="1800" b="0" i="0" u="none" strike="noStrike" kern="1200" cap="none" dirty="0">
+                <a:ln>
+                  <a:noFill/>
+                </a:ln>
+                <a:latin typeface="Liberation Sans" pitchFamily="18"/>
+                <a:ea typeface="Noto Sans CJK SC" pitchFamily="2"/>
+                <a:cs typeface="Lohit Devanagari" pitchFamily="2"/>
+              </a:rPr>
+              <a:t>test suite</a:t>
+            </a:r>
+          </a:p>
+        </p:txBody>
+      </p:sp>
+      <p:cxnSp>
+        <p:nvCxnSpPr>
+          <p:cNvPr id="22" name="Straight Arrow Connector 21">
+            <a:extLst>
+              <a:ext uri="{FF2B5EF4-FFF2-40B4-BE49-F238E27FC236}">
+                <a16:creationId xmlns:a16="http://schemas.microsoft.com/office/drawing/2014/main" id="{B8DB5BE4-F43C-4C4D-8D42-DC580DBA6991}"/>
+              </a:ext>
+            </a:extLst>
+          </p:cNvPr>
+          <p:cNvCxnSpPr/>
+          <p:nvPr/>
+        </p:nvCxnSpPr>
+        <p:spPr>
+          <a:xfrm flipV="1">
+            <a:off x="7058408" y="2205402"/>
+            <a:ext cx="15480" cy="2570761"/>
+          </a:xfrm>
+          <a:prstGeom prst="straightConnector1">
+            <a:avLst/>
+          </a:prstGeom>
+          <a:noFill/>
+          <a:ln w="54720">
+            <a:solidFill>
+              <a:srgbClr val="000000"/>
+            </a:solidFill>
+            <a:prstDash val="solid"/>
+            <a:tailEnd type="arrow"/>
+          </a:ln>
+        </p:spPr>
+      </p:cxnSp>
+      <p:sp>
+        <p:nvSpPr>
+          <p:cNvPr id="23" name="TextBox 22">
+            <a:extLst>
+              <a:ext uri="{FF2B5EF4-FFF2-40B4-BE49-F238E27FC236}">
+                <a16:creationId xmlns:a16="http://schemas.microsoft.com/office/drawing/2014/main" id="{E8362409-8195-4CF7-94A2-DFE67C2FC26E}"/>
+              </a:ext>
+            </a:extLst>
+          </p:cNvPr>
+          <p:cNvSpPr txBox="1"/>
+          <p:nvPr/>
+        </p:nvSpPr>
+        <p:spPr>
+          <a:xfrm>
+            <a:off x="6113768" y="1438962"/>
+            <a:ext cx="1920239" cy="858240"/>
+          </a:xfrm>
+          <a:prstGeom prst="rect">
+            <a:avLst/>
+          </a:prstGeom>
+          <a:noFill/>
+          <a:ln>
+            <a:noFill/>
+          </a:ln>
+        </p:spPr>
+        <p:txBody>
+          <a:bodyPr vert="horz" wrap="none" lIns="90000" tIns="45000" rIns="90000" bIns="45000" anchorCtr="0" compatLnSpc="0">
+            <a:spAutoFit/>
+          </a:bodyPr>
+          <a:lstStyle/>
+          <a:p>
+            <a:pPr marL="0" marR="0" lvl="0" indent="0" rtl="0" hangingPunct="0">
+              <a:lnSpc>
+                <a:spcPct val="100000"/>
+              </a:lnSpc>
+              <a:spcBef>
+                <a:spcPts val="0"/>
+              </a:spcBef>
+              <a:spcAft>
+                <a:spcPts val="0"/>
+              </a:spcAft>
+              <a:buNone/>
+              <a:tabLst/>
+            </a:pPr>
+            <a:r>
+              <a:rPr lang="en-US" sz="1800" b="0" i="0" u="none" strike="noStrike" kern="1200" cap="none" dirty="0">
+                <a:ln>
+                  <a:noFill/>
+                </a:ln>
+                <a:latin typeface="Liberation Sans" pitchFamily="18"/>
+                <a:ea typeface="Noto Sans CJK SC" pitchFamily="2"/>
+                <a:cs typeface="Lohit Devanagari" pitchFamily="2"/>
+              </a:rPr>
+              <a:t>Code coverage,</a:t>
+            </a:r>
+          </a:p>
+          <a:p>
+            <a:pPr marL="0" marR="0" lvl="0" indent="0" rtl="0" hangingPunct="0">
+              <a:lnSpc>
+                <a:spcPct val="100000"/>
+              </a:lnSpc>
+              <a:spcBef>
+                <a:spcPts val="0"/>
+              </a:spcBef>
+              <a:spcAft>
+                <a:spcPts val="0"/>
+              </a:spcAft>
+              <a:buNone/>
+              <a:tabLst/>
+            </a:pPr>
+            <a:r>
+              <a:rPr lang="en-US" sz="1800" b="0" i="0" u="none" strike="noStrike" kern="1200" cap="none" dirty="0">
+                <a:ln>
+                  <a:noFill/>
+                </a:ln>
+                <a:latin typeface="Liberation Sans" pitchFamily="18"/>
+                <a:ea typeface="Noto Sans CJK SC" pitchFamily="2"/>
+                <a:cs typeface="Lohit Devanagari" pitchFamily="2"/>
+              </a:rPr>
+              <a:t>Complexity</a:t>
+            </a:r>
+          </a:p>
+        </p:txBody>
+      </p:sp>
+    </p:spTree>
+    <p:extLst>
+      <p:ext uri="{BB962C8B-B14F-4D97-AF65-F5344CB8AC3E}">
+        <p14:creationId xmlns:p14="http://schemas.microsoft.com/office/powerpoint/2010/main" val="2889353153"/>
+      </p:ext>
+    </p:extLst>
+  </p:cSld>
+  <p:clrMapOvr>
+    <a:masterClrMapping/>
+  </p:clrMapOvr>
+</p:sld>
+</file>
+
+<file path=ppt/slides/slide8.xml><?xml version="1.0" encoding="utf-8"?>
+<p:sld xmlns:a="http://schemas.openxmlformats.org/drawingml/2006/main" xmlns:r="http://schemas.openxmlformats.org/officeDocument/2006/relationships" xmlns:p="http://schemas.openxmlformats.org/presentationml/2006/main">
+  <p:cSld>
+    <p:spTree>
+      <p:nvGrpSpPr>
+        <p:cNvPr id="1" name=""/>
+        <p:cNvGrpSpPr/>
+        <p:nvPr/>
+      </p:nvGrpSpPr>
+      <p:grpSpPr>
+        <a:xfrm>
+          <a:off x="0" y="0"/>
+          <a:ext cx="0" cy="0"/>
+          <a:chOff x="0" y="0"/>
+          <a:chExt cx="0" cy="0"/>
+        </a:xfrm>
+      </p:grpSpPr>
+      <p:sp>
+        <p:nvSpPr>
+          <p:cNvPr id="7" name="Title 6">
+            <a:extLst>
+              <a:ext uri="{FF2B5EF4-FFF2-40B4-BE49-F238E27FC236}">
+                <a16:creationId xmlns:a16="http://schemas.microsoft.com/office/drawing/2014/main" id="{353CE173-8BFE-42E8-97A3-594798BCDA29}"/>
+              </a:ext>
+            </a:extLst>
+          </p:cNvPr>
+          <p:cNvSpPr>
+            <a:spLocks noGrp="1"/>
+          </p:cNvSpPr>
+          <p:nvPr>
+            <p:ph type="title"/>
+          </p:nvPr>
+        </p:nvSpPr>
+        <p:spPr/>
+        <p:txBody>
+          <a:bodyPr/>
+          <a:lstStyle/>
+          <a:p>
+            <a:r>
+              <a:rPr lang="en-US" dirty="0"/>
+              <a:t>(Some) Challenges of Testing Complex Software Systems</a:t>
+            </a:r>
+          </a:p>
+        </p:txBody>
+      </p:sp>
+      <p:sp>
+        <p:nvSpPr>
+          <p:cNvPr id="8" name="Content Placeholder 7">
+            <a:extLst>
+              <a:ext uri="{FF2B5EF4-FFF2-40B4-BE49-F238E27FC236}">
+                <a16:creationId xmlns:a16="http://schemas.microsoft.com/office/drawing/2014/main" id="{1D1857EC-BC6B-41D3-83BE-F84A8F92BA83}"/>
+              </a:ext>
+            </a:extLst>
+          </p:cNvPr>
+          <p:cNvSpPr>
+            <a:spLocks noGrp="1"/>
+          </p:cNvSpPr>
+          <p:nvPr>
+            <p:ph idx="1"/>
+          </p:nvPr>
+        </p:nvSpPr>
+        <p:spPr>
+          <a:xfrm>
+            <a:off x="365760" y="1264398"/>
+            <a:ext cx="11369809" cy="4047778"/>
+          </a:xfrm>
+        </p:spPr>
+        <p:txBody>
+          <a:bodyPr/>
+          <a:lstStyle/>
+          <a:p>
+            <a:r>
+              <a:rPr lang="en-US" dirty="0"/>
+              <a:t>Designing tests</a:t>
+            </a:r>
+          </a:p>
+          <a:p>
+            <a:pPr lvl="1">
+              <a:spcBef>
+                <a:spcPts val="200"/>
+              </a:spcBef>
+            </a:pPr>
+            <a:r>
+              <a:rPr lang="en-US" dirty="0"/>
+              <a:t>Complex software tends to have an extensive network of interdependencies</a:t>
+            </a:r>
+          </a:p>
+          <a:p>
+            <a:pPr lvl="1">
+              <a:spcBef>
+                <a:spcPts val="200"/>
+              </a:spcBef>
+            </a:pPr>
+            <a:r>
+              <a:rPr lang="en-US" dirty="0"/>
+              <a:t>For complex scientific software it may be hard to construct a priori tests for some cases</a:t>
+            </a:r>
+          </a:p>
+          <a:p>
+            <a:r>
+              <a:rPr lang="en-US" dirty="0"/>
+              <a:t>Implementing tests</a:t>
+            </a:r>
+          </a:p>
+          <a:p>
+            <a:pPr lvl="1">
+              <a:spcBef>
+                <a:spcPts val="200"/>
+              </a:spcBef>
+            </a:pPr>
+            <a:r>
+              <a:rPr lang="en-US" dirty="0"/>
+              <a:t>Introducing testing into legacy code (legacy == untested)</a:t>
+            </a:r>
+          </a:p>
+          <a:p>
+            <a:pPr lvl="1">
+              <a:spcBef>
+                <a:spcPts val="200"/>
+              </a:spcBef>
+            </a:pPr>
+            <a:r>
+              <a:rPr lang="en-US" dirty="0"/>
+              <a:t>Understanding and progressively improving code coverage</a:t>
+            </a:r>
+          </a:p>
+          <a:p>
+            <a:r>
+              <a:rPr lang="en-US" dirty="0"/>
+              <a:t>Automating tests</a:t>
+            </a:r>
+          </a:p>
+          <a:p>
+            <a:pPr lvl="1">
+              <a:spcBef>
+                <a:spcPts val="200"/>
+              </a:spcBef>
+            </a:pPr>
+            <a:r>
+              <a:rPr lang="en-US" dirty="0"/>
+              <a:t>Just get started – easy to get lost in all of the options</a:t>
+            </a:r>
+          </a:p>
+          <a:p>
+            <a:pPr lvl="1">
+              <a:spcBef>
+                <a:spcPts val="200"/>
+              </a:spcBef>
+            </a:pPr>
+            <a:r>
+              <a:rPr lang="en-US" dirty="0"/>
+              <a:t>You have to </a:t>
+            </a:r>
+            <a:r>
+              <a:rPr lang="en-US" i="1" dirty="0"/>
+              <a:t>have</a:t>
+            </a:r>
+            <a:r>
+              <a:rPr lang="en-US" dirty="0"/>
+              <a:t> tests to be able to automate them!</a:t>
+            </a:r>
+          </a:p>
+          <a:p>
+            <a:r>
+              <a:rPr lang="en-US" dirty="0"/>
+              <a:t>What to run where, and when?</a:t>
+            </a:r>
+          </a:p>
+          <a:p>
+            <a:pPr lvl="1">
+              <a:spcBef>
+                <a:spcPts val="200"/>
+              </a:spcBef>
+            </a:pPr>
+            <a:r>
+              <a:rPr lang="en-US" dirty="0"/>
+              <a:t>Consider what resources are required, and what the tests are used for</a:t>
+            </a:r>
+          </a:p>
+          <a:p>
+            <a:pPr marL="0" indent="0">
+              <a:spcBef>
+                <a:spcPts val="2800"/>
+              </a:spcBef>
+              <a:buNone/>
+            </a:pPr>
+            <a:r>
+              <a:rPr lang="en-US" i="1" dirty="0">
+                <a:solidFill>
+                  <a:schemeClr val="tx2"/>
+                </a:solidFill>
+              </a:rPr>
+              <a:t>Testing is a very large subject.  This is what we have time for today</a:t>
+            </a:r>
+          </a:p>
+        </p:txBody>
+      </p:sp>
+    </p:spTree>
+    <p:extLst>
+      <p:ext uri="{BB962C8B-B14F-4D97-AF65-F5344CB8AC3E}">
+        <p14:creationId xmlns:p14="http://schemas.microsoft.com/office/powerpoint/2010/main" val="862241249"/>
+      </p:ext>
+    </p:extLst>
+  </p:cSld>
+  <p:clrMapOvr>
+    <a:masterClrMapping/>
+  </p:clrMapOvr>
+</p:sld>
+</file>
+
+<file path=ppt/slides/slide9.xml><?xml version="1.0" encoding="utf-8"?>
 <p:sld xmlns:a="http://schemas.openxmlformats.org/drawingml/2006/main" xmlns:r="http://schemas.openxmlformats.org/officeDocument/2006/relationships" xmlns:p="http://schemas.openxmlformats.org/presentationml/2006/main">
   <p:cSld>
     <p:spTree>
@@ -6289,4609 +7754,6 @@
     <p:extLst>
       <p:ext uri="{BB962C8B-B14F-4D97-AF65-F5344CB8AC3E}">
         <p14:creationId xmlns:p14="http://schemas.microsoft.com/office/powerpoint/2010/main" val="3932546652"/>
-      </p:ext>
-    </p:extLst>
-  </p:cSld>
-  <p:clrMapOvr>
-    <a:masterClrMapping/>
-  </p:clrMapOvr>
-</p:sld>
-</file>
-
-<file path=ppt/slides/slide13.xml><?xml version="1.0" encoding="utf-8"?>
-<p:sld xmlns:a="http://schemas.openxmlformats.org/drawingml/2006/main" xmlns:r="http://schemas.openxmlformats.org/officeDocument/2006/relationships" xmlns:p="http://schemas.openxmlformats.org/presentationml/2006/main" showMasterSp="0">
-  <p:cSld>
-    <p:spTree>
-      <p:nvGrpSpPr>
-        <p:cNvPr id="1" name=""/>
-        <p:cNvGrpSpPr/>
-        <p:nvPr/>
-      </p:nvGrpSpPr>
-      <p:grpSpPr>
-        <a:xfrm>
-          <a:off x="0" y="0"/>
-          <a:ext cx="0" cy="0"/>
-          <a:chOff x="0" y="0"/>
-          <a:chExt cx="0" cy="0"/>
-        </a:xfrm>
-      </p:grpSpPr>
-      <p:sp>
-        <p:nvSpPr>
-          <p:cNvPr id="2" name="Title 1">
-            <a:extLst>
-              <a:ext uri="{FF2B5EF4-FFF2-40B4-BE49-F238E27FC236}">
-                <a16:creationId xmlns:a16="http://schemas.microsoft.com/office/drawing/2014/main" id="{2D652AD8-340F-4E8B-B0C4-7ABAA20B6F6A}"/>
-              </a:ext>
-            </a:extLst>
-          </p:cNvPr>
-          <p:cNvSpPr>
-            <a:spLocks noGrp="1"/>
-          </p:cNvSpPr>
-          <p:nvPr>
-            <p:ph type="title"/>
-          </p:nvPr>
-        </p:nvSpPr>
-        <p:spPr/>
-        <p:txBody>
-          <a:bodyPr/>
-          <a:lstStyle/>
-          <a:p>
-            <a:r>
-              <a:rPr lang="en-US" dirty="0"/>
-              <a:t>Agenda</a:t>
-            </a:r>
-          </a:p>
-        </p:txBody>
-      </p:sp>
-      <p:graphicFrame>
-        <p:nvGraphicFramePr>
-          <p:cNvPr id="4" name="Content Placeholder 3">
-            <a:extLst>
-              <a:ext uri="{FF2B5EF4-FFF2-40B4-BE49-F238E27FC236}">
-                <a16:creationId xmlns:a16="http://schemas.microsoft.com/office/drawing/2014/main" id="{A0943BB2-2F98-4DD2-873B-1E619A0C771D}"/>
-              </a:ext>
-            </a:extLst>
-          </p:cNvPr>
-          <p:cNvGraphicFramePr>
-            <a:graphicFrameLocks noGrp="1"/>
-          </p:cNvGraphicFramePr>
-          <p:nvPr>
-            <p:ph idx="1"/>
-            <p:extLst>
-              <p:ext uri="{D42A27DB-BD31-4B8C-83A1-F6EECF244321}">
-                <p14:modId xmlns:p14="http://schemas.microsoft.com/office/powerpoint/2010/main" val="312120117"/>
-              </p:ext>
-            </p:extLst>
-          </p:nvPr>
-        </p:nvGraphicFramePr>
-        <p:xfrm>
-          <a:off x="482119" y="879117"/>
-          <a:ext cx="11224586" cy="5608320"/>
-        </p:xfrm>
-        <a:graphic>
-          <a:graphicData uri="http://schemas.openxmlformats.org/drawingml/2006/table">
-            <a:tbl>
-              <a:tblPr firstRow="1" bandRow="1">
-                <a:tableStyleId>{5C22544A-7EE6-4342-B048-85BDC9FD1C3A}</a:tableStyleId>
-              </a:tblPr>
-              <a:tblGrid>
-                <a:gridCol w="1953967">
-                  <a:extLst>
-                    <a:ext uri="{9D8B030D-6E8A-4147-A177-3AD203B41FA5}">
-                      <a16:colId xmlns:a16="http://schemas.microsoft.com/office/drawing/2014/main" val="3446576009"/>
-                    </a:ext>
-                  </a:extLst>
-                </a:gridCol>
-                <a:gridCol w="927012">
-                  <a:extLst>
-                    <a:ext uri="{9D8B030D-6E8A-4147-A177-3AD203B41FA5}">
-                      <a16:colId xmlns:a16="http://schemas.microsoft.com/office/drawing/2014/main" val="339314737"/>
-                    </a:ext>
-                  </a:extLst>
-                </a:gridCol>
-                <a:gridCol w="4502632">
-                  <a:extLst>
-                    <a:ext uri="{9D8B030D-6E8A-4147-A177-3AD203B41FA5}">
-                      <a16:colId xmlns:a16="http://schemas.microsoft.com/office/drawing/2014/main" val="1263998808"/>
-                    </a:ext>
-                  </a:extLst>
-                </a:gridCol>
-                <a:gridCol w="2566626">
-                  <a:extLst>
-                    <a:ext uri="{9D8B030D-6E8A-4147-A177-3AD203B41FA5}">
-                      <a16:colId xmlns:a16="http://schemas.microsoft.com/office/drawing/2014/main" val="4097899022"/>
-                    </a:ext>
-                  </a:extLst>
-                </a:gridCol>
-                <a:gridCol w="1274349">
-                  <a:extLst>
-                    <a:ext uri="{9D8B030D-6E8A-4147-A177-3AD203B41FA5}">
-                      <a16:colId xmlns:a16="http://schemas.microsoft.com/office/drawing/2014/main" val="2615546019"/>
-                    </a:ext>
-                  </a:extLst>
-                </a:gridCol>
-              </a:tblGrid>
-              <a:tr h="370840">
-                <a:tc>
-                  <a:txBody>
-                    <a:bodyPr/>
-                    <a:lstStyle/>
-                    <a:p>
-                      <a:pPr algn="l">
-                        <a:lnSpc>
-                          <a:spcPct val="100000"/>
-                        </a:lnSpc>
-                      </a:pPr>
-                      <a:r>
-                        <a:rPr lang="en-US" sz="1600" dirty="0"/>
-                        <a:t>Time (Eastern US)</a:t>
-                      </a:r>
-                    </a:p>
-                  </a:txBody>
-                  <a:tcPr/>
-                </a:tc>
-                <a:tc>
-                  <a:txBody>
-                    <a:bodyPr/>
-                    <a:lstStyle/>
-                    <a:p>
-                      <a:pPr>
-                        <a:lnSpc>
-                          <a:spcPct val="100000"/>
-                        </a:lnSpc>
-                      </a:pPr>
-                      <a:r>
-                        <a:rPr lang="en-US" sz="1600" dirty="0"/>
-                        <a:t>Module</a:t>
-                      </a:r>
-                    </a:p>
-                  </a:txBody>
-                  <a:tcPr/>
-                </a:tc>
-                <a:tc>
-                  <a:txBody>
-                    <a:bodyPr/>
-                    <a:lstStyle/>
-                    <a:p>
-                      <a:pPr>
-                        <a:lnSpc>
-                          <a:spcPct val="100000"/>
-                        </a:lnSpc>
-                      </a:pPr>
-                      <a:r>
-                        <a:rPr lang="en-US" sz="1600" dirty="0"/>
-                        <a:t>Topic</a:t>
-                      </a:r>
-                    </a:p>
-                  </a:txBody>
-                  <a:tcPr/>
-                </a:tc>
-                <a:tc>
-                  <a:txBody>
-                    <a:bodyPr/>
-                    <a:lstStyle/>
-                    <a:p>
-                      <a:pPr>
-                        <a:lnSpc>
-                          <a:spcPct val="100000"/>
-                        </a:lnSpc>
-                      </a:pPr>
-                      <a:r>
-                        <a:rPr lang="en-US" sz="1600" dirty="0"/>
-                        <a:t>Speaker</a:t>
-                      </a:r>
-                    </a:p>
-                  </a:txBody>
-                  <a:tcPr/>
-                </a:tc>
-                <a:tc>
-                  <a:txBody>
-                    <a:bodyPr/>
-                    <a:lstStyle/>
-                    <a:p>
-                      <a:pPr>
-                        <a:lnSpc>
-                          <a:spcPct val="100000"/>
-                        </a:lnSpc>
-                      </a:pPr>
-                      <a:r>
-                        <a:rPr lang="en-US" sz="1600" dirty="0"/>
-                        <a:t>Time (UTC)</a:t>
-                      </a:r>
-                    </a:p>
-                  </a:txBody>
-                  <a:tcPr/>
-                </a:tc>
-                <a:extLst>
-                  <a:ext uri="{0D108BD9-81ED-4DB2-BD59-A6C34878D82A}">
-                    <a16:rowId xmlns:a16="http://schemas.microsoft.com/office/drawing/2014/main" val="3602420430"/>
-                  </a:ext>
-                </a:extLst>
-              </a:tr>
-              <a:tr h="370840">
-                <a:tc>
-                  <a:txBody>
-                    <a:bodyPr/>
-                    <a:lstStyle/>
-                    <a:p>
-                      <a:pPr rtl="0" fontAlgn="t">
-                        <a:spcBef>
-                          <a:spcPts val="0"/>
-                        </a:spcBef>
-                        <a:spcAft>
-                          <a:spcPts val="0"/>
-                        </a:spcAft>
-                      </a:pPr>
-                      <a:r>
-                        <a:rPr lang="en-US" sz="1600" b="0" i="0" u="none" strike="noStrike" dirty="0">
-                          <a:solidFill>
-                            <a:srgbClr val="000000"/>
-                          </a:solidFill>
-                          <a:effectLst/>
-                          <a:latin typeface="Arial" panose="020B0604020202020204" pitchFamily="34" charset="0"/>
-                        </a:rPr>
-                        <a:t>2:30pm-2:35pm</a:t>
-                      </a:r>
-                      <a:endParaRPr lang="en-US" sz="3600" dirty="0">
-                        <a:effectLst/>
-                      </a:endParaRPr>
-                    </a:p>
-                  </a:txBody>
-                  <a:tcPr marL="63500" marR="63500" marT="63500" marB="63500"/>
-                </a:tc>
-                <a:tc>
-                  <a:txBody>
-                    <a:bodyPr/>
-                    <a:lstStyle/>
-                    <a:p>
-                      <a:pPr>
-                        <a:lnSpc>
-                          <a:spcPct val="100000"/>
-                        </a:lnSpc>
-                      </a:pPr>
-                      <a:r>
-                        <a:rPr lang="en-US" sz="1600" dirty="0"/>
-                        <a:t>00</a:t>
-                      </a:r>
-                    </a:p>
-                  </a:txBody>
-                  <a:tcPr/>
-                </a:tc>
-                <a:tc>
-                  <a:txBody>
-                    <a:bodyPr/>
-                    <a:lstStyle/>
-                    <a:p>
-                      <a:pPr>
-                        <a:lnSpc>
-                          <a:spcPct val="100000"/>
-                        </a:lnSpc>
-                      </a:pPr>
-                      <a:r>
-                        <a:rPr lang="en-US" sz="1600" b="0" i="0" u="none" strike="noStrike" kern="1200" dirty="0">
-                          <a:solidFill>
-                            <a:schemeClr val="dk1"/>
-                          </a:solidFill>
-                          <a:effectLst/>
-                          <a:latin typeface="+mn-lt"/>
-                          <a:ea typeface="+mn-ea"/>
-                          <a:cs typeface="+mn-cs"/>
-                        </a:rPr>
-                        <a:t>Introduction</a:t>
-                      </a:r>
-                      <a:endParaRPr lang="en-US" sz="1600" dirty="0"/>
-                    </a:p>
-                  </a:txBody>
-                  <a:tcPr/>
-                </a:tc>
-                <a:tc>
-                  <a:txBody>
-                    <a:bodyPr/>
-                    <a:lstStyle/>
-                    <a:p>
-                      <a:pPr>
-                        <a:lnSpc>
-                          <a:spcPct val="100000"/>
-                        </a:lnSpc>
-                      </a:pPr>
-                      <a:r>
-                        <a:rPr lang="en-US" sz="1600" dirty="0"/>
-                        <a:t>David E. Bernholdt, ORNL</a:t>
-                      </a:r>
-                    </a:p>
-                  </a:txBody>
-                  <a:tcPr/>
-                </a:tc>
-                <a:tc>
-                  <a:txBody>
-                    <a:bodyPr/>
-                    <a:lstStyle/>
-                    <a:p>
-                      <a:pPr>
-                        <a:lnSpc>
-                          <a:spcPct val="100000"/>
-                        </a:lnSpc>
-                      </a:pPr>
-                      <a:r>
-                        <a:rPr lang="en-US" sz="1600" dirty="0"/>
-                        <a:t>19:30-19:35</a:t>
-                      </a:r>
-                    </a:p>
-                  </a:txBody>
-                  <a:tcPr/>
-                </a:tc>
-                <a:extLst>
-                  <a:ext uri="{0D108BD9-81ED-4DB2-BD59-A6C34878D82A}">
-                    <a16:rowId xmlns:a16="http://schemas.microsoft.com/office/drawing/2014/main" val="4236476034"/>
-                  </a:ext>
-                </a:extLst>
-              </a:tr>
-              <a:tr h="370840">
-                <a:tc>
-                  <a:txBody>
-                    <a:bodyPr/>
-                    <a:lstStyle/>
-                    <a:p>
-                      <a:pPr rtl="0" fontAlgn="t">
-                        <a:spcBef>
-                          <a:spcPts val="0"/>
-                        </a:spcBef>
-                        <a:spcAft>
-                          <a:spcPts val="0"/>
-                        </a:spcAft>
-                      </a:pPr>
-                      <a:r>
-                        <a:rPr lang="en-US" sz="1600" b="0" i="0" u="none" strike="noStrike" dirty="0">
-                          <a:solidFill>
-                            <a:srgbClr val="000000"/>
-                          </a:solidFill>
-                          <a:effectLst/>
-                          <a:latin typeface="Arial" panose="020B0604020202020204" pitchFamily="34" charset="0"/>
-                        </a:rPr>
-                        <a:t>2:35pm-2:45pm</a:t>
-                      </a:r>
-                      <a:endParaRPr lang="en-US" sz="3600" dirty="0">
-                        <a:effectLst/>
-                      </a:endParaRPr>
-                    </a:p>
-                  </a:txBody>
-                  <a:tcPr marL="63500" marR="63500" marT="63500" marB="63500"/>
-                </a:tc>
-                <a:tc>
-                  <a:txBody>
-                    <a:bodyPr/>
-                    <a:lstStyle/>
-                    <a:p>
-                      <a:pPr marL="0" marR="0" lvl="0" indent="0" algn="l" defTabSz="914400" rtl="0" eaLnBrk="1" fontAlgn="auto" latinLnBrk="0" hangingPunct="1">
-                        <a:lnSpc>
-                          <a:spcPct val="100000"/>
-                        </a:lnSpc>
-                        <a:spcBef>
-                          <a:spcPts val="0"/>
-                        </a:spcBef>
-                        <a:spcAft>
-                          <a:spcPts val="0"/>
-                        </a:spcAft>
-                        <a:buClrTx/>
-                        <a:buSzTx/>
-                        <a:buFontTx/>
-                        <a:buNone/>
-                        <a:tabLst/>
-                        <a:defRPr/>
-                      </a:pPr>
-                      <a:r>
-                        <a:rPr lang="en-US" sz="1600" dirty="0"/>
-                        <a:t>01</a:t>
-                      </a:r>
-                    </a:p>
-                  </a:txBody>
-                  <a:tcPr/>
-                </a:tc>
-                <a:tc>
-                  <a:txBody>
-                    <a:bodyPr/>
-                    <a:lstStyle/>
-                    <a:p>
-                      <a:pPr marL="0" marR="0" lvl="0" indent="0" algn="l" defTabSz="914400" rtl="0" eaLnBrk="1" fontAlgn="auto" latinLnBrk="0" hangingPunct="1">
-                        <a:lnSpc>
-                          <a:spcPct val="100000"/>
-                        </a:lnSpc>
-                        <a:spcBef>
-                          <a:spcPts val="0"/>
-                        </a:spcBef>
-                        <a:spcAft>
-                          <a:spcPts val="0"/>
-                        </a:spcAft>
-                        <a:buClrTx/>
-                        <a:buSzTx/>
-                        <a:buFontTx/>
-                        <a:buNone/>
-                        <a:tabLst/>
-                        <a:defRPr/>
-                      </a:pPr>
-                      <a:r>
-                        <a:rPr lang="en-US" sz="1600" b="0" i="0" u="none" strike="noStrike" kern="1200" dirty="0">
-                          <a:solidFill>
-                            <a:schemeClr val="dk1"/>
-                          </a:solidFill>
-                          <a:effectLst/>
-                          <a:latin typeface="+mn-lt"/>
-                          <a:ea typeface="+mn-ea"/>
-                          <a:cs typeface="+mn-cs"/>
-                        </a:rPr>
-                        <a:t>Motivation and Overview of Best Practices in HPC Software Development</a:t>
-                      </a:r>
-                      <a:endParaRPr lang="en-US" sz="1600" dirty="0"/>
-                    </a:p>
-                  </a:txBody>
-                  <a:tcPr/>
-                </a:tc>
-                <a:tc>
-                  <a:txBody>
-                    <a:bodyPr/>
-                    <a:lstStyle/>
-                    <a:p>
-                      <a:pPr marL="0" marR="0" lvl="0" indent="0" algn="l" defTabSz="914400" rtl="0" eaLnBrk="1" fontAlgn="auto" latinLnBrk="0" hangingPunct="1">
-                        <a:lnSpc>
-                          <a:spcPct val="100000"/>
-                        </a:lnSpc>
-                        <a:spcBef>
-                          <a:spcPts val="0"/>
-                        </a:spcBef>
-                        <a:spcAft>
-                          <a:spcPts val="0"/>
-                        </a:spcAft>
-                        <a:buClrTx/>
-                        <a:buSzTx/>
-                        <a:buFontTx/>
-                        <a:buNone/>
-                        <a:tabLst/>
-                        <a:defRPr/>
-                      </a:pPr>
-                      <a:r>
-                        <a:rPr lang="en-US" sz="1600" dirty="0"/>
-                        <a:t>David E. Bernholdt, ORNL</a:t>
-                      </a:r>
-                    </a:p>
-                  </a:txBody>
-                  <a:tcPr/>
-                </a:tc>
-                <a:tc>
-                  <a:txBody>
-                    <a:bodyPr/>
-                    <a:lstStyle/>
-                    <a:p>
-                      <a:pPr marL="0" marR="0" lvl="0" indent="0" algn="l" defTabSz="914400" rtl="0" eaLnBrk="1" fontAlgn="auto" latinLnBrk="0" hangingPunct="1">
-                        <a:lnSpc>
-                          <a:spcPct val="100000"/>
-                        </a:lnSpc>
-                        <a:spcBef>
-                          <a:spcPts val="0"/>
-                        </a:spcBef>
-                        <a:spcAft>
-                          <a:spcPts val="0"/>
-                        </a:spcAft>
-                        <a:buClrTx/>
-                        <a:buSzTx/>
-                        <a:buFontTx/>
-                        <a:buNone/>
-                        <a:tabLst/>
-                        <a:defRPr/>
-                      </a:pPr>
-                      <a:r>
-                        <a:rPr lang="en-US" sz="1600" dirty="0"/>
-                        <a:t>19:35-19:45</a:t>
-                      </a:r>
-                    </a:p>
-                  </a:txBody>
-                  <a:tcPr/>
-                </a:tc>
-                <a:extLst>
-                  <a:ext uri="{0D108BD9-81ED-4DB2-BD59-A6C34878D82A}">
-                    <a16:rowId xmlns:a16="http://schemas.microsoft.com/office/drawing/2014/main" val="18592124"/>
-                  </a:ext>
-                </a:extLst>
-              </a:tr>
-              <a:tr h="370840">
-                <a:tc>
-                  <a:txBody>
-                    <a:bodyPr/>
-                    <a:lstStyle/>
-                    <a:p>
-                      <a:pPr rtl="0" fontAlgn="t">
-                        <a:spcBef>
-                          <a:spcPts val="0"/>
-                        </a:spcBef>
-                        <a:spcAft>
-                          <a:spcPts val="0"/>
-                        </a:spcAft>
-                      </a:pPr>
-                      <a:r>
-                        <a:rPr lang="en-US" sz="1600" b="0" i="0" u="none" strike="noStrike" dirty="0">
-                          <a:solidFill>
-                            <a:srgbClr val="000000"/>
-                          </a:solidFill>
-                          <a:effectLst/>
-                          <a:latin typeface="Arial" panose="020B0604020202020204" pitchFamily="34" charset="0"/>
-                        </a:rPr>
-                        <a:t>2:45pm-3:15pm</a:t>
-                      </a:r>
-                      <a:endParaRPr lang="en-US" sz="3600" dirty="0">
-                        <a:effectLst/>
-                      </a:endParaRPr>
-                    </a:p>
-                  </a:txBody>
-                  <a:tcPr marL="63500" marR="63500" marT="63500" marB="63500"/>
-                </a:tc>
-                <a:tc>
-                  <a:txBody>
-                    <a:bodyPr/>
-                    <a:lstStyle/>
-                    <a:p>
-                      <a:pPr>
-                        <a:lnSpc>
-                          <a:spcPct val="100000"/>
-                        </a:lnSpc>
-                      </a:pPr>
-                      <a:r>
-                        <a:rPr lang="en-US" sz="1600" dirty="0"/>
-                        <a:t>02</a:t>
-                      </a:r>
-                    </a:p>
-                  </a:txBody>
-                  <a:tcPr/>
-                </a:tc>
-                <a:tc>
-                  <a:txBody>
-                    <a:bodyPr/>
-                    <a:lstStyle/>
-                    <a:p>
-                      <a:pPr>
-                        <a:lnSpc>
-                          <a:spcPct val="100000"/>
-                        </a:lnSpc>
-                      </a:pPr>
-                      <a:r>
-                        <a:rPr lang="en-US" sz="1600" dirty="0"/>
-                        <a:t>Agile Methodologies</a:t>
-                      </a:r>
-                    </a:p>
-                  </a:txBody>
-                  <a:tcPr/>
-                </a:tc>
-                <a:tc>
-                  <a:txBody>
-                    <a:bodyPr/>
-                    <a:lstStyle/>
-                    <a:p>
-                      <a:pPr>
-                        <a:lnSpc>
-                          <a:spcPct val="100000"/>
-                        </a:lnSpc>
-                      </a:pPr>
-                      <a:r>
-                        <a:rPr lang="en-US" sz="1600" dirty="0"/>
-                        <a:t>Rinku Gupta, ANL</a:t>
-                      </a:r>
-                    </a:p>
-                  </a:txBody>
-                  <a:tcPr/>
-                </a:tc>
-                <a:tc>
-                  <a:txBody>
-                    <a:bodyPr/>
-                    <a:lstStyle/>
-                    <a:p>
-                      <a:pPr>
-                        <a:lnSpc>
-                          <a:spcPct val="100000"/>
-                        </a:lnSpc>
-                      </a:pPr>
-                      <a:r>
-                        <a:rPr lang="en-US" sz="1600" dirty="0"/>
-                        <a:t>19:45-20:15</a:t>
-                      </a:r>
-                    </a:p>
-                  </a:txBody>
-                  <a:tcPr/>
-                </a:tc>
-                <a:extLst>
-                  <a:ext uri="{0D108BD9-81ED-4DB2-BD59-A6C34878D82A}">
-                    <a16:rowId xmlns:a16="http://schemas.microsoft.com/office/drawing/2014/main" val="3991164013"/>
-                  </a:ext>
-                </a:extLst>
-              </a:tr>
-              <a:tr h="370840">
-                <a:tc>
-                  <a:txBody>
-                    <a:bodyPr/>
-                    <a:lstStyle/>
-                    <a:p>
-                      <a:pPr rtl="0" fontAlgn="t">
-                        <a:spcBef>
-                          <a:spcPts val="0"/>
-                        </a:spcBef>
-                        <a:spcAft>
-                          <a:spcPts val="0"/>
-                        </a:spcAft>
-                      </a:pPr>
-                      <a:r>
-                        <a:rPr lang="en-US" sz="1600" dirty="0">
-                          <a:effectLst/>
-                        </a:rPr>
-                        <a:t>3:15pm-3:30pm</a:t>
-                      </a:r>
-                    </a:p>
-                  </a:txBody>
-                  <a:tcPr marL="63500" marR="63500" marT="63500" marB="63500"/>
-                </a:tc>
-                <a:tc>
-                  <a:txBody>
-                    <a:bodyPr/>
-                    <a:lstStyle/>
-                    <a:p>
-                      <a:pPr>
-                        <a:lnSpc>
-                          <a:spcPct val="100000"/>
-                        </a:lnSpc>
-                      </a:pPr>
-                      <a:r>
-                        <a:rPr lang="en-US" sz="1600" i="0" dirty="0">
-                          <a:solidFill>
-                            <a:schemeClr val="tx1"/>
-                          </a:solidFill>
-                        </a:rPr>
-                        <a:t>03</a:t>
-                      </a:r>
-                    </a:p>
-                  </a:txBody>
-                  <a:tcPr/>
-                </a:tc>
-                <a:tc>
-                  <a:txBody>
-                    <a:bodyPr/>
-                    <a:lstStyle/>
-                    <a:p>
-                      <a:pPr marL="0" marR="0" lvl="0" indent="0" algn="l" defTabSz="914400" rtl="0" eaLnBrk="1" fontAlgn="auto" latinLnBrk="0" hangingPunct="1">
-                        <a:lnSpc>
-                          <a:spcPct val="100000"/>
-                        </a:lnSpc>
-                        <a:spcBef>
-                          <a:spcPts val="0"/>
-                        </a:spcBef>
-                        <a:spcAft>
-                          <a:spcPts val="0"/>
-                        </a:spcAft>
-                        <a:buClrTx/>
-                        <a:buSzTx/>
-                        <a:buFontTx/>
-                        <a:buNone/>
-                        <a:tabLst/>
-                        <a:defRPr/>
-                      </a:pPr>
-                      <a:r>
-                        <a:rPr lang="en-US" sz="1600" b="0" i="0" u="none" strike="noStrike" kern="1200" dirty="0">
-                          <a:solidFill>
-                            <a:schemeClr val="dk1"/>
-                          </a:solidFill>
-                          <a:effectLst/>
-                          <a:latin typeface="+mn-lt"/>
-                          <a:ea typeface="+mn-ea"/>
-                          <a:cs typeface="+mn-cs"/>
-                        </a:rPr>
-                        <a:t>Git Workflows</a:t>
-                      </a:r>
-                      <a:endParaRPr lang="en-US" sz="1600" dirty="0"/>
-                    </a:p>
-                  </a:txBody>
-                  <a:tcPr/>
-                </a:tc>
-                <a:tc>
-                  <a:txBody>
-                    <a:bodyPr/>
-                    <a:lstStyle/>
-                    <a:p>
-                      <a:pPr>
-                        <a:lnSpc>
-                          <a:spcPct val="100000"/>
-                        </a:lnSpc>
-                      </a:pPr>
-                      <a:r>
-                        <a:rPr lang="en-US" sz="1600" dirty="0"/>
-                        <a:t>Patricia Grubel, LANL</a:t>
-                      </a:r>
-                    </a:p>
-                  </a:txBody>
-                  <a:tcPr/>
-                </a:tc>
-                <a:tc>
-                  <a:txBody>
-                    <a:bodyPr/>
-                    <a:lstStyle/>
-                    <a:p>
-                      <a:pPr>
-                        <a:lnSpc>
-                          <a:spcPct val="100000"/>
-                        </a:lnSpc>
-                      </a:pPr>
-                      <a:r>
-                        <a:rPr lang="en-US" sz="1600" dirty="0"/>
-                        <a:t>20:15-20:30</a:t>
-                      </a:r>
-                    </a:p>
-                  </a:txBody>
-                  <a:tcPr/>
-                </a:tc>
-                <a:extLst>
-                  <a:ext uri="{0D108BD9-81ED-4DB2-BD59-A6C34878D82A}">
-                    <a16:rowId xmlns:a16="http://schemas.microsoft.com/office/drawing/2014/main" val="1350023114"/>
-                  </a:ext>
-                </a:extLst>
-              </a:tr>
-              <a:tr h="370840">
-                <a:tc>
-                  <a:txBody>
-                    <a:bodyPr/>
-                    <a:lstStyle/>
-                    <a:p>
-                      <a:pPr rtl="0" fontAlgn="t">
-                        <a:spcBef>
-                          <a:spcPts val="0"/>
-                        </a:spcBef>
-                        <a:spcAft>
-                          <a:spcPts val="0"/>
-                        </a:spcAft>
-                      </a:pPr>
-                      <a:r>
-                        <a:rPr lang="en-US" sz="1600" b="0" i="0" u="none" strike="noStrike" dirty="0">
-                          <a:solidFill>
-                            <a:schemeClr val="tx1"/>
-                          </a:solidFill>
-                          <a:effectLst/>
-                          <a:latin typeface="Arial" panose="020B0604020202020204" pitchFamily="34" charset="0"/>
-                        </a:rPr>
-                        <a:t>3:30pm-4:00pm</a:t>
-                      </a:r>
-                      <a:endParaRPr lang="en-US" sz="3600" i="0" dirty="0">
-                        <a:solidFill>
-                          <a:schemeClr val="tx1"/>
-                        </a:solidFill>
-                        <a:effectLst/>
-                      </a:endParaRPr>
-                    </a:p>
-                  </a:txBody>
-                  <a:tcPr marL="63500" marR="63500" marT="63500" marB="63500"/>
-                </a:tc>
-                <a:tc>
-                  <a:txBody>
-                    <a:bodyPr/>
-                    <a:lstStyle/>
-                    <a:p>
-                      <a:pPr>
-                        <a:lnSpc>
-                          <a:spcPct val="100000"/>
-                        </a:lnSpc>
-                      </a:pPr>
-                      <a:r>
-                        <a:rPr lang="en-US" sz="1600" i="0" dirty="0">
-                          <a:solidFill>
-                            <a:schemeClr val="tx1"/>
-                          </a:solidFill>
-                        </a:rPr>
-                        <a:t>04</a:t>
-                      </a:r>
-                    </a:p>
-                  </a:txBody>
-                  <a:tcPr/>
-                </a:tc>
-                <a:tc>
-                  <a:txBody>
-                    <a:bodyPr/>
-                    <a:lstStyle/>
-                    <a:p>
-                      <a:pPr>
-                        <a:lnSpc>
-                          <a:spcPct val="100000"/>
-                        </a:lnSpc>
-                      </a:pPr>
-                      <a:r>
-                        <a:rPr lang="en-US" sz="1600" b="0" i="0" u="none" strike="noStrike" kern="1200" dirty="0">
-                          <a:solidFill>
-                            <a:schemeClr val="tx1"/>
-                          </a:solidFill>
-                          <a:effectLst/>
-                          <a:latin typeface="+mn-lt"/>
-                          <a:ea typeface="+mn-ea"/>
-                          <a:cs typeface="+mn-cs"/>
-                        </a:rPr>
-                        <a:t>Software Design</a:t>
-                      </a:r>
-                      <a:endParaRPr lang="en-US" sz="1600" i="0" dirty="0">
-                        <a:solidFill>
-                          <a:schemeClr val="tx1"/>
-                        </a:solidFill>
-                      </a:endParaRPr>
-                    </a:p>
-                  </a:txBody>
-                  <a:tcPr/>
-                </a:tc>
-                <a:tc>
-                  <a:txBody>
-                    <a:bodyPr/>
-                    <a:lstStyle/>
-                    <a:p>
-                      <a:pPr>
-                        <a:lnSpc>
-                          <a:spcPct val="100000"/>
-                        </a:lnSpc>
-                      </a:pPr>
-                      <a:r>
-                        <a:rPr lang="en-US" sz="1600" i="0" dirty="0">
-                          <a:solidFill>
-                            <a:schemeClr val="tx1"/>
-                          </a:solidFill>
-                        </a:rPr>
-                        <a:t>Anshu Dubey, ANL</a:t>
-                      </a:r>
-                    </a:p>
-                  </a:txBody>
-                  <a:tcPr/>
-                </a:tc>
-                <a:tc>
-                  <a:txBody>
-                    <a:bodyPr/>
-                    <a:lstStyle/>
-                    <a:p>
-                      <a:pPr>
-                        <a:lnSpc>
-                          <a:spcPct val="100000"/>
-                        </a:lnSpc>
-                      </a:pPr>
-                      <a:r>
-                        <a:rPr lang="en-US" sz="1600" i="0" dirty="0">
-                          <a:solidFill>
-                            <a:schemeClr val="tx1"/>
-                          </a:solidFill>
-                        </a:rPr>
-                        <a:t>20:30-21:00</a:t>
-                      </a:r>
-                    </a:p>
-                  </a:txBody>
-                  <a:tcPr/>
-                </a:tc>
-                <a:extLst>
-                  <a:ext uri="{0D108BD9-81ED-4DB2-BD59-A6C34878D82A}">
-                    <a16:rowId xmlns:a16="http://schemas.microsoft.com/office/drawing/2014/main" val="1922613886"/>
-                  </a:ext>
-                </a:extLst>
-              </a:tr>
-              <a:tr h="370840">
-                <a:tc>
-                  <a:txBody>
-                    <a:bodyPr/>
-                    <a:lstStyle/>
-                    <a:p>
-                      <a:pPr rtl="0" fontAlgn="t">
-                        <a:spcBef>
-                          <a:spcPts val="0"/>
-                        </a:spcBef>
-                        <a:spcAft>
-                          <a:spcPts val="0"/>
-                        </a:spcAft>
-                      </a:pPr>
-                      <a:r>
-                        <a:rPr lang="en-US" sz="1600" i="0" dirty="0">
-                          <a:solidFill>
-                            <a:schemeClr val="tx1"/>
-                          </a:solidFill>
-                          <a:effectLst/>
-                        </a:rPr>
-                        <a:t>4:00pm-4:15pm</a:t>
-                      </a:r>
-                    </a:p>
-                  </a:txBody>
-                  <a:tcPr marL="63500" marR="63500" marT="63500" marB="63500"/>
-                </a:tc>
-                <a:tc>
-                  <a:txBody>
-                    <a:bodyPr/>
-                    <a:lstStyle/>
-                    <a:p>
-                      <a:pPr>
-                        <a:lnSpc>
-                          <a:spcPct val="100000"/>
-                        </a:lnSpc>
-                      </a:pPr>
-                      <a:r>
-                        <a:rPr lang="en-US" sz="1600" i="0" dirty="0">
-                          <a:solidFill>
-                            <a:schemeClr val="tx1"/>
-                          </a:solidFill>
-                        </a:rPr>
-                        <a:t>05</a:t>
-                      </a:r>
-                    </a:p>
-                  </a:txBody>
-                  <a:tcPr/>
-                </a:tc>
-                <a:tc>
-                  <a:txBody>
-                    <a:bodyPr/>
-                    <a:lstStyle/>
-                    <a:p>
-                      <a:pPr>
-                        <a:lnSpc>
-                          <a:spcPct val="100000"/>
-                        </a:lnSpc>
-                      </a:pPr>
-                      <a:r>
-                        <a:rPr lang="en-US" sz="1600" i="0" dirty="0">
-                          <a:solidFill>
-                            <a:schemeClr val="tx1"/>
-                          </a:solidFill>
-                        </a:rPr>
-                        <a:t>Software Testing 1</a:t>
-                      </a:r>
-                    </a:p>
-                  </a:txBody>
-                  <a:tcPr/>
-                </a:tc>
-                <a:tc>
-                  <a:txBody>
-                    <a:bodyPr/>
-                    <a:lstStyle/>
-                    <a:p>
-                      <a:pPr marL="0" marR="0" lvl="0" indent="0" algn="l" defTabSz="914400" rtl="0" eaLnBrk="1" fontAlgn="auto" latinLnBrk="0" hangingPunct="1">
-                        <a:lnSpc>
-                          <a:spcPct val="100000"/>
-                        </a:lnSpc>
-                        <a:spcBef>
-                          <a:spcPts val="0"/>
-                        </a:spcBef>
-                        <a:spcAft>
-                          <a:spcPts val="0"/>
-                        </a:spcAft>
-                        <a:buClrTx/>
-                        <a:buSzTx/>
-                        <a:buFontTx/>
-                        <a:buNone/>
-                        <a:tabLst/>
-                        <a:defRPr/>
-                      </a:pPr>
-                      <a:r>
-                        <a:rPr lang="en-US" sz="1600" i="0" dirty="0">
-                          <a:solidFill>
-                            <a:schemeClr val="tx1"/>
-                          </a:solidFill>
-                        </a:rPr>
-                        <a:t>Rinku Gupta, ANL</a:t>
-                      </a:r>
-                    </a:p>
-                  </a:txBody>
-                  <a:tcPr/>
-                </a:tc>
-                <a:tc>
-                  <a:txBody>
-                    <a:bodyPr/>
-                    <a:lstStyle/>
-                    <a:p>
-                      <a:pPr marL="0" marR="0" lvl="0" indent="0" algn="l" defTabSz="914400" rtl="0" eaLnBrk="1" fontAlgn="auto" latinLnBrk="0" hangingPunct="1">
-                        <a:lnSpc>
-                          <a:spcPct val="100000"/>
-                        </a:lnSpc>
-                        <a:spcBef>
-                          <a:spcPts val="0"/>
-                        </a:spcBef>
-                        <a:spcAft>
-                          <a:spcPts val="0"/>
-                        </a:spcAft>
-                        <a:buClrTx/>
-                        <a:buSzTx/>
-                        <a:buFontTx/>
-                        <a:buNone/>
-                        <a:tabLst/>
-                        <a:defRPr/>
-                      </a:pPr>
-                      <a:r>
-                        <a:rPr lang="en-US" sz="1600" i="0" dirty="0">
-                          <a:solidFill>
-                            <a:schemeClr val="tx1"/>
-                          </a:solidFill>
-                        </a:rPr>
-                        <a:t>21:00-21:15</a:t>
-                      </a:r>
-                    </a:p>
-                  </a:txBody>
-                  <a:tcPr/>
-                </a:tc>
-                <a:extLst>
-                  <a:ext uri="{0D108BD9-81ED-4DB2-BD59-A6C34878D82A}">
-                    <a16:rowId xmlns:a16="http://schemas.microsoft.com/office/drawing/2014/main" val="3073672808"/>
-                  </a:ext>
-                </a:extLst>
-              </a:tr>
-              <a:tr h="370840">
-                <a:tc>
-                  <a:txBody>
-                    <a:bodyPr/>
-                    <a:lstStyle/>
-                    <a:p>
-                      <a:pPr rtl="0" fontAlgn="t">
-                        <a:spcBef>
-                          <a:spcPts val="0"/>
-                        </a:spcBef>
-                        <a:spcAft>
-                          <a:spcPts val="0"/>
-                        </a:spcAft>
-                      </a:pPr>
-                      <a:r>
-                        <a:rPr lang="en-US" sz="1600" b="0" i="1" u="none" strike="noStrike" dirty="0">
-                          <a:solidFill>
-                            <a:schemeClr val="tx2"/>
-                          </a:solidFill>
-                          <a:effectLst/>
-                          <a:latin typeface="Arial" panose="020B0604020202020204" pitchFamily="34" charset="0"/>
-                        </a:rPr>
-                        <a:t>4:15pm-4:35pm</a:t>
-                      </a:r>
-                      <a:endParaRPr lang="en-US" sz="3600" i="1" dirty="0">
-                        <a:solidFill>
-                          <a:schemeClr val="tx2"/>
-                        </a:solidFill>
-                        <a:effectLst/>
-                      </a:endParaRPr>
-                    </a:p>
-                  </a:txBody>
-                  <a:tcPr marL="63500" marR="63500" marT="63500" marB="63500"/>
-                </a:tc>
-                <a:tc>
-                  <a:txBody>
-                    <a:bodyPr/>
-                    <a:lstStyle/>
-                    <a:p>
-                      <a:pPr>
-                        <a:lnSpc>
-                          <a:spcPct val="100000"/>
-                        </a:lnSpc>
-                      </a:pPr>
-                      <a:endParaRPr lang="en-US" sz="1600" i="1" dirty="0">
-                        <a:solidFill>
-                          <a:schemeClr val="tx2"/>
-                        </a:solidFill>
-                      </a:endParaRPr>
-                    </a:p>
-                  </a:txBody>
-                  <a:tcPr/>
-                </a:tc>
-                <a:tc>
-                  <a:txBody>
-                    <a:bodyPr/>
-                    <a:lstStyle/>
-                    <a:p>
-                      <a:pPr>
-                        <a:lnSpc>
-                          <a:spcPct val="100000"/>
-                        </a:lnSpc>
-                      </a:pPr>
-                      <a:r>
-                        <a:rPr lang="en-US" sz="1600" i="1" dirty="0">
-                          <a:solidFill>
-                            <a:schemeClr val="tx2"/>
-                          </a:solidFill>
-                        </a:rPr>
-                        <a:t>Break (live Q&amp;A and demo of Kanban hands-on activities)</a:t>
-                      </a:r>
-                    </a:p>
-                  </a:txBody>
-                  <a:tcPr/>
-                </a:tc>
-                <a:tc>
-                  <a:txBody>
-                    <a:bodyPr/>
-                    <a:lstStyle/>
-                    <a:p>
-                      <a:pPr>
-                        <a:lnSpc>
-                          <a:spcPct val="100000"/>
-                        </a:lnSpc>
-                      </a:pPr>
-                      <a:r>
-                        <a:rPr lang="en-US" sz="1600" i="1" dirty="0">
-                          <a:solidFill>
-                            <a:schemeClr val="tx2"/>
-                          </a:solidFill>
-                        </a:rPr>
-                        <a:t>David E. Bernholdt and All</a:t>
-                      </a:r>
-                    </a:p>
-                  </a:txBody>
-                  <a:tcPr/>
-                </a:tc>
-                <a:tc>
-                  <a:txBody>
-                    <a:bodyPr/>
-                    <a:lstStyle/>
-                    <a:p>
-                      <a:pPr>
-                        <a:lnSpc>
-                          <a:spcPct val="100000"/>
-                        </a:lnSpc>
-                      </a:pPr>
-                      <a:r>
-                        <a:rPr lang="en-US" sz="1600" i="1" dirty="0">
-                          <a:solidFill>
-                            <a:schemeClr val="tx2"/>
-                          </a:solidFill>
-                        </a:rPr>
-                        <a:t>21:15-21:35</a:t>
-                      </a:r>
-                    </a:p>
-                  </a:txBody>
-                  <a:tcPr/>
-                </a:tc>
-                <a:extLst>
-                  <a:ext uri="{0D108BD9-81ED-4DB2-BD59-A6C34878D82A}">
-                    <a16:rowId xmlns:a16="http://schemas.microsoft.com/office/drawing/2014/main" val="4193880066"/>
-                  </a:ext>
-                </a:extLst>
-              </a:tr>
-              <a:tr h="370840">
-                <a:tc>
-                  <a:txBody>
-                    <a:bodyPr/>
-                    <a:lstStyle/>
-                    <a:p>
-                      <a:pPr rtl="0" fontAlgn="t">
-                        <a:spcBef>
-                          <a:spcPts val="0"/>
-                        </a:spcBef>
-                        <a:spcAft>
-                          <a:spcPts val="0"/>
-                        </a:spcAft>
-                      </a:pPr>
-                      <a:r>
-                        <a:rPr lang="en-US" sz="1600" b="0" i="0" u="none" strike="noStrike" dirty="0">
-                          <a:solidFill>
-                            <a:srgbClr val="000000"/>
-                          </a:solidFill>
-                          <a:effectLst/>
-                          <a:latin typeface="Arial" panose="020B0604020202020204" pitchFamily="34" charset="0"/>
-                        </a:rPr>
-                        <a:t>4:35pm-4:50pm</a:t>
-                      </a:r>
-                      <a:endParaRPr lang="en-US" sz="3600" dirty="0">
-                        <a:effectLst/>
-                      </a:endParaRPr>
-                    </a:p>
-                  </a:txBody>
-                  <a:tcPr marL="63500" marR="63500" marT="63500" marB="63500"/>
-                </a:tc>
-                <a:tc>
-                  <a:txBody>
-                    <a:bodyPr/>
-                    <a:lstStyle/>
-                    <a:p>
-                      <a:pPr>
-                        <a:lnSpc>
-                          <a:spcPct val="100000"/>
-                        </a:lnSpc>
-                      </a:pPr>
-                      <a:r>
-                        <a:rPr lang="en-US" sz="1600" i="0" dirty="0"/>
-                        <a:t>06</a:t>
-                      </a:r>
-                    </a:p>
-                  </a:txBody>
-                  <a:tcPr/>
-                </a:tc>
-                <a:tc>
-                  <a:txBody>
-                    <a:bodyPr/>
-                    <a:lstStyle/>
-                    <a:p>
-                      <a:pPr>
-                        <a:lnSpc>
-                          <a:spcPct val="100000"/>
-                        </a:lnSpc>
-                      </a:pPr>
-                      <a:r>
-                        <a:rPr lang="en-US" sz="1600" i="0" dirty="0"/>
-                        <a:t>Software Testing 2</a:t>
-                      </a:r>
-                    </a:p>
-                  </a:txBody>
-                  <a:tcPr/>
-                </a:tc>
-                <a:tc>
-                  <a:txBody>
-                    <a:bodyPr/>
-                    <a:lstStyle/>
-                    <a:p>
-                      <a:pPr>
-                        <a:lnSpc>
-                          <a:spcPct val="100000"/>
-                        </a:lnSpc>
-                      </a:pPr>
-                      <a:r>
-                        <a:rPr lang="en-US" sz="1600" dirty="0"/>
-                        <a:t>Anshu Dubey, ANL</a:t>
-                      </a:r>
-                    </a:p>
-                  </a:txBody>
-                  <a:tcPr/>
-                </a:tc>
-                <a:tc>
-                  <a:txBody>
-                    <a:bodyPr/>
-                    <a:lstStyle/>
-                    <a:p>
-                      <a:pPr>
-                        <a:lnSpc>
-                          <a:spcPct val="100000"/>
-                        </a:lnSpc>
-                      </a:pPr>
-                      <a:r>
-                        <a:rPr lang="en-US" sz="1600" dirty="0"/>
-                        <a:t>21:35-21:50</a:t>
-                      </a:r>
-                    </a:p>
-                  </a:txBody>
-                  <a:tcPr/>
-                </a:tc>
-                <a:extLst>
-                  <a:ext uri="{0D108BD9-81ED-4DB2-BD59-A6C34878D82A}">
-                    <a16:rowId xmlns:a16="http://schemas.microsoft.com/office/drawing/2014/main" val="2444169840"/>
-                  </a:ext>
-                </a:extLst>
-              </a:tr>
-              <a:tr h="370840">
-                <a:tc>
-                  <a:txBody>
-                    <a:bodyPr/>
-                    <a:lstStyle/>
-                    <a:p>
-                      <a:pPr rtl="0" fontAlgn="t">
-                        <a:spcBef>
-                          <a:spcPts val="0"/>
-                        </a:spcBef>
-                        <a:spcAft>
-                          <a:spcPts val="0"/>
-                        </a:spcAft>
-                      </a:pPr>
-                      <a:r>
-                        <a:rPr lang="en-US" sz="1600" dirty="0">
-                          <a:effectLst/>
-                        </a:rPr>
-                        <a:t>4:50pm-5:35pm</a:t>
-                      </a:r>
-                    </a:p>
-                  </a:txBody>
-                  <a:tcPr marL="63500" marR="63500" marT="63500" marB="63500"/>
-                </a:tc>
-                <a:tc>
-                  <a:txBody>
-                    <a:bodyPr/>
-                    <a:lstStyle/>
-                    <a:p>
-                      <a:pPr>
-                        <a:lnSpc>
-                          <a:spcPct val="100000"/>
-                        </a:lnSpc>
-                      </a:pPr>
-                      <a:r>
-                        <a:rPr lang="en-US" sz="1600" i="0" dirty="0"/>
-                        <a:t>07</a:t>
-                      </a:r>
-                    </a:p>
-                  </a:txBody>
-                  <a:tcPr/>
-                </a:tc>
-                <a:tc>
-                  <a:txBody>
-                    <a:bodyPr/>
-                    <a:lstStyle/>
-                    <a:p>
-                      <a:pPr>
-                        <a:lnSpc>
-                          <a:spcPct val="100000"/>
-                        </a:lnSpc>
-                      </a:pPr>
-                      <a:r>
-                        <a:rPr lang="en-US" sz="1600" i="0" dirty="0"/>
-                        <a:t>Refactoring</a:t>
-                      </a:r>
-                    </a:p>
-                  </a:txBody>
-                  <a:tcPr/>
-                </a:tc>
-                <a:tc>
-                  <a:txBody>
-                    <a:bodyPr/>
-                    <a:lstStyle/>
-                    <a:p>
-                      <a:pPr marL="0" marR="0" lvl="0" indent="0" algn="l" defTabSz="914400" rtl="0" eaLnBrk="1" fontAlgn="auto" latinLnBrk="0" hangingPunct="1">
-                        <a:lnSpc>
-                          <a:spcPct val="100000"/>
-                        </a:lnSpc>
-                        <a:spcBef>
-                          <a:spcPts val="0"/>
-                        </a:spcBef>
-                        <a:spcAft>
-                          <a:spcPts val="0"/>
-                        </a:spcAft>
-                        <a:buClrTx/>
-                        <a:buSzTx/>
-                        <a:buFontTx/>
-                        <a:buNone/>
-                        <a:tabLst/>
-                        <a:defRPr/>
-                      </a:pPr>
-                      <a:r>
-                        <a:rPr lang="en-US" sz="1600" i="0" dirty="0">
-                          <a:solidFill>
-                            <a:schemeClr val="tx1"/>
-                          </a:solidFill>
-                        </a:rPr>
-                        <a:t>Anshu Dubey, ANL</a:t>
-                      </a:r>
-                    </a:p>
-                  </a:txBody>
-                  <a:tcPr/>
-                </a:tc>
-                <a:tc>
-                  <a:txBody>
-                    <a:bodyPr/>
-                    <a:lstStyle/>
-                    <a:p>
-                      <a:pPr marL="0" marR="0" lvl="0" indent="0" algn="l" defTabSz="914400" rtl="0" eaLnBrk="1" fontAlgn="auto" latinLnBrk="0" hangingPunct="1">
-                        <a:lnSpc>
-                          <a:spcPct val="100000"/>
-                        </a:lnSpc>
-                        <a:spcBef>
-                          <a:spcPts val="0"/>
-                        </a:spcBef>
-                        <a:spcAft>
-                          <a:spcPts val="0"/>
-                        </a:spcAft>
-                        <a:buClrTx/>
-                        <a:buSzTx/>
-                        <a:buFontTx/>
-                        <a:buNone/>
-                        <a:tabLst/>
-                        <a:defRPr/>
-                      </a:pPr>
-                      <a:r>
-                        <a:rPr lang="en-US" sz="1600" i="0" dirty="0">
-                          <a:solidFill>
-                            <a:schemeClr val="tx1"/>
-                          </a:solidFill>
-                        </a:rPr>
-                        <a:t>21:50-22:35</a:t>
-                      </a:r>
-                    </a:p>
-                  </a:txBody>
-                  <a:tcPr/>
-                </a:tc>
-                <a:extLst>
-                  <a:ext uri="{0D108BD9-81ED-4DB2-BD59-A6C34878D82A}">
-                    <a16:rowId xmlns:a16="http://schemas.microsoft.com/office/drawing/2014/main" val="387858574"/>
-                  </a:ext>
-                </a:extLst>
-              </a:tr>
-              <a:tr h="370840">
-                <a:tc>
-                  <a:txBody>
-                    <a:bodyPr/>
-                    <a:lstStyle/>
-                    <a:p>
-                      <a:pPr rtl="0" fontAlgn="t">
-                        <a:spcBef>
-                          <a:spcPts val="0"/>
-                        </a:spcBef>
-                        <a:spcAft>
-                          <a:spcPts val="0"/>
-                        </a:spcAft>
-                      </a:pPr>
-                      <a:r>
-                        <a:rPr lang="en-US" sz="1600" dirty="0">
-                          <a:effectLst/>
-                        </a:rPr>
-                        <a:t>5:35pm-5:50pm</a:t>
-                      </a:r>
-                    </a:p>
-                  </a:txBody>
-                  <a:tcPr marL="63500" marR="63500" marT="63500" marB="63500"/>
-                </a:tc>
-                <a:tc>
-                  <a:txBody>
-                    <a:bodyPr/>
-                    <a:lstStyle/>
-                    <a:p>
-                      <a:pPr>
-                        <a:lnSpc>
-                          <a:spcPct val="100000"/>
-                        </a:lnSpc>
-                      </a:pPr>
-                      <a:r>
-                        <a:rPr lang="en-US" sz="1600" i="0" dirty="0"/>
-                        <a:t>08</a:t>
-                      </a:r>
-                    </a:p>
-                  </a:txBody>
-                  <a:tcPr/>
-                </a:tc>
-                <a:tc>
-                  <a:txBody>
-                    <a:bodyPr/>
-                    <a:lstStyle/>
-                    <a:p>
-                      <a:pPr>
-                        <a:lnSpc>
-                          <a:spcPct val="100000"/>
-                        </a:lnSpc>
-                      </a:pPr>
-                      <a:r>
-                        <a:rPr lang="en-US" sz="1600" i="0" dirty="0"/>
-                        <a:t>Continuous Integration</a:t>
-                      </a:r>
-                    </a:p>
-                  </a:txBody>
-                  <a:tcPr/>
-                </a:tc>
-                <a:tc>
-                  <a:txBody>
-                    <a:bodyPr/>
-                    <a:lstStyle/>
-                    <a:p>
-                      <a:pPr>
-                        <a:lnSpc>
-                          <a:spcPct val="100000"/>
-                        </a:lnSpc>
-                      </a:pPr>
-                      <a:r>
-                        <a:rPr lang="en-US" sz="1600" dirty="0"/>
-                        <a:t>David E. Bernholdt, ORNL</a:t>
-                      </a:r>
-                    </a:p>
-                  </a:txBody>
-                  <a:tcPr/>
-                </a:tc>
-                <a:tc>
-                  <a:txBody>
-                    <a:bodyPr/>
-                    <a:lstStyle/>
-                    <a:p>
-                      <a:pPr>
-                        <a:lnSpc>
-                          <a:spcPct val="100000"/>
-                        </a:lnSpc>
-                      </a:pPr>
-                      <a:r>
-                        <a:rPr lang="en-US" sz="1600" dirty="0"/>
-                        <a:t>22:35-22:50</a:t>
-                      </a:r>
-                    </a:p>
-                  </a:txBody>
-                  <a:tcPr/>
-                </a:tc>
-                <a:extLst>
-                  <a:ext uri="{0D108BD9-81ED-4DB2-BD59-A6C34878D82A}">
-                    <a16:rowId xmlns:a16="http://schemas.microsoft.com/office/drawing/2014/main" val="2446830301"/>
-                  </a:ext>
-                </a:extLst>
-              </a:tr>
-              <a:tr h="370840">
-                <a:tc>
-                  <a:txBody>
-                    <a:bodyPr/>
-                    <a:lstStyle/>
-                    <a:p>
-                      <a:pPr rtl="0" fontAlgn="t">
-                        <a:spcBef>
-                          <a:spcPts val="0"/>
-                        </a:spcBef>
-                        <a:spcAft>
-                          <a:spcPts val="0"/>
-                        </a:spcAft>
-                      </a:pPr>
-                      <a:r>
-                        <a:rPr lang="en-US" sz="1600" dirty="0">
-                          <a:effectLst/>
-                        </a:rPr>
-                        <a:t>5:50pm-6:05pm</a:t>
-                      </a:r>
-                    </a:p>
-                  </a:txBody>
-                  <a:tcPr marL="63500" marR="63500" marT="63500" marB="63500"/>
-                </a:tc>
-                <a:tc>
-                  <a:txBody>
-                    <a:bodyPr/>
-                    <a:lstStyle/>
-                    <a:p>
-                      <a:pPr>
-                        <a:lnSpc>
-                          <a:spcPct val="100000"/>
-                        </a:lnSpc>
-                      </a:pPr>
-                      <a:r>
-                        <a:rPr lang="en-US" sz="1600" i="0" dirty="0"/>
-                        <a:t>09</a:t>
-                      </a:r>
-                    </a:p>
-                  </a:txBody>
-                  <a:tcPr/>
-                </a:tc>
-                <a:tc>
-                  <a:txBody>
-                    <a:bodyPr/>
-                    <a:lstStyle/>
-                    <a:p>
-                      <a:pPr>
-                        <a:lnSpc>
-                          <a:spcPct val="100000"/>
-                        </a:lnSpc>
-                      </a:pPr>
-                      <a:r>
-                        <a:rPr lang="en-US" sz="1600" i="0" dirty="0"/>
-                        <a:t>Reproducibility</a:t>
-                      </a:r>
-                    </a:p>
-                  </a:txBody>
-                  <a:tcPr/>
-                </a:tc>
-                <a:tc>
-                  <a:txBody>
-                    <a:bodyPr/>
-                    <a:lstStyle/>
-                    <a:p>
-                      <a:pPr>
-                        <a:lnSpc>
-                          <a:spcPct val="100000"/>
-                        </a:lnSpc>
-                      </a:pPr>
-                      <a:r>
-                        <a:rPr lang="en-US" sz="1600" dirty="0"/>
-                        <a:t>Patricia Grubel, LANL</a:t>
-                      </a:r>
-                    </a:p>
-                  </a:txBody>
-                  <a:tcPr/>
-                </a:tc>
-                <a:tc>
-                  <a:txBody>
-                    <a:bodyPr/>
-                    <a:lstStyle/>
-                    <a:p>
-                      <a:pPr>
-                        <a:lnSpc>
-                          <a:spcPct val="100000"/>
-                        </a:lnSpc>
-                      </a:pPr>
-                      <a:r>
-                        <a:rPr lang="en-US" sz="1600" dirty="0"/>
-                        <a:t>22:50-23:05</a:t>
-                      </a:r>
-                    </a:p>
-                  </a:txBody>
-                  <a:tcPr/>
-                </a:tc>
-                <a:extLst>
-                  <a:ext uri="{0D108BD9-81ED-4DB2-BD59-A6C34878D82A}">
-                    <a16:rowId xmlns:a16="http://schemas.microsoft.com/office/drawing/2014/main" val="1746784610"/>
-                  </a:ext>
-                </a:extLst>
-              </a:tr>
-              <a:tr h="370840">
-                <a:tc>
-                  <a:txBody>
-                    <a:bodyPr/>
-                    <a:lstStyle/>
-                    <a:p>
-                      <a:pPr rtl="0" fontAlgn="t">
-                        <a:spcBef>
-                          <a:spcPts val="0"/>
-                        </a:spcBef>
-                        <a:spcAft>
-                          <a:spcPts val="0"/>
-                        </a:spcAft>
-                      </a:pPr>
-                      <a:r>
-                        <a:rPr lang="en-US" sz="1600" dirty="0">
-                          <a:effectLst/>
-                        </a:rPr>
-                        <a:t>6:05pm-6:10pm</a:t>
-                      </a:r>
-                    </a:p>
-                  </a:txBody>
-                  <a:tcPr marL="63500" marR="63500" marT="63500" marB="63500"/>
-                </a:tc>
-                <a:tc>
-                  <a:txBody>
-                    <a:bodyPr/>
-                    <a:lstStyle/>
-                    <a:p>
-                      <a:pPr>
-                        <a:lnSpc>
-                          <a:spcPct val="100000"/>
-                        </a:lnSpc>
-                      </a:pPr>
-                      <a:r>
-                        <a:rPr lang="en-US" sz="1600" i="0" dirty="0"/>
-                        <a:t>10</a:t>
-                      </a:r>
-                    </a:p>
-                  </a:txBody>
-                  <a:tcPr/>
-                </a:tc>
-                <a:tc>
-                  <a:txBody>
-                    <a:bodyPr/>
-                    <a:lstStyle/>
-                    <a:p>
-                      <a:pPr>
-                        <a:lnSpc>
-                          <a:spcPct val="100000"/>
-                        </a:lnSpc>
-                      </a:pPr>
-                      <a:r>
-                        <a:rPr lang="en-US" sz="1600" i="0" dirty="0"/>
-                        <a:t>Summary</a:t>
-                      </a:r>
-                    </a:p>
-                  </a:txBody>
-                  <a:tcPr/>
-                </a:tc>
-                <a:tc>
-                  <a:txBody>
-                    <a:bodyPr/>
-                    <a:lstStyle/>
-                    <a:p>
-                      <a:pPr>
-                        <a:lnSpc>
-                          <a:spcPct val="100000"/>
-                        </a:lnSpc>
-                      </a:pPr>
-                      <a:r>
-                        <a:rPr lang="en-US" sz="1600" dirty="0"/>
-                        <a:t>David E. Bernholdt, ORNL</a:t>
-                      </a:r>
-                    </a:p>
-                  </a:txBody>
-                  <a:tcPr/>
-                </a:tc>
-                <a:tc>
-                  <a:txBody>
-                    <a:bodyPr/>
-                    <a:lstStyle/>
-                    <a:p>
-                      <a:pPr>
-                        <a:lnSpc>
-                          <a:spcPct val="100000"/>
-                        </a:lnSpc>
-                      </a:pPr>
-                      <a:r>
-                        <a:rPr lang="en-US" sz="1600" dirty="0"/>
-                        <a:t>23:05-23:10</a:t>
-                      </a:r>
-                    </a:p>
-                  </a:txBody>
-                  <a:tcPr/>
-                </a:tc>
-                <a:extLst>
-                  <a:ext uri="{0D108BD9-81ED-4DB2-BD59-A6C34878D82A}">
-                    <a16:rowId xmlns:a16="http://schemas.microsoft.com/office/drawing/2014/main" val="127038030"/>
-                  </a:ext>
-                </a:extLst>
-              </a:tr>
-              <a:tr h="370840">
-                <a:tc>
-                  <a:txBody>
-                    <a:bodyPr/>
-                    <a:lstStyle/>
-                    <a:p>
-                      <a:pPr rtl="0" fontAlgn="t">
-                        <a:spcBef>
-                          <a:spcPts val="0"/>
-                        </a:spcBef>
-                        <a:spcAft>
-                          <a:spcPts val="0"/>
-                        </a:spcAft>
-                      </a:pPr>
-                      <a:r>
-                        <a:rPr lang="en-US" sz="1600" i="1" dirty="0">
-                          <a:solidFill>
-                            <a:schemeClr val="tx2"/>
-                          </a:solidFill>
-                          <a:effectLst/>
-                        </a:rPr>
-                        <a:t>6:10pm-6:30pm</a:t>
-                      </a:r>
-                    </a:p>
-                  </a:txBody>
-                  <a:tcPr marL="63500" marR="63500" marT="63500" marB="63500"/>
-                </a:tc>
-                <a:tc>
-                  <a:txBody>
-                    <a:bodyPr/>
-                    <a:lstStyle/>
-                    <a:p>
-                      <a:pPr>
-                        <a:lnSpc>
-                          <a:spcPct val="100000"/>
-                        </a:lnSpc>
-                      </a:pPr>
-                      <a:endParaRPr lang="en-US" sz="1600" i="1" dirty="0">
-                        <a:solidFill>
-                          <a:schemeClr val="tx2"/>
-                        </a:solidFill>
-                      </a:endParaRPr>
-                    </a:p>
-                  </a:txBody>
-                  <a:tcPr/>
-                </a:tc>
-                <a:tc>
-                  <a:txBody>
-                    <a:bodyPr/>
-                    <a:lstStyle/>
-                    <a:p>
-                      <a:pPr>
-                        <a:lnSpc>
-                          <a:spcPct val="100000"/>
-                        </a:lnSpc>
-                      </a:pPr>
-                      <a:r>
-                        <a:rPr lang="en-US" sz="1600" i="1" dirty="0">
-                          <a:solidFill>
-                            <a:schemeClr val="tx2"/>
-                          </a:solidFill>
-                        </a:rPr>
-                        <a:t>Live Q&amp;A and demo of CI hands-on activities</a:t>
-                      </a:r>
-                    </a:p>
-                  </a:txBody>
-                  <a:tcPr/>
-                </a:tc>
-                <a:tc>
-                  <a:txBody>
-                    <a:bodyPr/>
-                    <a:lstStyle/>
-                    <a:p>
-                      <a:pPr>
-                        <a:lnSpc>
-                          <a:spcPct val="100000"/>
-                        </a:lnSpc>
-                      </a:pPr>
-                      <a:r>
-                        <a:rPr lang="en-US" sz="1600" i="1" dirty="0">
-                          <a:solidFill>
-                            <a:schemeClr val="tx2"/>
-                          </a:solidFill>
-                        </a:rPr>
-                        <a:t>David E. Bernholdt and All</a:t>
-                      </a:r>
-                    </a:p>
-                  </a:txBody>
-                  <a:tcPr/>
-                </a:tc>
-                <a:tc>
-                  <a:txBody>
-                    <a:bodyPr/>
-                    <a:lstStyle/>
-                    <a:p>
-                      <a:pPr>
-                        <a:lnSpc>
-                          <a:spcPct val="100000"/>
-                        </a:lnSpc>
-                      </a:pPr>
-                      <a:r>
-                        <a:rPr lang="en-US" sz="1600" i="1" dirty="0">
-                          <a:solidFill>
-                            <a:schemeClr val="tx2"/>
-                          </a:solidFill>
-                        </a:rPr>
-                        <a:t>23:10-23:30</a:t>
-                      </a:r>
-                    </a:p>
-                  </a:txBody>
-                  <a:tcPr/>
-                </a:tc>
-                <a:extLst>
-                  <a:ext uri="{0D108BD9-81ED-4DB2-BD59-A6C34878D82A}">
-                    <a16:rowId xmlns:a16="http://schemas.microsoft.com/office/drawing/2014/main" val="2700633054"/>
-                  </a:ext>
-                </a:extLst>
-              </a:tr>
-            </a:tbl>
-          </a:graphicData>
-        </a:graphic>
-      </p:graphicFrame>
-      <p:sp>
-        <p:nvSpPr>
-          <p:cNvPr id="5" name="Rectangle 4">
-            <a:extLst>
-              <a:ext uri="{FF2B5EF4-FFF2-40B4-BE49-F238E27FC236}">
-                <a16:creationId xmlns:a16="http://schemas.microsoft.com/office/drawing/2014/main" id="{E4880E9D-796B-4059-866B-77E314ECAE90}"/>
-              </a:ext>
-            </a:extLst>
-          </p:cNvPr>
-          <p:cNvSpPr/>
-          <p:nvPr/>
-        </p:nvSpPr>
-        <p:spPr>
-          <a:xfrm>
-            <a:off x="482119" y="6488668"/>
-            <a:ext cx="11224586" cy="369332"/>
-          </a:xfrm>
-          <a:prstGeom prst="rect">
-            <a:avLst/>
-          </a:prstGeom>
-        </p:spPr>
-        <p:txBody>
-          <a:bodyPr wrap="square">
-            <a:spAutoFit/>
-          </a:bodyPr>
-          <a:lstStyle/>
-          <a:p>
-            <a:r>
-              <a:rPr lang="en-US" dirty="0">
-                <a:solidFill>
-                  <a:schemeClr val="accent2"/>
-                </a:solidFill>
-              </a:rPr>
-              <a:t>Please evaluate us: </a:t>
-            </a:r>
-            <a:r>
-              <a:rPr lang="en-US" u="sng" dirty="0">
-                <a:solidFill>
-                  <a:schemeClr val="accent2"/>
-                </a:solidFill>
-                <a:hlinkClick r:id="rId2">
-                  <a:extLst>
-                    <a:ext uri="{A12FA001-AC4F-418D-AE19-62706E023703}">
-                      <ahyp:hlinkClr xmlns:ahyp="http://schemas.microsoft.com/office/drawing/2018/hyperlinkcolor" val="tx"/>
-                    </a:ext>
-                  </a:extLst>
-                </a:hlinkClick>
-              </a:rPr>
-              <a:t>https://submissions.supercomputing.org/?page=Submit&amp;id=TutorialEvaluation&amp;site=sc20</a:t>
-            </a:r>
-            <a:endParaRPr lang="en-US" u="sng" dirty="0">
-              <a:solidFill>
-                <a:schemeClr val="accent2"/>
-              </a:solidFill>
-            </a:endParaRPr>
-          </a:p>
-        </p:txBody>
-      </p:sp>
-      <p:grpSp>
-        <p:nvGrpSpPr>
-          <p:cNvPr id="6" name="Group 5">
-            <a:extLst>
-              <a:ext uri="{FF2B5EF4-FFF2-40B4-BE49-F238E27FC236}">
-                <a16:creationId xmlns:a16="http://schemas.microsoft.com/office/drawing/2014/main" id="{B9669579-8C6A-4106-9209-D9CA21E1AFAF}"/>
-              </a:ext>
-            </a:extLst>
-          </p:cNvPr>
-          <p:cNvGrpSpPr/>
-          <p:nvPr/>
-        </p:nvGrpSpPr>
-        <p:grpSpPr>
-          <a:xfrm>
-            <a:off x="79513" y="1990146"/>
-            <a:ext cx="12029799" cy="390939"/>
-            <a:chOff x="79513" y="1653208"/>
-            <a:chExt cx="12029799" cy="390939"/>
-          </a:xfrm>
-        </p:grpSpPr>
-        <p:cxnSp>
-          <p:nvCxnSpPr>
-            <p:cNvPr id="7" name="Straight Connector 6">
-              <a:extLst>
-                <a:ext uri="{FF2B5EF4-FFF2-40B4-BE49-F238E27FC236}">
-                  <a16:creationId xmlns:a16="http://schemas.microsoft.com/office/drawing/2014/main" id="{2DAE54F5-E98A-481E-9F56-46D560D76AAA}"/>
-                </a:ext>
-              </a:extLst>
-            </p:cNvPr>
-            <p:cNvCxnSpPr/>
-            <p:nvPr/>
-          </p:nvCxnSpPr>
-          <p:spPr>
-            <a:xfrm>
-              <a:off x="530679" y="1848678"/>
-              <a:ext cx="11127467" cy="0"/>
-            </a:xfrm>
-            <a:prstGeom prst="line">
-              <a:avLst/>
-            </a:prstGeom>
-            <a:ln w="76200">
-              <a:solidFill>
-                <a:srgbClr val="FF0000"/>
-              </a:solidFill>
-            </a:ln>
-          </p:spPr>
-          <p:style>
-            <a:lnRef idx="1">
-              <a:schemeClr val="accent1"/>
-            </a:lnRef>
-            <a:fillRef idx="0">
-              <a:schemeClr val="accent1"/>
-            </a:fillRef>
-            <a:effectRef idx="0">
-              <a:schemeClr val="accent1"/>
-            </a:effectRef>
-            <a:fontRef idx="minor">
-              <a:schemeClr val="tx1"/>
-            </a:fontRef>
-          </p:style>
-        </p:cxnSp>
-        <p:sp>
-          <p:nvSpPr>
-            <p:cNvPr id="8" name="Arrow: Right 7">
-              <a:extLst>
-                <a:ext uri="{FF2B5EF4-FFF2-40B4-BE49-F238E27FC236}">
-                  <a16:creationId xmlns:a16="http://schemas.microsoft.com/office/drawing/2014/main" id="{A82B5609-8BB6-4280-AC83-8617D3F38825}"/>
-                </a:ext>
-              </a:extLst>
-            </p:cNvPr>
-            <p:cNvSpPr/>
-            <p:nvPr/>
-          </p:nvSpPr>
-          <p:spPr>
-            <a:xfrm>
-              <a:off x="79513" y="1653208"/>
-              <a:ext cx="451166" cy="390939"/>
-            </a:xfrm>
-            <a:prstGeom prst="rightArrow">
-              <a:avLst/>
-            </a:prstGeom>
-            <a:solidFill>
-              <a:srgbClr val="FF0000"/>
-            </a:solidFill>
-            <a:ln>
-              <a:solidFill>
-                <a:srgbClr val="FF0000"/>
-              </a:solidFill>
-            </a:ln>
-            <a:effectLst/>
-            <a:scene3d>
-              <a:camera prst="orthographicFront">
-                <a:rot lat="0" lon="0" rev="0"/>
-              </a:camera>
-              <a:lightRig rig="threePt" dir="t">
-                <a:rot lat="0" lon="0" rev="1200000"/>
-              </a:lightRig>
-            </a:scene3d>
-            <a:sp3d/>
-          </p:spPr>
-          <p:style>
-            <a:lnRef idx="0">
-              <a:schemeClr val="accent1"/>
-            </a:lnRef>
-            <a:fillRef idx="3">
-              <a:schemeClr val="accent1"/>
-            </a:fillRef>
-            <a:effectRef idx="3">
-              <a:schemeClr val="accent1"/>
-            </a:effectRef>
-            <a:fontRef idx="minor">
-              <a:schemeClr val="lt1"/>
-            </a:fontRef>
-          </p:style>
-          <p:txBody>
-            <a:bodyPr rot="0" spcFirstLastPara="0" vertOverflow="overflow" horzOverflow="overflow" vert="horz" wrap="square" lIns="45720" tIns="45720" rIns="45720" bIns="45720" numCol="1" spcCol="0" rtlCol="0" fromWordArt="0" anchor="ctr" anchorCtr="0" forceAA="0" compatLnSpc="1">
-              <a:prstTxWarp prst="textNoShape">
-                <a:avLst/>
-              </a:prstTxWarp>
-              <a:noAutofit/>
-            </a:bodyPr>
-            <a:lstStyle/>
-            <a:p>
-              <a:pPr algn="ctr">
-                <a:lnSpc>
-                  <a:spcPct val="90000"/>
-                </a:lnSpc>
-              </a:pPr>
-              <a:endParaRPr lang="en-US" dirty="0">
-                <a:solidFill>
-                  <a:schemeClr val="tx1"/>
-                </a:solidFill>
-              </a:endParaRPr>
-            </a:p>
-          </p:txBody>
-        </p:sp>
-        <p:sp>
-          <p:nvSpPr>
-            <p:cNvPr id="9" name="Arrow: Right 8">
-              <a:extLst>
-                <a:ext uri="{FF2B5EF4-FFF2-40B4-BE49-F238E27FC236}">
-                  <a16:creationId xmlns:a16="http://schemas.microsoft.com/office/drawing/2014/main" id="{20860F8E-7C48-4618-B27B-31F5DB7564E4}"/>
-                </a:ext>
-              </a:extLst>
-            </p:cNvPr>
-            <p:cNvSpPr/>
-            <p:nvPr/>
-          </p:nvSpPr>
-          <p:spPr>
-            <a:xfrm rot="10800000">
-              <a:off x="11658146" y="1653208"/>
-              <a:ext cx="451166" cy="390939"/>
-            </a:xfrm>
-            <a:prstGeom prst="rightArrow">
-              <a:avLst/>
-            </a:prstGeom>
-            <a:solidFill>
-              <a:srgbClr val="FF0000"/>
-            </a:solidFill>
-            <a:ln>
-              <a:solidFill>
-                <a:srgbClr val="FF0000"/>
-              </a:solidFill>
-            </a:ln>
-            <a:effectLst/>
-            <a:scene3d>
-              <a:camera prst="orthographicFront">
-                <a:rot lat="0" lon="0" rev="0"/>
-              </a:camera>
-              <a:lightRig rig="threePt" dir="t">
-                <a:rot lat="0" lon="0" rev="1200000"/>
-              </a:lightRig>
-            </a:scene3d>
-            <a:sp3d/>
-          </p:spPr>
-          <p:style>
-            <a:lnRef idx="0">
-              <a:schemeClr val="accent1"/>
-            </a:lnRef>
-            <a:fillRef idx="3">
-              <a:schemeClr val="accent1"/>
-            </a:fillRef>
-            <a:effectRef idx="3">
-              <a:schemeClr val="accent1"/>
-            </a:effectRef>
-            <a:fontRef idx="minor">
-              <a:schemeClr val="lt1"/>
-            </a:fontRef>
-          </p:style>
-          <p:txBody>
-            <a:bodyPr rot="0" spcFirstLastPara="0" vertOverflow="overflow" horzOverflow="overflow" vert="horz" wrap="square" lIns="45720" tIns="45720" rIns="45720" bIns="45720" numCol="1" spcCol="0" rtlCol="0" fromWordArt="0" anchor="ctr" anchorCtr="0" forceAA="0" compatLnSpc="1">
-              <a:prstTxWarp prst="textNoShape">
-                <a:avLst/>
-              </a:prstTxWarp>
-              <a:noAutofit/>
-            </a:bodyPr>
-            <a:lstStyle/>
-            <a:p>
-              <a:pPr algn="ctr">
-                <a:lnSpc>
-                  <a:spcPct val="90000"/>
-                </a:lnSpc>
-              </a:pPr>
-              <a:endParaRPr lang="en-US" dirty="0">
-                <a:solidFill>
-                  <a:schemeClr val="tx1"/>
-                </a:solidFill>
-              </a:endParaRPr>
-            </a:p>
-          </p:txBody>
-        </p:sp>
-      </p:grpSp>
-    </p:spTree>
-    <p:extLst>
-      <p:ext uri="{BB962C8B-B14F-4D97-AF65-F5344CB8AC3E}">
-        <p14:creationId xmlns:p14="http://schemas.microsoft.com/office/powerpoint/2010/main" val="3051450763"/>
-      </p:ext>
-    </p:extLst>
-  </p:cSld>
-  <p:clrMapOvr>
-    <a:masterClrMapping/>
-  </p:clrMapOvr>
-</p:sld>
-</file>
-
-<file path=ppt/slides/slide2.xml><?xml version="1.0" encoding="utf-8"?>
-<p:sld xmlns:a="http://schemas.openxmlformats.org/drawingml/2006/main" xmlns:r="http://schemas.openxmlformats.org/officeDocument/2006/relationships" xmlns:p="http://schemas.openxmlformats.org/presentationml/2006/main">
-  <p:cSld>
-    <p:spTree>
-      <p:nvGrpSpPr>
-        <p:cNvPr id="1" name=""/>
-        <p:cNvGrpSpPr/>
-        <p:nvPr/>
-      </p:nvGrpSpPr>
-      <p:grpSpPr>
-        <a:xfrm>
-          <a:off x="0" y="0"/>
-          <a:ext cx="0" cy="0"/>
-          <a:chOff x="0" y="0"/>
-          <a:chExt cx="0" cy="0"/>
-        </a:xfrm>
-      </p:grpSpPr>
-      <p:sp>
-        <p:nvSpPr>
-          <p:cNvPr id="2" name="Title 1">
-            <a:extLst>
-              <a:ext uri="{FF2B5EF4-FFF2-40B4-BE49-F238E27FC236}">
-                <a16:creationId xmlns:a16="http://schemas.microsoft.com/office/drawing/2014/main" id="{6442C24D-D970-4D40-8F14-D70C10A96304}"/>
-              </a:ext>
-            </a:extLst>
-          </p:cNvPr>
-          <p:cNvSpPr>
-            <a:spLocks noGrp="1"/>
-          </p:cNvSpPr>
-          <p:nvPr>
-            <p:ph type="title"/>
-          </p:nvPr>
-        </p:nvSpPr>
-        <p:spPr>
-          <a:xfrm>
-            <a:off x="363096" y="112911"/>
-            <a:ext cx="11372473" cy="914400"/>
-          </a:xfrm>
-        </p:spPr>
-        <p:txBody>
-          <a:bodyPr/>
-          <a:lstStyle/>
-          <a:p>
-            <a:r>
-              <a:rPr lang="en-US" dirty="0"/>
-              <a:t>License, Citation and Acknowledgements</a:t>
-            </a:r>
-          </a:p>
-        </p:txBody>
-      </p:sp>
-      <p:sp>
-        <p:nvSpPr>
-          <p:cNvPr id="3" name="Content Placeholder 2">
-            <a:extLst>
-              <a:ext uri="{FF2B5EF4-FFF2-40B4-BE49-F238E27FC236}">
-                <a16:creationId xmlns:a16="http://schemas.microsoft.com/office/drawing/2014/main" id="{0385A3AB-B258-4D59-B407-F7D57545A163}"/>
-              </a:ext>
-            </a:extLst>
-          </p:cNvPr>
-          <p:cNvSpPr>
-            <a:spLocks noGrp="1"/>
-          </p:cNvSpPr>
-          <p:nvPr>
-            <p:ph idx="1"/>
-          </p:nvPr>
-        </p:nvSpPr>
-        <p:spPr>
-          <a:xfrm>
-            <a:off x="409507" y="570111"/>
-            <a:ext cx="11369809" cy="4047778"/>
-          </a:xfrm>
-        </p:spPr>
-        <p:txBody>
-          <a:bodyPr/>
-          <a:lstStyle/>
-          <a:p>
-            <a:pPr marL="0" indent="0">
-              <a:buNone/>
-            </a:pPr>
-            <a:r>
-              <a:rPr lang="en-US" sz="2000" b="1" dirty="0"/>
-              <a:t>License and Citation</a:t>
-            </a:r>
-          </a:p>
-          <a:p>
-            <a:pPr>
-              <a:spcBef>
-                <a:spcPts val="400"/>
-              </a:spcBef>
-            </a:pPr>
-            <a:r>
-              <a:rPr lang="en-US" sz="1600" dirty="0"/>
-              <a:t>This work is licensed under a </a:t>
-            </a:r>
-            <a:r>
-              <a:rPr lang="en-US" sz="1600" dirty="0">
-                <a:hlinkClick r:id="rId2"/>
-              </a:rPr>
-              <a:t>Creative</a:t>
-            </a:r>
-            <a:r>
-              <a:rPr lang="en-US" sz="1600" dirty="0">
-                <a:hlinkClick r:id="rId3"/>
-              </a:rPr>
-              <a:t> Commons Attribution 4.0 International License</a:t>
-            </a:r>
-            <a:r>
-              <a:rPr lang="en-US" sz="1600" dirty="0"/>
-              <a:t> (CC BY 4.0).</a:t>
-            </a:r>
-          </a:p>
-          <a:p>
-            <a:pPr>
-              <a:spcBef>
-                <a:spcPts val="400"/>
-              </a:spcBef>
-            </a:pPr>
-            <a:r>
-              <a:rPr lang="en-US" sz="1600" b="1" dirty="0"/>
-              <a:t>The requested citation the overall tutorial is: David E. Bernholdt, Anshu Dubey, Patricia A. Grubel, Rinku K. Gupta, Better Scientific Software tutorial, in SC ‘20: International Conference for High Performance Computing, Networking, Storage and Analysis, online, 2020. DOI: </a:t>
-            </a:r>
-            <a:r>
-              <a:rPr lang="en-US" sz="1600" b="1" dirty="0">
-                <a:hlinkClick r:id="rId4"/>
-              </a:rPr>
-              <a:t>10.6084/m9.figshare.12994376</a:t>
-            </a:r>
-            <a:endParaRPr lang="en-US" sz="1600" b="1" dirty="0"/>
-          </a:p>
-          <a:p>
-            <a:pPr>
-              <a:spcBef>
-                <a:spcPts val="400"/>
-              </a:spcBef>
-            </a:pPr>
-            <a:r>
-              <a:rPr lang="en-US" sz="1600" dirty="0"/>
-              <a:t>Individual modules may be cited as </a:t>
-            </a:r>
-            <a:r>
-              <a:rPr lang="en-US" sz="1600" i="1" dirty="0"/>
-              <a:t>Speaker, Module Title</a:t>
-            </a:r>
-            <a:r>
-              <a:rPr lang="en-US" sz="1600" dirty="0"/>
-              <a:t>, in Better Scientific Software tutorial…</a:t>
-            </a:r>
-          </a:p>
-          <a:p>
-            <a:pPr marL="0" indent="0">
-              <a:spcBef>
-                <a:spcPts val="800"/>
-              </a:spcBef>
-              <a:buNone/>
-            </a:pPr>
-            <a:r>
-              <a:rPr lang="en-US" sz="2000" b="1" dirty="0"/>
-              <a:t>Acknowledgements</a:t>
-            </a:r>
-          </a:p>
-          <a:p>
-            <a:pPr>
-              <a:spcBef>
-                <a:spcPts val="400"/>
-              </a:spcBef>
-            </a:pPr>
-            <a:r>
-              <a:rPr lang="en-US" sz="1400" dirty="0"/>
-              <a:t>Additional contributors include: Mike </a:t>
-            </a:r>
-            <a:r>
-              <a:rPr lang="en-US" sz="1400" dirty="0" err="1"/>
-              <a:t>Heroux</a:t>
-            </a:r>
-            <a:r>
-              <a:rPr lang="en-US" sz="1400" dirty="0"/>
-              <a:t>, Alicia </a:t>
-            </a:r>
-            <a:r>
-              <a:rPr lang="en-US" sz="1400" dirty="0" err="1"/>
-              <a:t>Klinvex</a:t>
-            </a:r>
-            <a:r>
-              <a:rPr lang="en-US" sz="1400" dirty="0"/>
-              <a:t>, Mark Miller, Jared O’Neal, Katherine Riley, David Rogers, Deborah Stevens, James </a:t>
-            </a:r>
-            <a:r>
-              <a:rPr lang="en-US" sz="1400" dirty="0" err="1"/>
-              <a:t>Willenbring</a:t>
-            </a:r>
-            <a:endParaRPr lang="en-US" sz="1400" dirty="0"/>
-          </a:p>
-          <a:p>
-            <a:pPr>
-              <a:spcBef>
-                <a:spcPts val="400"/>
-              </a:spcBef>
-            </a:pPr>
-            <a:r>
-              <a:rPr lang="en-US" sz="1400" dirty="0"/>
-              <a:t>This work was supported by the U.S. Department of Energy Office of Science, Office of Advanced Scientific Computing Research (ASCR), and by the </a:t>
-            </a:r>
-            <a:r>
-              <a:rPr lang="en-US" sz="1400" dirty="0" err="1"/>
-              <a:t>Exascale</a:t>
-            </a:r>
-            <a:r>
-              <a:rPr lang="en-US" sz="1400" dirty="0"/>
-              <a:t> Computing Project (17-SC-20-SC), a collaborative effort of the U.S. Department of Energy Office of Science and the National Nuclear Security Administration</a:t>
-            </a:r>
-            <a:r>
-              <a:rPr lang="en-US" sz="1400" i="1" dirty="0"/>
-              <a:t>.</a:t>
-            </a:r>
-            <a:endParaRPr lang="en-US" sz="1400" dirty="0"/>
-          </a:p>
-          <a:p>
-            <a:pPr>
-              <a:spcBef>
-                <a:spcPts val="400"/>
-              </a:spcBef>
-            </a:pPr>
-            <a:r>
-              <a:rPr lang="en-US" sz="1400" dirty="0"/>
-              <a:t>This work was performed in part at the Argonne National Laboratory, which is managed by </a:t>
-            </a:r>
-            <a:r>
-              <a:rPr lang="en-US" sz="1400" dirty="0" err="1"/>
-              <a:t>UChicago</a:t>
-            </a:r>
-            <a:r>
-              <a:rPr lang="en-US" sz="1400" dirty="0"/>
-              <a:t> Argonne, LLC for the U.S. Department of Energy under Contract No. DE-AC02-06CH11357.</a:t>
-            </a:r>
-          </a:p>
-          <a:p>
-            <a:pPr>
-              <a:spcBef>
-                <a:spcPts val="400"/>
-              </a:spcBef>
-            </a:pPr>
-            <a:r>
-              <a:rPr lang="en-US" sz="1400" dirty="0"/>
-              <a:t>This work was performed in part at the Oak Ridge National Laboratory, which is managed by UT-Battelle, LLC for the U.S. Department of Energy under Contract No. DE-AC05-00OR22725.</a:t>
-            </a:r>
-          </a:p>
-          <a:p>
-            <a:pPr>
-              <a:spcBef>
-                <a:spcPts val="400"/>
-              </a:spcBef>
-            </a:pPr>
-            <a:r>
-              <a:rPr lang="en-US" sz="1400" dirty="0"/>
-              <a:t>This work was performed in part at the Lawrence Livermore National Laboratory, which is managed by Lawrence Livermore National Security, LLC for the U.S. Department of Energy under Contract No. DE-AC52-07NA27344.</a:t>
-            </a:r>
-          </a:p>
-          <a:p>
-            <a:pPr>
-              <a:spcBef>
-                <a:spcPts val="400"/>
-              </a:spcBef>
-            </a:pPr>
-            <a:r>
-              <a:rPr lang="en-US" sz="1400" dirty="0"/>
-              <a:t>This work was performed in part at the Los Alamos National Laboratory, which is managed by Triad National Security, LLC for the U.S. Department of Energy under Contract No.89233218CNA000001</a:t>
-            </a:r>
-          </a:p>
-          <a:p>
-            <a:pPr>
-              <a:spcBef>
-                <a:spcPts val="400"/>
-              </a:spcBef>
-            </a:pPr>
-            <a:r>
-              <a:rPr lang="en-US" sz="1400" dirty="0"/>
-              <a:t>This work was performed in part at Sandia National Laboratories. Sandia National Laboratories is a multi-mission laboratory managed and operated by National Technology and Engineering Solutions of Sandia, LLC., a wholly owned subsidiary of Honeywell International, Inc., for the U.S. Department of Energy’s National Nuclear Security Administration under contract DE-NA0003525.</a:t>
-            </a:r>
-          </a:p>
-        </p:txBody>
-      </p:sp>
-      <p:pic>
-        <p:nvPicPr>
-          <p:cNvPr id="4" name="Picture 2" descr="https://licensebuttons.net/l/by/4.0/88x31.png">
-            <a:extLst>
-              <a:ext uri="{FF2B5EF4-FFF2-40B4-BE49-F238E27FC236}">
-                <a16:creationId xmlns:a16="http://schemas.microsoft.com/office/drawing/2014/main" id="{61840015-22A0-4634-A2DE-AA05F998FD3A}"/>
-              </a:ext>
-            </a:extLst>
-          </p:cNvPr>
-          <p:cNvPicPr>
-            <a:picLocks noChangeAspect="1" noChangeArrowheads="1"/>
-          </p:cNvPicPr>
-          <p:nvPr/>
-        </p:nvPicPr>
-        <p:blipFill>
-          <a:blip r:embed="rId5">
-            <a:extLst>
-              <a:ext uri="{28A0092B-C50C-407E-A947-70E740481C1C}">
-                <a14:useLocalDpi xmlns:a14="http://schemas.microsoft.com/office/drawing/2010/main" val="0"/>
-              </a:ext>
-            </a:extLst>
-          </a:blip>
-          <a:srcRect/>
-          <a:stretch>
-            <a:fillRect/>
-          </a:stretch>
-        </p:blipFill>
-        <p:spPr bwMode="auto">
-          <a:xfrm>
-            <a:off x="10249254" y="570111"/>
-            <a:ext cx="1661258" cy="585216"/>
-          </a:xfrm>
-          <a:prstGeom prst="rect">
-            <a:avLst/>
-          </a:prstGeom>
-          <a:noFill/>
-          <a:extLst>
-            <a:ext uri="{909E8E84-426E-40DD-AFC4-6F175D3DCCD1}">
-              <a14:hiddenFill xmlns:a14="http://schemas.microsoft.com/office/drawing/2010/main">
-                <a:solidFill>
-                  <a:srgbClr val="FFFFFF"/>
-                </a:solidFill>
-              </a14:hiddenFill>
-            </a:ext>
-          </a:extLst>
-        </p:spPr>
-      </p:pic>
-    </p:spTree>
-    <p:extLst>
-      <p:ext uri="{BB962C8B-B14F-4D97-AF65-F5344CB8AC3E}">
-        <p14:creationId xmlns:p14="http://schemas.microsoft.com/office/powerpoint/2010/main" val="597306865"/>
-      </p:ext>
-    </p:extLst>
-  </p:cSld>
-  <p:clrMapOvr>
-    <a:masterClrMapping/>
-  </p:clrMapOvr>
-</p:sld>
-</file>
-
-<file path=ppt/slides/slide3.xml><?xml version="1.0" encoding="utf-8"?>
-<p:sld xmlns:a="http://schemas.openxmlformats.org/drawingml/2006/main" xmlns:r="http://schemas.openxmlformats.org/officeDocument/2006/relationships" xmlns:p="http://schemas.openxmlformats.org/presentationml/2006/main">
-  <p:cSld>
-    <p:spTree>
-      <p:nvGrpSpPr>
-        <p:cNvPr id="1" name=""/>
-        <p:cNvGrpSpPr/>
-        <p:nvPr/>
-      </p:nvGrpSpPr>
-      <p:grpSpPr>
-        <a:xfrm>
-          <a:off x="0" y="0"/>
-          <a:ext cx="0" cy="0"/>
-          <a:chOff x="0" y="0"/>
-          <a:chExt cx="0" cy="0"/>
-        </a:xfrm>
-      </p:grpSpPr>
-      <p:sp>
-        <p:nvSpPr>
-          <p:cNvPr id="3" name="Content Placeholder 2">
-            <a:extLst>
-              <a:ext uri="{FF2B5EF4-FFF2-40B4-BE49-F238E27FC236}">
-                <a16:creationId xmlns:a16="http://schemas.microsoft.com/office/drawing/2014/main" id="{36733E54-E07F-40D0-AAF9-603545181CBC}"/>
-              </a:ext>
-            </a:extLst>
-          </p:cNvPr>
-          <p:cNvSpPr>
-            <a:spLocks noGrp="1"/>
-          </p:cNvSpPr>
-          <p:nvPr>
-            <p:ph idx="1"/>
-          </p:nvPr>
-        </p:nvSpPr>
-        <p:spPr>
-          <a:xfrm>
-            <a:off x="365760" y="1405111"/>
-            <a:ext cx="11369809" cy="4047778"/>
-          </a:xfrm>
-        </p:spPr>
-        <p:txBody>
-          <a:bodyPr anchor="ctr" anchorCtr="0"/>
-          <a:lstStyle/>
-          <a:p>
-            <a:pPr marL="0" indent="0" algn="ctr">
-              <a:buNone/>
-            </a:pPr>
-            <a:r>
-              <a:rPr lang="en-US" sz="4400" dirty="0"/>
-              <a:t>Science through computing is, </a:t>
-            </a:r>
-            <a:br>
-              <a:rPr lang="en-US" sz="4400" dirty="0"/>
-            </a:br>
-            <a:r>
-              <a:rPr lang="en-US" sz="4400" dirty="0"/>
-              <a:t>at best, </a:t>
-            </a:r>
-            <a:br>
-              <a:rPr lang="en-US" sz="4400" dirty="0"/>
-            </a:br>
-            <a:r>
-              <a:rPr lang="en-US" sz="4400" dirty="0"/>
-              <a:t>as credible as the software that produces it!</a:t>
-            </a:r>
-          </a:p>
-        </p:txBody>
-      </p:sp>
-    </p:spTree>
-    <p:extLst>
-      <p:ext uri="{BB962C8B-B14F-4D97-AF65-F5344CB8AC3E}">
-        <p14:creationId xmlns:p14="http://schemas.microsoft.com/office/powerpoint/2010/main" val="242292329"/>
-      </p:ext>
-    </p:extLst>
-  </p:cSld>
-  <p:clrMapOvr>
-    <a:masterClrMapping/>
-  </p:clrMapOvr>
-</p:sld>
-</file>
-
-<file path=ppt/slides/slide4.xml><?xml version="1.0" encoding="utf-8"?>
-<p:sld xmlns:a="http://schemas.openxmlformats.org/drawingml/2006/main" xmlns:r="http://schemas.openxmlformats.org/officeDocument/2006/relationships" xmlns:p="http://schemas.openxmlformats.org/presentationml/2006/main">
-  <p:cSld>
-    <p:spTree>
-      <p:nvGrpSpPr>
-        <p:cNvPr id="1" name=""/>
-        <p:cNvGrpSpPr/>
-        <p:nvPr/>
-      </p:nvGrpSpPr>
-      <p:grpSpPr>
-        <a:xfrm>
-          <a:off x="0" y="0"/>
-          <a:ext cx="0" cy="0"/>
-          <a:chOff x="0" y="0"/>
-          <a:chExt cx="0" cy="0"/>
-        </a:xfrm>
-      </p:grpSpPr>
-      <p:sp>
-        <p:nvSpPr>
-          <p:cNvPr id="2" name="Title 1"/>
-          <p:cNvSpPr>
-            <a:spLocks noGrp="1"/>
-          </p:cNvSpPr>
-          <p:nvPr>
-            <p:ph type="title"/>
-          </p:nvPr>
-        </p:nvSpPr>
-        <p:spPr>
-          <a:xfrm>
-            <a:off x="365761" y="411480"/>
-            <a:ext cx="8238594" cy="914400"/>
-          </a:xfrm>
-        </p:spPr>
-        <p:txBody>
-          <a:bodyPr/>
-          <a:lstStyle/>
-          <a:p>
-            <a:r>
-              <a:rPr lang="en-US" dirty="0"/>
-              <a:t>The Success of Computational Science Creates the Challenges of Computational Science</a:t>
-            </a:r>
-          </a:p>
-        </p:txBody>
-      </p:sp>
-      <p:sp>
-        <p:nvSpPr>
-          <p:cNvPr id="3" name="Content Placeholder 2"/>
-          <p:cNvSpPr>
-            <a:spLocks noGrp="1"/>
-          </p:cNvSpPr>
-          <p:nvPr>
-            <p:ph idx="1"/>
-          </p:nvPr>
-        </p:nvSpPr>
-        <p:spPr>
-          <a:xfrm>
-            <a:off x="365760" y="1362920"/>
-            <a:ext cx="10984728" cy="4050385"/>
-          </a:xfrm>
-        </p:spPr>
-        <p:txBody>
-          <a:bodyPr>
-            <a:normAutofit lnSpcReduction="10000"/>
-          </a:bodyPr>
-          <a:lstStyle/>
-          <a:p>
-            <a:r>
-              <a:rPr lang="en-US" dirty="0"/>
-              <a:t>Positive feedback loop</a:t>
-            </a:r>
-          </a:p>
-          <a:p>
-            <a:pPr lvl="1"/>
-            <a:r>
-              <a:rPr lang="en-US" dirty="0"/>
-              <a:t>More complex codes, simulations </a:t>
-            </a:r>
-            <a:br>
-              <a:rPr lang="en-US" dirty="0"/>
-            </a:br>
-            <a:r>
-              <a:rPr lang="en-US" dirty="0"/>
-              <a:t>and analysis</a:t>
-            </a:r>
-          </a:p>
-          <a:p>
-            <a:pPr lvl="1"/>
-            <a:r>
-              <a:rPr lang="en-US" dirty="0"/>
-              <a:t>More moving parts that need to interoperate</a:t>
-            </a:r>
-          </a:p>
-          <a:p>
-            <a:pPr lvl="1"/>
-            <a:r>
-              <a:rPr lang="en-US" dirty="0"/>
-              <a:t>Variety of expertise needed – the only tractable </a:t>
-            </a:r>
-            <a:br>
-              <a:rPr lang="en-US" dirty="0"/>
-            </a:br>
-            <a:r>
-              <a:rPr lang="en-US" dirty="0"/>
-              <a:t>development model is through </a:t>
-            </a:r>
-            <a:r>
-              <a:rPr lang="en-US" b="1" dirty="0"/>
-              <a:t>separation of concerns</a:t>
-            </a:r>
-          </a:p>
-          <a:p>
-            <a:pPr lvl="1"/>
-            <a:r>
-              <a:rPr lang="en-US" b="1" dirty="0">
-                <a:solidFill>
-                  <a:schemeClr val="tx2"/>
-                </a:solidFill>
-              </a:rPr>
-              <a:t>It is more difficult to work on the same software in different roles without a software engineering process</a:t>
-            </a:r>
-            <a:endParaRPr lang="en-US" dirty="0">
-              <a:solidFill>
-                <a:schemeClr val="tx2"/>
-              </a:solidFill>
-            </a:endParaRPr>
-          </a:p>
-          <a:p>
-            <a:r>
-              <a:rPr lang="en-US" dirty="0"/>
-              <a:t>Onset of higher platform heterogeneity</a:t>
-            </a:r>
-          </a:p>
-          <a:p>
-            <a:pPr lvl="1"/>
-            <a:r>
-              <a:rPr lang="en-US" dirty="0"/>
-              <a:t>Requirements are unfolding, not known </a:t>
-            </a:r>
-            <a:r>
-              <a:rPr lang="en-US" i="1" dirty="0"/>
-              <a:t>a priori </a:t>
-            </a:r>
-          </a:p>
-          <a:p>
-            <a:pPr lvl="1"/>
-            <a:r>
-              <a:rPr lang="en-US" b="1" dirty="0">
-                <a:solidFill>
-                  <a:schemeClr val="tx2"/>
-                </a:solidFill>
-              </a:rPr>
-              <a:t>The only safeguard is investing in flexible design and robust software engineering process</a:t>
-            </a:r>
-          </a:p>
-        </p:txBody>
-      </p:sp>
-      <p:grpSp>
-        <p:nvGrpSpPr>
-          <p:cNvPr id="4" name="Group 3">
-            <a:extLst>
-              <a:ext uri="{FF2B5EF4-FFF2-40B4-BE49-F238E27FC236}">
-                <a16:creationId xmlns:a16="http://schemas.microsoft.com/office/drawing/2014/main" id="{B134E098-D40D-654E-A6F9-C1193874E37E}"/>
-              </a:ext>
-            </a:extLst>
-          </p:cNvPr>
-          <p:cNvGrpSpPr/>
-          <p:nvPr/>
-        </p:nvGrpSpPr>
-        <p:grpSpPr>
-          <a:xfrm>
-            <a:off x="5509994" y="1011086"/>
-            <a:ext cx="6497602" cy="1991138"/>
-            <a:chOff x="2176244" y="1817067"/>
-            <a:chExt cx="4797637" cy="3142742"/>
-          </a:xfrm>
-        </p:grpSpPr>
-        <p:sp>
-          <p:nvSpPr>
-            <p:cNvPr id="5" name="Oval 4">
-              <a:extLst>
-                <a:ext uri="{FF2B5EF4-FFF2-40B4-BE49-F238E27FC236}">
-                  <a16:creationId xmlns:a16="http://schemas.microsoft.com/office/drawing/2014/main" id="{59E41C8A-4437-524B-8CC2-5756891D9DE2}"/>
-                </a:ext>
-              </a:extLst>
-            </p:cNvPr>
-            <p:cNvSpPr/>
-            <p:nvPr/>
-          </p:nvSpPr>
-          <p:spPr>
-            <a:xfrm>
-              <a:off x="3546363" y="1817067"/>
-              <a:ext cx="1996168" cy="1001146"/>
-            </a:xfrm>
-            <a:prstGeom prst="ellipse">
-              <a:avLst/>
-            </a:prstGeom>
-            <a:noFill/>
-            <a:ln>
-              <a:solidFill>
-                <a:schemeClr val="tx1"/>
-              </a:solidFill>
-            </a:ln>
-          </p:spPr>
-          <p:style>
-            <a:lnRef idx="2">
-              <a:schemeClr val="accent1">
-                <a:shade val="50000"/>
-              </a:schemeClr>
-            </a:lnRef>
-            <a:fillRef idx="1">
-              <a:schemeClr val="accent1"/>
-            </a:fillRef>
-            <a:effectRef idx="0">
-              <a:schemeClr val="accent1"/>
-            </a:effectRef>
-            <a:fontRef idx="minor">
-              <a:schemeClr val="lt1"/>
-            </a:fontRef>
-          </p:style>
-          <p:txBody>
-            <a:bodyPr rtlCol="0" anchor="ctr"/>
-            <a:lstStyle/>
-            <a:p>
-              <a:pPr algn="ctr"/>
-              <a:r>
-                <a:rPr lang="en-US" sz="1575" dirty="0">
-                  <a:solidFill>
-                    <a:schemeClr val="tx1"/>
-                  </a:solidFill>
-                </a:rPr>
-                <a:t>Better Scientific Understanding</a:t>
-              </a:r>
-            </a:p>
-          </p:txBody>
-        </p:sp>
-        <p:sp>
-          <p:nvSpPr>
-            <p:cNvPr id="6" name="Oval 5">
-              <a:extLst>
-                <a:ext uri="{FF2B5EF4-FFF2-40B4-BE49-F238E27FC236}">
-                  <a16:creationId xmlns:a16="http://schemas.microsoft.com/office/drawing/2014/main" id="{1315E2E6-AC21-DF40-895B-8AFFDF77ADCE}"/>
-                </a:ext>
-              </a:extLst>
-            </p:cNvPr>
-            <p:cNvSpPr/>
-            <p:nvPr/>
-          </p:nvSpPr>
-          <p:spPr>
-            <a:xfrm>
-              <a:off x="5349748" y="2965465"/>
-              <a:ext cx="1624133" cy="1001146"/>
-            </a:xfrm>
-            <a:prstGeom prst="ellipse">
-              <a:avLst/>
-            </a:prstGeom>
-            <a:noFill/>
-            <a:ln>
-              <a:solidFill>
-                <a:schemeClr val="tx1"/>
-              </a:solidFill>
-            </a:ln>
-          </p:spPr>
-          <p:style>
-            <a:lnRef idx="2">
-              <a:schemeClr val="accent1">
-                <a:shade val="50000"/>
-              </a:schemeClr>
-            </a:lnRef>
-            <a:fillRef idx="1">
-              <a:schemeClr val="accent1"/>
-            </a:fillRef>
-            <a:effectRef idx="0">
-              <a:schemeClr val="accent1"/>
-            </a:effectRef>
-            <a:fontRef idx="minor">
-              <a:schemeClr val="lt1"/>
-            </a:fontRef>
-          </p:style>
-          <p:txBody>
-            <a:bodyPr rtlCol="0" anchor="ctr"/>
-            <a:lstStyle/>
-            <a:p>
-              <a:pPr algn="ctr"/>
-              <a:r>
-                <a:rPr lang="en-US" sz="1575" dirty="0">
-                  <a:solidFill>
-                    <a:schemeClr val="tx1"/>
-                  </a:solidFill>
-                </a:rPr>
-                <a:t>Higher Fidelity</a:t>
-              </a:r>
-            </a:p>
-            <a:p>
-              <a:pPr algn="ctr"/>
-              <a:r>
-                <a:rPr lang="en-US" sz="1575" dirty="0">
-                  <a:solidFill>
-                    <a:schemeClr val="tx1"/>
-                  </a:solidFill>
-                </a:rPr>
-                <a:t>Model</a:t>
-              </a:r>
-            </a:p>
-          </p:txBody>
-        </p:sp>
-        <p:sp>
-          <p:nvSpPr>
-            <p:cNvPr id="7" name="Oval 6">
-              <a:extLst>
-                <a:ext uri="{FF2B5EF4-FFF2-40B4-BE49-F238E27FC236}">
-                  <a16:creationId xmlns:a16="http://schemas.microsoft.com/office/drawing/2014/main" id="{2A522D8A-4B47-3449-AA0F-6174A984CA19}"/>
-                </a:ext>
-              </a:extLst>
-            </p:cNvPr>
-            <p:cNvSpPr/>
-            <p:nvPr/>
-          </p:nvSpPr>
-          <p:spPr>
-            <a:xfrm>
-              <a:off x="3576979" y="3958663"/>
-              <a:ext cx="1996168" cy="1001146"/>
-            </a:xfrm>
-            <a:prstGeom prst="ellipse">
-              <a:avLst/>
-            </a:prstGeom>
-            <a:noFill/>
-            <a:ln>
-              <a:solidFill>
-                <a:schemeClr val="tx1"/>
-              </a:solidFill>
-            </a:ln>
-          </p:spPr>
-          <p:style>
-            <a:lnRef idx="2">
-              <a:schemeClr val="accent1">
-                <a:shade val="50000"/>
-              </a:schemeClr>
-            </a:lnRef>
-            <a:fillRef idx="1">
-              <a:schemeClr val="accent1"/>
-            </a:fillRef>
-            <a:effectRef idx="0">
-              <a:schemeClr val="accent1"/>
-            </a:effectRef>
-            <a:fontRef idx="minor">
-              <a:schemeClr val="lt1"/>
-            </a:fontRef>
-          </p:style>
-          <p:txBody>
-            <a:bodyPr rtlCol="0" anchor="ctr"/>
-            <a:lstStyle/>
-            <a:p>
-              <a:pPr algn="ctr"/>
-              <a:r>
-                <a:rPr lang="en-US" sz="1575" dirty="0">
-                  <a:solidFill>
-                    <a:schemeClr val="tx1"/>
-                  </a:solidFill>
-                </a:rPr>
-                <a:t>More Diverse</a:t>
-              </a:r>
-            </a:p>
-            <a:p>
-              <a:pPr algn="ctr"/>
-              <a:r>
-                <a:rPr lang="en-US" sz="1575" dirty="0">
-                  <a:solidFill>
-                    <a:schemeClr val="tx1"/>
-                  </a:solidFill>
-                </a:rPr>
-                <a:t>Solvers</a:t>
-              </a:r>
-            </a:p>
-          </p:txBody>
-        </p:sp>
-        <p:sp>
-          <p:nvSpPr>
-            <p:cNvPr id="8" name="Oval 7">
-              <a:extLst>
-                <a:ext uri="{FF2B5EF4-FFF2-40B4-BE49-F238E27FC236}">
-                  <a16:creationId xmlns:a16="http://schemas.microsoft.com/office/drawing/2014/main" id="{7998BA34-FC42-A940-9470-0AE7570FA7EF}"/>
-                </a:ext>
-              </a:extLst>
-            </p:cNvPr>
-            <p:cNvSpPr/>
-            <p:nvPr/>
-          </p:nvSpPr>
-          <p:spPr>
-            <a:xfrm>
-              <a:off x="2176244" y="2965464"/>
-              <a:ext cx="1653268" cy="1001146"/>
-            </a:xfrm>
-            <a:prstGeom prst="ellipse">
-              <a:avLst/>
-            </a:prstGeom>
-            <a:noFill/>
-            <a:ln>
-              <a:solidFill>
-                <a:schemeClr val="tx1"/>
-              </a:solidFill>
-            </a:ln>
-          </p:spPr>
-          <p:style>
-            <a:lnRef idx="2">
-              <a:schemeClr val="accent1">
-                <a:shade val="50000"/>
-              </a:schemeClr>
-            </a:lnRef>
-            <a:fillRef idx="1">
-              <a:schemeClr val="accent1"/>
-            </a:fillRef>
-            <a:effectRef idx="0">
-              <a:schemeClr val="accent1"/>
-            </a:effectRef>
-            <a:fontRef idx="minor">
-              <a:schemeClr val="lt1"/>
-            </a:fontRef>
-          </p:style>
-          <p:txBody>
-            <a:bodyPr rtlCol="0" anchor="ctr"/>
-            <a:lstStyle/>
-            <a:p>
-              <a:pPr algn="ctr"/>
-              <a:r>
-                <a:rPr lang="en-US" sz="1575" dirty="0">
-                  <a:solidFill>
-                    <a:schemeClr val="tx1"/>
-                  </a:solidFill>
-                </a:rPr>
-                <a:t>More Hardware </a:t>
-              </a:r>
-            </a:p>
-            <a:p>
-              <a:pPr algn="ctr"/>
-              <a:r>
-                <a:rPr lang="en-US" sz="1575" dirty="0">
-                  <a:solidFill>
-                    <a:schemeClr val="tx1"/>
-                  </a:solidFill>
-                </a:rPr>
-                <a:t>Resources</a:t>
-              </a:r>
-            </a:p>
-          </p:txBody>
-        </p:sp>
-        <p:cxnSp>
-          <p:nvCxnSpPr>
-            <p:cNvPr id="9" name="Curved Connector 8">
-              <a:extLst>
-                <a:ext uri="{FF2B5EF4-FFF2-40B4-BE49-F238E27FC236}">
-                  <a16:creationId xmlns:a16="http://schemas.microsoft.com/office/drawing/2014/main" id="{1A97BBAB-5F1A-AC46-AB08-901AE39A72B9}"/>
-                </a:ext>
-              </a:extLst>
-            </p:cNvPr>
-            <p:cNvCxnSpPr>
-              <a:cxnSpLocks/>
-              <a:stCxn id="5" idx="6"/>
-              <a:endCxn id="6" idx="0"/>
-            </p:cNvCxnSpPr>
-            <p:nvPr/>
-          </p:nvCxnSpPr>
-          <p:spPr>
-            <a:xfrm>
-              <a:off x="5542531" y="2317641"/>
-              <a:ext cx="619284" cy="647824"/>
-            </a:xfrm>
-            <a:prstGeom prst="curvedConnector2">
-              <a:avLst/>
-            </a:prstGeom>
-            <a:ln w="57150">
-              <a:solidFill>
-                <a:schemeClr val="tx1"/>
-              </a:solidFill>
-              <a:tailEnd type="triangle"/>
-            </a:ln>
-          </p:spPr>
-          <p:style>
-            <a:lnRef idx="1">
-              <a:schemeClr val="accent1"/>
-            </a:lnRef>
-            <a:fillRef idx="0">
-              <a:schemeClr val="accent1"/>
-            </a:fillRef>
-            <a:effectRef idx="0">
-              <a:schemeClr val="accent1"/>
-            </a:effectRef>
-            <a:fontRef idx="minor">
-              <a:schemeClr val="tx1"/>
-            </a:fontRef>
-          </p:style>
-        </p:cxnSp>
-        <p:cxnSp>
-          <p:nvCxnSpPr>
-            <p:cNvPr id="10" name="Curved Connector 9">
-              <a:extLst>
-                <a:ext uri="{FF2B5EF4-FFF2-40B4-BE49-F238E27FC236}">
-                  <a16:creationId xmlns:a16="http://schemas.microsoft.com/office/drawing/2014/main" id="{CEAC2101-14AF-184C-9E60-478F80D7ED21}"/>
-                </a:ext>
-              </a:extLst>
-            </p:cNvPr>
-            <p:cNvCxnSpPr>
-              <a:cxnSpLocks/>
-              <a:stCxn id="6" idx="4"/>
-              <a:endCxn id="7" idx="6"/>
-            </p:cNvCxnSpPr>
-            <p:nvPr/>
-          </p:nvCxnSpPr>
-          <p:spPr>
-            <a:xfrm rot="5400000">
-              <a:off x="5621168" y="3918590"/>
-              <a:ext cx="492627" cy="588667"/>
-            </a:xfrm>
-            <a:prstGeom prst="curvedConnector2">
-              <a:avLst/>
-            </a:prstGeom>
-            <a:ln w="57150">
-              <a:solidFill>
-                <a:schemeClr val="tx1"/>
-              </a:solidFill>
-              <a:tailEnd type="triangle"/>
-            </a:ln>
-          </p:spPr>
-          <p:style>
-            <a:lnRef idx="1">
-              <a:schemeClr val="accent1"/>
-            </a:lnRef>
-            <a:fillRef idx="0">
-              <a:schemeClr val="accent1"/>
-            </a:fillRef>
-            <a:effectRef idx="0">
-              <a:schemeClr val="accent1"/>
-            </a:effectRef>
-            <a:fontRef idx="minor">
-              <a:schemeClr val="tx1"/>
-            </a:fontRef>
-          </p:style>
-        </p:cxnSp>
-        <p:cxnSp>
-          <p:nvCxnSpPr>
-            <p:cNvPr id="11" name="Curved Connector 10">
-              <a:extLst>
-                <a:ext uri="{FF2B5EF4-FFF2-40B4-BE49-F238E27FC236}">
-                  <a16:creationId xmlns:a16="http://schemas.microsoft.com/office/drawing/2014/main" id="{8A09E030-EB77-1B41-B322-38EC42880A6C}"/>
-                </a:ext>
-              </a:extLst>
-            </p:cNvPr>
-            <p:cNvCxnSpPr>
-              <a:stCxn id="7" idx="2"/>
-              <a:endCxn id="8" idx="4"/>
-            </p:cNvCxnSpPr>
-            <p:nvPr/>
-          </p:nvCxnSpPr>
-          <p:spPr>
-            <a:xfrm rot="10800000">
-              <a:off x="3002879" y="3966610"/>
-              <a:ext cx="574101" cy="492627"/>
-            </a:xfrm>
-            <a:prstGeom prst="curvedConnector2">
-              <a:avLst/>
-            </a:prstGeom>
-            <a:ln w="57150">
-              <a:solidFill>
-                <a:schemeClr val="tx1"/>
-              </a:solidFill>
-              <a:tailEnd type="triangle"/>
-            </a:ln>
-          </p:spPr>
-          <p:style>
-            <a:lnRef idx="1">
-              <a:schemeClr val="accent1"/>
-            </a:lnRef>
-            <a:fillRef idx="0">
-              <a:schemeClr val="accent1"/>
-            </a:fillRef>
-            <a:effectRef idx="0">
-              <a:schemeClr val="accent1"/>
-            </a:effectRef>
-            <a:fontRef idx="minor">
-              <a:schemeClr val="tx1"/>
-            </a:fontRef>
-          </p:style>
-        </p:cxnSp>
-        <p:cxnSp>
-          <p:nvCxnSpPr>
-            <p:cNvPr id="12" name="Curved Connector 11">
-              <a:extLst>
-                <a:ext uri="{FF2B5EF4-FFF2-40B4-BE49-F238E27FC236}">
-                  <a16:creationId xmlns:a16="http://schemas.microsoft.com/office/drawing/2014/main" id="{16BF5C38-1670-F34C-A3DF-42C43328A156}"/>
-                </a:ext>
-              </a:extLst>
-            </p:cNvPr>
-            <p:cNvCxnSpPr>
-              <a:stCxn id="8" idx="0"/>
-              <a:endCxn id="5" idx="2"/>
-            </p:cNvCxnSpPr>
-            <p:nvPr/>
-          </p:nvCxnSpPr>
-          <p:spPr>
-            <a:xfrm rot="5400000" flipH="1" flipV="1">
-              <a:off x="2950708" y="2369811"/>
-              <a:ext cx="647823" cy="543485"/>
-            </a:xfrm>
-            <a:prstGeom prst="curvedConnector2">
-              <a:avLst/>
-            </a:prstGeom>
-            <a:ln w="57150">
-              <a:solidFill>
-                <a:schemeClr val="tx1"/>
-              </a:solidFill>
-              <a:tailEnd type="triangle"/>
-            </a:ln>
-          </p:spPr>
-          <p:style>
-            <a:lnRef idx="1">
-              <a:schemeClr val="accent1"/>
-            </a:lnRef>
-            <a:fillRef idx="0">
-              <a:schemeClr val="accent1"/>
-            </a:fillRef>
-            <a:effectRef idx="0">
-              <a:schemeClr val="accent1"/>
-            </a:effectRef>
-            <a:fontRef idx="minor">
-              <a:schemeClr val="tx1"/>
-            </a:fontRef>
-          </p:style>
-        </p:cxnSp>
-        <p:cxnSp>
-          <p:nvCxnSpPr>
-            <p:cNvPr id="13" name="Straight Arrow Connector 12">
-              <a:extLst>
-                <a:ext uri="{FF2B5EF4-FFF2-40B4-BE49-F238E27FC236}">
-                  <a16:creationId xmlns:a16="http://schemas.microsoft.com/office/drawing/2014/main" id="{BA5D4B1A-B6F9-E84B-8C7D-A646585D4623}"/>
-                </a:ext>
-              </a:extLst>
-            </p:cNvPr>
-            <p:cNvCxnSpPr>
-              <a:cxnSpLocks/>
-              <a:stCxn id="6" idx="2"/>
-              <a:endCxn id="8" idx="6"/>
-            </p:cNvCxnSpPr>
-            <p:nvPr/>
-          </p:nvCxnSpPr>
-          <p:spPr>
-            <a:xfrm flipH="1">
-              <a:off x="3829512" y="3466038"/>
-              <a:ext cx="1520236" cy="0"/>
-            </a:xfrm>
-            <a:prstGeom prst="straightConnector1">
-              <a:avLst/>
-            </a:prstGeom>
-            <a:ln w="57150">
-              <a:solidFill>
-                <a:schemeClr val="tx1"/>
-              </a:solidFill>
-              <a:tailEnd type="triangle"/>
-            </a:ln>
-          </p:spPr>
-          <p:style>
-            <a:lnRef idx="1">
-              <a:schemeClr val="accent1"/>
-            </a:lnRef>
-            <a:fillRef idx="0">
-              <a:schemeClr val="accent1"/>
-            </a:fillRef>
-            <a:effectRef idx="0">
-              <a:schemeClr val="accent1"/>
-            </a:effectRef>
-            <a:fontRef idx="minor">
-              <a:schemeClr val="tx1"/>
-            </a:fontRef>
-          </p:style>
-        </p:cxnSp>
-      </p:grpSp>
-      <p:sp>
-        <p:nvSpPr>
-          <p:cNvPr id="14" name="Rectangle 13">
-            <a:extLst>
-              <a:ext uri="{FF2B5EF4-FFF2-40B4-BE49-F238E27FC236}">
-                <a16:creationId xmlns:a16="http://schemas.microsoft.com/office/drawing/2014/main" id="{990A2FF0-E8AD-2246-955A-291B8171681D}"/>
-              </a:ext>
-            </a:extLst>
-          </p:cNvPr>
-          <p:cNvSpPr/>
-          <p:nvPr/>
-        </p:nvSpPr>
-        <p:spPr>
-          <a:xfrm>
-            <a:off x="1434973" y="5450345"/>
-            <a:ext cx="5879939" cy="914400"/>
-          </a:xfrm>
-          <a:prstGeom prst="rect">
-            <a:avLst/>
-          </a:prstGeom>
-          <a:ln/>
-        </p:spPr>
-        <p:style>
-          <a:lnRef idx="2">
-            <a:schemeClr val="accent1">
-              <a:shade val="50000"/>
-            </a:schemeClr>
-          </a:lnRef>
-          <a:fillRef idx="1">
-            <a:schemeClr val="accent1"/>
-          </a:fillRef>
-          <a:effectRef idx="0">
-            <a:schemeClr val="accent1"/>
-          </a:effectRef>
-          <a:fontRef idx="minor">
-            <a:schemeClr val="lt1"/>
-          </a:fontRef>
-        </p:style>
-        <p:txBody>
-          <a:bodyPr rot="0" spcFirstLastPara="0" vertOverflow="overflow" horzOverflow="overflow" vert="horz" wrap="square" lIns="45720" tIns="45720" rIns="45720" bIns="45720" numCol="1" spcCol="0" rtlCol="0" fromWordArt="0" anchor="ctr" anchorCtr="0" forceAA="0" compatLnSpc="1">
-            <a:prstTxWarp prst="textNoShape">
-              <a:avLst/>
-            </a:prstTxWarp>
-            <a:noAutofit/>
-          </a:bodyPr>
-          <a:lstStyle/>
-          <a:p>
-            <a:pPr algn="ctr">
-              <a:lnSpc>
-                <a:spcPct val="90000"/>
-              </a:lnSpc>
-            </a:pPr>
-            <a:r>
-              <a:rPr lang="en-US" sz="2800" dirty="0">
-                <a:solidFill>
-                  <a:schemeClr val="bg1"/>
-                </a:solidFill>
-              </a:rPr>
-              <a:t>Supercomputers change fast</a:t>
-            </a:r>
-          </a:p>
-          <a:p>
-            <a:pPr algn="ctr">
-              <a:lnSpc>
-                <a:spcPct val="90000"/>
-              </a:lnSpc>
-            </a:pPr>
-            <a:r>
-              <a:rPr lang="en-US" sz="2800" dirty="0">
-                <a:solidFill>
-                  <a:schemeClr val="bg1"/>
-                </a:solidFill>
-              </a:rPr>
-              <a:t>Especially now!</a:t>
-            </a:r>
-          </a:p>
-        </p:txBody>
-      </p:sp>
-    </p:spTree>
-    <p:extLst>
-      <p:ext uri="{BB962C8B-B14F-4D97-AF65-F5344CB8AC3E}">
-        <p14:creationId xmlns:p14="http://schemas.microsoft.com/office/powerpoint/2010/main" val="1797783352"/>
-      </p:ext>
-    </p:extLst>
-  </p:cSld>
-  <p:clrMapOvr>
-    <a:masterClrMapping/>
-  </p:clrMapOvr>
-</p:sld>
-</file>
-
-<file path=ppt/slides/slide5.xml><?xml version="1.0" encoding="utf-8"?>
-<p:sld xmlns:a="http://schemas.openxmlformats.org/drawingml/2006/main" xmlns:r="http://schemas.openxmlformats.org/officeDocument/2006/relationships" xmlns:p="http://schemas.openxmlformats.org/presentationml/2006/main">
-  <p:cSld>
-    <p:spTree>
-      <p:nvGrpSpPr>
-        <p:cNvPr id="1" name=""/>
-        <p:cNvGrpSpPr/>
-        <p:nvPr/>
-      </p:nvGrpSpPr>
-      <p:grpSpPr>
-        <a:xfrm>
-          <a:off x="0" y="0"/>
-          <a:ext cx="0" cy="0"/>
-          <a:chOff x="0" y="0"/>
-          <a:chExt cx="0" cy="0"/>
-        </a:xfrm>
-      </p:grpSpPr>
-      <p:sp>
-        <p:nvSpPr>
-          <p:cNvPr id="2" name="Title 1">
-            <a:extLst>
-              <a:ext uri="{FF2B5EF4-FFF2-40B4-BE49-F238E27FC236}">
-                <a16:creationId xmlns:a16="http://schemas.microsoft.com/office/drawing/2014/main" id="{4911B305-C6F2-4C36-9A38-F2C17456AE2B}"/>
-              </a:ext>
-            </a:extLst>
-          </p:cNvPr>
-          <p:cNvSpPr>
-            <a:spLocks noGrp="1"/>
-          </p:cNvSpPr>
-          <p:nvPr>
-            <p:ph type="title"/>
-          </p:nvPr>
-        </p:nvSpPr>
-        <p:spPr>
-          <a:xfrm>
-            <a:off x="365761" y="411480"/>
-            <a:ext cx="7749992" cy="914400"/>
-          </a:xfrm>
-        </p:spPr>
-        <p:txBody>
-          <a:bodyPr/>
-          <a:lstStyle/>
-          <a:p>
-            <a:r>
-              <a:rPr lang="en-US" dirty="0"/>
-              <a:t>Scientific Facilities Provide Valuable Resources</a:t>
-            </a:r>
-          </a:p>
-        </p:txBody>
-      </p:sp>
-      <p:sp>
-        <p:nvSpPr>
-          <p:cNvPr id="10" name="Content Placeholder 9">
-            <a:extLst>
-              <a:ext uri="{FF2B5EF4-FFF2-40B4-BE49-F238E27FC236}">
-                <a16:creationId xmlns:a16="http://schemas.microsoft.com/office/drawing/2014/main" id="{DFC96AD3-4FF0-435B-AC4F-F2EE976B850D}"/>
-              </a:ext>
-            </a:extLst>
-          </p:cNvPr>
-          <p:cNvSpPr>
-            <a:spLocks noGrp="1"/>
-          </p:cNvSpPr>
-          <p:nvPr>
-            <p:ph idx="1"/>
-          </p:nvPr>
-        </p:nvSpPr>
-        <p:spPr>
-          <a:xfrm>
-            <a:off x="365761" y="1535565"/>
-            <a:ext cx="7749994" cy="4047778"/>
-          </a:xfrm>
-        </p:spPr>
-        <p:txBody>
-          <a:bodyPr/>
-          <a:lstStyle/>
-          <a:p>
-            <a:r>
-              <a:rPr lang="en-US" dirty="0"/>
-              <a:t>Major supercomputers often cost O($100M)</a:t>
-            </a:r>
-          </a:p>
-          <a:p>
-            <a:r>
-              <a:rPr lang="en-US" dirty="0"/>
-              <a:t>All cost millions more to operate, annually</a:t>
-            </a:r>
-          </a:p>
-          <a:p>
-            <a:r>
-              <a:rPr lang="en-US" dirty="0"/>
-              <a:t>Significant allocations on large supercomputers can be worth millions</a:t>
-            </a:r>
-          </a:p>
-          <a:p>
-            <a:r>
-              <a:rPr lang="en-US" dirty="0"/>
-              <a:t>Even if you don’t pay the $ you have to spend the time and effort to get the allocation</a:t>
-            </a:r>
-          </a:p>
-          <a:p>
-            <a:r>
-              <a:rPr lang="en-US" b="1" u="sng" dirty="0">
-                <a:solidFill>
-                  <a:schemeClr val="tx2"/>
-                </a:solidFill>
-              </a:rPr>
-              <a:t>Sponsors’ concern</a:t>
-            </a:r>
-            <a:r>
-              <a:rPr lang="en-US" b="1" dirty="0">
-                <a:solidFill>
-                  <a:schemeClr val="tx2"/>
-                </a:solidFill>
-              </a:rPr>
-              <a:t>: Are you being a good steward of the resources?</a:t>
-            </a:r>
-          </a:p>
-          <a:p>
-            <a:r>
-              <a:rPr lang="en-US" b="1" u="sng" dirty="0">
-                <a:solidFill>
-                  <a:schemeClr val="tx2"/>
-                </a:solidFill>
-              </a:rPr>
-              <a:t>Your concern</a:t>
-            </a:r>
-            <a:r>
-              <a:rPr lang="en-US" b="1" dirty="0">
-                <a:solidFill>
-                  <a:schemeClr val="tx2"/>
-                </a:solidFill>
-              </a:rPr>
-              <a:t>: Are you getting the most science possible out of your work (aka scientific productivity)?</a:t>
-            </a:r>
-          </a:p>
-        </p:txBody>
-      </p:sp>
-      <p:pic>
-        <p:nvPicPr>
-          <p:cNvPr id="8" name="Picture 7">
-            <a:extLst>
-              <a:ext uri="{FF2B5EF4-FFF2-40B4-BE49-F238E27FC236}">
-                <a16:creationId xmlns:a16="http://schemas.microsoft.com/office/drawing/2014/main" id="{CBF1AD80-AE63-444B-8CCE-A328E711D223}"/>
-              </a:ext>
-            </a:extLst>
-          </p:cNvPr>
-          <p:cNvPicPr>
-            <a:picLocks noChangeAspect="1"/>
-          </p:cNvPicPr>
-          <p:nvPr/>
-        </p:nvPicPr>
-        <p:blipFill>
-          <a:blip r:embed="rId2"/>
-          <a:stretch>
-            <a:fillRect/>
-          </a:stretch>
-        </p:blipFill>
-        <p:spPr>
-          <a:xfrm>
-            <a:off x="8190744" y="2236185"/>
-            <a:ext cx="3703320" cy="1851660"/>
-          </a:xfrm>
-          <a:prstGeom prst="rect">
-            <a:avLst/>
-          </a:prstGeom>
-        </p:spPr>
-      </p:pic>
-      <p:pic>
-        <p:nvPicPr>
-          <p:cNvPr id="9" name="Picture 4" descr="Image result for olcf frontier images">
-            <a:extLst>
-              <a:ext uri="{FF2B5EF4-FFF2-40B4-BE49-F238E27FC236}">
-                <a16:creationId xmlns:a16="http://schemas.microsoft.com/office/drawing/2014/main" id="{96E8923D-49A5-47B3-89A0-1F0743A5BE5A}"/>
-              </a:ext>
-            </a:extLst>
-          </p:cNvPr>
-          <p:cNvPicPr>
-            <a:picLocks noChangeAspect="1" noChangeArrowheads="1"/>
-          </p:cNvPicPr>
-          <p:nvPr/>
-        </p:nvPicPr>
-        <p:blipFill>
-          <a:blip r:embed="rId3" cstate="print">
-            <a:extLst>
-              <a:ext uri="{28A0092B-C50C-407E-A947-70E740481C1C}">
-                <a14:useLocalDpi xmlns:a14="http://schemas.microsoft.com/office/drawing/2010/main" val="0"/>
-              </a:ext>
-            </a:extLst>
-          </a:blip>
-          <a:srcRect/>
-          <a:stretch>
-            <a:fillRect/>
-          </a:stretch>
-        </p:blipFill>
-        <p:spPr bwMode="auto">
-          <a:xfrm>
-            <a:off x="8115754" y="739566"/>
-            <a:ext cx="3707315" cy="1611330"/>
-          </a:xfrm>
-          <a:prstGeom prst="rect">
-            <a:avLst/>
-          </a:prstGeom>
-          <a:noFill/>
-          <a:extLst>
-            <a:ext uri="{909E8E84-426E-40DD-AFC4-6F175D3DCCD1}">
-              <a14:hiddenFill xmlns:a14="http://schemas.microsoft.com/office/drawing/2010/main">
-                <a:solidFill>
-                  <a:srgbClr val="FFFFFF"/>
-                </a:solidFill>
-              </a14:hiddenFill>
-            </a:ext>
-          </a:extLst>
-        </p:spPr>
-      </p:pic>
-      <p:pic>
-        <p:nvPicPr>
-          <p:cNvPr id="7" name="Content Placeholder 3">
-            <a:extLst>
-              <a:ext uri="{FF2B5EF4-FFF2-40B4-BE49-F238E27FC236}">
-                <a16:creationId xmlns:a16="http://schemas.microsoft.com/office/drawing/2014/main" id="{3352E1D0-7C38-486F-8113-805BA100DA8B}"/>
-              </a:ext>
-            </a:extLst>
-          </p:cNvPr>
-          <p:cNvPicPr>
-            <a:picLocks noChangeAspect="1"/>
-          </p:cNvPicPr>
-          <p:nvPr/>
-        </p:nvPicPr>
-        <p:blipFill>
-          <a:blip r:embed="rId4"/>
-          <a:stretch>
-            <a:fillRect/>
-          </a:stretch>
-        </p:blipFill>
-        <p:spPr>
-          <a:xfrm>
-            <a:off x="8190744" y="3973133"/>
-            <a:ext cx="3703320" cy="1902581"/>
-          </a:xfrm>
-          <a:prstGeom prst="rect">
-            <a:avLst/>
-          </a:prstGeom>
-        </p:spPr>
-      </p:pic>
-    </p:spTree>
-    <p:extLst>
-      <p:ext uri="{BB962C8B-B14F-4D97-AF65-F5344CB8AC3E}">
-        <p14:creationId xmlns:p14="http://schemas.microsoft.com/office/powerpoint/2010/main" val="3897380864"/>
-      </p:ext>
-    </p:extLst>
-  </p:cSld>
-  <p:clrMapOvr>
-    <a:masterClrMapping/>
-  </p:clrMapOvr>
-</p:sld>
-</file>
-
-<file path=ppt/slides/slide6.xml><?xml version="1.0" encoding="utf-8"?>
-<p:sld xmlns:a="http://schemas.openxmlformats.org/drawingml/2006/main" xmlns:r="http://schemas.openxmlformats.org/officeDocument/2006/relationships" xmlns:p="http://schemas.openxmlformats.org/presentationml/2006/main">
-  <p:cSld>
-    <p:spTree>
-      <p:nvGrpSpPr>
-        <p:cNvPr id="1" name=""/>
-        <p:cNvGrpSpPr/>
-        <p:nvPr/>
-      </p:nvGrpSpPr>
-      <p:grpSpPr>
-        <a:xfrm>
-          <a:off x="0" y="0"/>
-          <a:ext cx="0" cy="0"/>
-          <a:chOff x="0" y="0"/>
-          <a:chExt cx="0" cy="0"/>
-        </a:xfrm>
-      </p:grpSpPr>
-      <p:sp>
-        <p:nvSpPr>
-          <p:cNvPr id="2" name="Title 1">
-            <a:extLst>
-              <a:ext uri="{FF2B5EF4-FFF2-40B4-BE49-F238E27FC236}">
-                <a16:creationId xmlns:a16="http://schemas.microsoft.com/office/drawing/2014/main" id="{9FBE681E-868C-4362-8CE9-D9277D90945D}"/>
-              </a:ext>
-            </a:extLst>
-          </p:cNvPr>
-          <p:cNvSpPr>
-            <a:spLocks noGrp="1"/>
-          </p:cNvSpPr>
-          <p:nvPr>
-            <p:ph type="title"/>
-          </p:nvPr>
-        </p:nvSpPr>
-        <p:spPr/>
-        <p:txBody>
-          <a:bodyPr/>
-          <a:lstStyle/>
-          <a:p>
-            <a:r>
-              <a:rPr lang="en-US" dirty="0"/>
-              <a:t>High-Consequence Software-Related Scientific Failures</a:t>
-            </a:r>
-          </a:p>
-        </p:txBody>
-      </p:sp>
-      <p:sp>
-        <p:nvSpPr>
-          <p:cNvPr id="4" name="Text Placeholder 3">
-            <a:extLst>
-              <a:ext uri="{FF2B5EF4-FFF2-40B4-BE49-F238E27FC236}">
-                <a16:creationId xmlns:a16="http://schemas.microsoft.com/office/drawing/2014/main" id="{E8D361FB-619E-41D2-B8F0-CA5FA1B12783}"/>
-              </a:ext>
-            </a:extLst>
-          </p:cNvPr>
-          <p:cNvSpPr>
-            <a:spLocks noGrp="1"/>
-          </p:cNvSpPr>
-          <p:nvPr>
-            <p:ph type="body" idx="1"/>
-          </p:nvPr>
-        </p:nvSpPr>
-        <p:spPr>
-          <a:xfrm>
-            <a:off x="457200" y="1082160"/>
-            <a:ext cx="5588582" cy="821190"/>
-          </a:xfrm>
-        </p:spPr>
-        <p:txBody>
-          <a:bodyPr/>
-          <a:lstStyle/>
-          <a:p>
-            <a:r>
-              <a:rPr lang="en-US" dirty="0"/>
-              <a:t>Therac-25 (1985-1987)</a:t>
-            </a:r>
-          </a:p>
-        </p:txBody>
-      </p:sp>
-      <p:sp>
-        <p:nvSpPr>
-          <p:cNvPr id="5" name="Content Placeholder 4">
-            <a:extLst>
-              <a:ext uri="{FF2B5EF4-FFF2-40B4-BE49-F238E27FC236}">
-                <a16:creationId xmlns:a16="http://schemas.microsoft.com/office/drawing/2014/main" id="{56CD8BB6-7BE3-465D-9CA1-DEAACB888B21}"/>
-              </a:ext>
-            </a:extLst>
-          </p:cNvPr>
-          <p:cNvSpPr>
-            <a:spLocks noGrp="1"/>
-          </p:cNvSpPr>
-          <p:nvPr>
-            <p:ph sz="half" idx="2"/>
-          </p:nvPr>
-        </p:nvSpPr>
-        <p:spPr>
-          <a:xfrm>
-            <a:off x="457200" y="1903350"/>
-            <a:ext cx="5588582" cy="3373229"/>
-          </a:xfrm>
-        </p:spPr>
-        <p:txBody>
-          <a:bodyPr/>
-          <a:lstStyle/>
-          <a:p>
-            <a:r>
-              <a:rPr lang="en-US" dirty="0"/>
-              <a:t>Computer-controlled radiation therapy system</a:t>
-            </a:r>
-          </a:p>
-          <a:p>
-            <a:r>
-              <a:rPr lang="en-US" b="1" dirty="0"/>
-              <a:t>Poor software design, development and testing practices </a:t>
-            </a:r>
-            <a:r>
-              <a:rPr lang="en-US" dirty="0"/>
-              <a:t>allowed flaws that let to at least six cases of substantial radiation overdoses, three fatal</a:t>
-            </a:r>
-          </a:p>
-        </p:txBody>
-      </p:sp>
-      <p:sp>
-        <p:nvSpPr>
-          <p:cNvPr id="8" name="Text Placeholder 7">
-            <a:extLst>
-              <a:ext uri="{FF2B5EF4-FFF2-40B4-BE49-F238E27FC236}">
-                <a16:creationId xmlns:a16="http://schemas.microsoft.com/office/drawing/2014/main" id="{2A9420E6-1ED3-47F5-A868-592FBE0CF025}"/>
-              </a:ext>
-            </a:extLst>
-          </p:cNvPr>
-          <p:cNvSpPr>
-            <a:spLocks noGrp="1"/>
-          </p:cNvSpPr>
-          <p:nvPr>
-            <p:ph type="body" sz="quarter" idx="3"/>
-          </p:nvPr>
-        </p:nvSpPr>
-        <p:spPr>
-          <a:xfrm>
-            <a:off x="6218913" y="1082160"/>
-            <a:ext cx="5588581" cy="821190"/>
-          </a:xfrm>
-        </p:spPr>
-        <p:txBody>
-          <a:bodyPr/>
-          <a:lstStyle/>
-          <a:p>
-            <a:r>
-              <a:rPr lang="en-US" dirty="0"/>
-              <a:t>Mars Climate Orbiter (1999)</a:t>
-            </a:r>
-          </a:p>
-        </p:txBody>
-      </p:sp>
-      <p:sp>
-        <p:nvSpPr>
-          <p:cNvPr id="10" name="Text Placeholder 9">
-            <a:extLst>
-              <a:ext uri="{FF2B5EF4-FFF2-40B4-BE49-F238E27FC236}">
-                <a16:creationId xmlns:a16="http://schemas.microsoft.com/office/drawing/2014/main" id="{C8632146-7E50-4441-AA9F-3B7BFE2EDC5F}"/>
-              </a:ext>
-            </a:extLst>
-          </p:cNvPr>
-          <p:cNvSpPr>
-            <a:spLocks noGrp="1"/>
-          </p:cNvSpPr>
-          <p:nvPr>
-            <p:ph sz="quarter" idx="4"/>
-          </p:nvPr>
-        </p:nvSpPr>
-        <p:spPr>
-          <a:xfrm>
-            <a:off x="6218914" y="1903350"/>
-            <a:ext cx="5588582" cy="3373229"/>
-          </a:xfrm>
-        </p:spPr>
-        <p:txBody>
-          <a:bodyPr/>
-          <a:lstStyle/>
-          <a:p>
-            <a:r>
-              <a:rPr lang="en-US" dirty="0"/>
-              <a:t>Incorrect trajectory adjustment caused loss of the orbiter as it was supposed to enter Martian orbit</a:t>
-            </a:r>
-          </a:p>
-          <a:p>
-            <a:r>
-              <a:rPr lang="en-US" dirty="0"/>
-              <a:t>Discrepancy in the units used in two different software components</a:t>
-            </a:r>
-          </a:p>
-          <a:p>
-            <a:r>
-              <a:rPr lang="en-US" dirty="0"/>
-              <a:t>One component </a:t>
-            </a:r>
-            <a:r>
-              <a:rPr lang="en-US" b="1" dirty="0"/>
-              <a:t>didn’t follow specifications</a:t>
-            </a:r>
-          </a:p>
-          <a:p>
-            <a:r>
-              <a:rPr lang="en-US" b="1" dirty="0"/>
-              <a:t>Inadequate testing </a:t>
-            </a:r>
-            <a:r>
-              <a:rPr lang="en-US" dirty="0"/>
-              <a:t>at the interface</a:t>
-            </a:r>
-          </a:p>
-          <a:p>
-            <a:r>
-              <a:rPr lang="en-US" dirty="0"/>
-              <a:t>Concerns raised earlier in the mission were ignored because they </a:t>
-            </a:r>
-            <a:r>
-              <a:rPr lang="en-US" b="1" dirty="0"/>
-              <a:t>weren’t properly documented </a:t>
-            </a:r>
-          </a:p>
-        </p:txBody>
-      </p:sp>
-      <p:pic>
-        <p:nvPicPr>
-          <p:cNvPr id="1030" name="Picture 6" descr="Photo of the Therac 25">
-            <a:extLst>
-              <a:ext uri="{FF2B5EF4-FFF2-40B4-BE49-F238E27FC236}">
-                <a16:creationId xmlns:a16="http://schemas.microsoft.com/office/drawing/2014/main" id="{0B40ADAE-0821-49AE-9C40-E819AA1A080F}"/>
-              </a:ext>
-            </a:extLst>
-          </p:cNvPr>
-          <p:cNvPicPr>
-            <a:picLocks noChangeAspect="1" noChangeArrowheads="1"/>
-          </p:cNvPicPr>
-          <p:nvPr/>
-        </p:nvPicPr>
-        <p:blipFill rotWithShape="1">
-          <a:blip r:embed="rId2">
-            <a:extLst>
-              <a:ext uri="{28A0092B-C50C-407E-A947-70E740481C1C}">
-                <a14:useLocalDpi xmlns:a14="http://schemas.microsoft.com/office/drawing/2010/main" val="0"/>
-              </a:ext>
-            </a:extLst>
-          </a:blip>
-          <a:srcRect l="2986" t="5757" r="2268" b="3090"/>
-          <a:stretch/>
-        </p:blipFill>
-        <p:spPr bwMode="auto">
-          <a:xfrm>
-            <a:off x="457200" y="3709440"/>
-            <a:ext cx="3312001" cy="2066400"/>
-          </a:xfrm>
-          <a:prstGeom prst="rect">
-            <a:avLst/>
-          </a:prstGeom>
-          <a:noFill/>
-          <a:extLst>
-            <a:ext uri="{909E8E84-426E-40DD-AFC4-6F175D3DCCD1}">
-              <a14:hiddenFill xmlns:a14="http://schemas.microsoft.com/office/drawing/2010/main">
-                <a:solidFill>
-                  <a:srgbClr val="FFFFFF"/>
-                </a:solidFill>
-              </a14:hiddenFill>
-            </a:ext>
-          </a:extLst>
-        </p:spPr>
-      </p:pic>
-      <p:pic>
-        <p:nvPicPr>
-          <p:cNvPr id="1028" name="Picture 4">
-            <a:extLst>
-              <a:ext uri="{FF2B5EF4-FFF2-40B4-BE49-F238E27FC236}">
-                <a16:creationId xmlns:a16="http://schemas.microsoft.com/office/drawing/2014/main" id="{F408BCE3-0998-4F7D-940F-78254B75691F}"/>
-              </a:ext>
-            </a:extLst>
-          </p:cNvPr>
-          <p:cNvPicPr>
-            <a:picLocks noChangeAspect="1" noChangeArrowheads="1"/>
-          </p:cNvPicPr>
-          <p:nvPr/>
-        </p:nvPicPr>
-        <p:blipFill>
-          <a:blip r:embed="rId3" cstate="print">
-            <a:extLst>
-              <a:ext uri="{28A0092B-C50C-407E-A947-70E740481C1C}">
-                <a14:useLocalDpi xmlns:a14="http://schemas.microsoft.com/office/drawing/2010/main" val="0"/>
-              </a:ext>
-            </a:extLst>
-          </a:blip>
-          <a:srcRect/>
-          <a:stretch>
-            <a:fillRect/>
-          </a:stretch>
-        </p:blipFill>
-        <p:spPr bwMode="auto">
-          <a:xfrm>
-            <a:off x="3482747" y="4363920"/>
-            <a:ext cx="2570581" cy="2336400"/>
-          </a:xfrm>
-          <a:prstGeom prst="rect">
-            <a:avLst/>
-          </a:prstGeom>
-          <a:noFill/>
-          <a:extLst>
-            <a:ext uri="{909E8E84-426E-40DD-AFC4-6F175D3DCCD1}">
-              <a14:hiddenFill xmlns:a14="http://schemas.microsoft.com/office/drawing/2010/main">
-                <a:solidFill>
-                  <a:srgbClr val="FFFFFF"/>
-                </a:solidFill>
-              </a14:hiddenFill>
-            </a:ext>
-          </a:extLst>
-        </p:spPr>
-      </p:pic>
-      <p:sp>
-        <p:nvSpPr>
-          <p:cNvPr id="12" name="TextBox 11">
-            <a:extLst>
-              <a:ext uri="{FF2B5EF4-FFF2-40B4-BE49-F238E27FC236}">
-                <a16:creationId xmlns:a16="http://schemas.microsoft.com/office/drawing/2014/main" id="{0914C56D-3B93-4509-884B-13EFE57E3C93}"/>
-              </a:ext>
-            </a:extLst>
-          </p:cNvPr>
-          <p:cNvSpPr txBox="1"/>
-          <p:nvPr/>
-        </p:nvSpPr>
-        <p:spPr>
-          <a:xfrm>
-            <a:off x="7025304" y="5505985"/>
-            <a:ext cx="3919153" cy="517065"/>
-          </a:xfrm>
-          <a:prstGeom prst="rect">
-            <a:avLst/>
-          </a:prstGeom>
-          <a:noFill/>
-          <a:ln>
-            <a:solidFill>
-              <a:schemeClr val="accent4"/>
-            </a:solidFill>
-          </a:ln>
-        </p:spPr>
-        <p:txBody>
-          <a:bodyPr wrap="square" lIns="118872" tIns="91440" rIns="118872" bIns="91440" rtlCol="0" anchor="ctr" anchorCtr="0">
-            <a:spAutoFit/>
-          </a:bodyPr>
-          <a:lstStyle/>
-          <a:p>
-            <a:pPr algn="l">
-              <a:lnSpc>
-                <a:spcPct val="90000"/>
-              </a:lnSpc>
-            </a:pPr>
-            <a:r>
-              <a:rPr lang="en-US" sz="2400" i="1" dirty="0">
-                <a:solidFill>
-                  <a:schemeClr val="accent4"/>
-                </a:solidFill>
-              </a:rPr>
-              <a:t>Just two of many examples</a:t>
-            </a:r>
-          </a:p>
-        </p:txBody>
-      </p:sp>
-    </p:spTree>
-    <p:extLst>
-      <p:ext uri="{BB962C8B-B14F-4D97-AF65-F5344CB8AC3E}">
-        <p14:creationId xmlns:p14="http://schemas.microsoft.com/office/powerpoint/2010/main" val="1096721635"/>
-      </p:ext>
-    </p:extLst>
-  </p:cSld>
-  <p:clrMapOvr>
-    <a:masterClrMapping/>
-  </p:clrMapOvr>
-</p:sld>
-</file>
-
-<file path=ppt/slides/slide7.xml><?xml version="1.0" encoding="utf-8"?>
-<p:sld xmlns:a="http://schemas.openxmlformats.org/drawingml/2006/main" xmlns:r="http://schemas.openxmlformats.org/officeDocument/2006/relationships" xmlns:p="http://schemas.openxmlformats.org/presentationml/2006/main" showMasterSp="0">
-  <p:cSld>
-    <p:spTree>
-      <p:nvGrpSpPr>
-        <p:cNvPr id="1" name=""/>
-        <p:cNvGrpSpPr/>
-        <p:nvPr/>
-      </p:nvGrpSpPr>
-      <p:grpSpPr>
-        <a:xfrm>
-          <a:off x="0" y="0"/>
-          <a:ext cx="0" cy="0"/>
-          <a:chOff x="0" y="0"/>
-          <a:chExt cx="0" cy="0"/>
-        </a:xfrm>
-      </p:grpSpPr>
-      <p:sp>
-        <p:nvSpPr>
-          <p:cNvPr id="2" name="Title 1"/>
-          <p:cNvSpPr>
-            <a:spLocks noGrp="1"/>
-          </p:cNvSpPr>
-          <p:nvPr>
-            <p:ph type="title"/>
-          </p:nvPr>
-        </p:nvSpPr>
-        <p:spPr>
-          <a:xfrm>
-            <a:off x="365761" y="411480"/>
-            <a:ext cx="7382802" cy="914400"/>
-          </a:xfrm>
-        </p:spPr>
-        <p:txBody>
-          <a:bodyPr/>
-          <a:lstStyle/>
-          <a:p>
-            <a:r>
-              <a:rPr lang="en-US" dirty="0"/>
-              <a:t>More Subtle Impacts on Scientific Productivity</a:t>
-            </a:r>
-          </a:p>
-        </p:txBody>
-      </p:sp>
-      <p:sp>
-        <p:nvSpPr>
-          <p:cNvPr id="3" name="Content Placeholder 2"/>
-          <p:cNvSpPr>
-            <a:spLocks noGrp="1"/>
-          </p:cNvSpPr>
-          <p:nvPr>
-            <p:ph idx="1"/>
-          </p:nvPr>
-        </p:nvSpPr>
-        <p:spPr>
-          <a:xfrm>
-            <a:off x="365760" y="1409441"/>
-            <a:ext cx="11369809" cy="4047778"/>
-          </a:xfrm>
-        </p:spPr>
-        <p:txBody>
-          <a:bodyPr/>
-          <a:lstStyle/>
-          <a:p>
-            <a:r>
-              <a:rPr lang="en-US" dirty="0"/>
-              <a:t>In 2005, the FLASH astrophysics team was </a:t>
-            </a:r>
-            <a:br>
-              <a:rPr lang="en-US" dirty="0"/>
-            </a:br>
-            <a:r>
-              <a:rPr lang="en-US" dirty="0"/>
-              <a:t>offered a unique opportunity to access one </a:t>
-            </a:r>
-            <a:br>
-              <a:rPr lang="en-US" dirty="0"/>
-            </a:br>
-            <a:r>
-              <a:rPr lang="en-US" dirty="0"/>
-              <a:t>of the biggest machines in the world at that </a:t>
-            </a:r>
-            <a:br>
-              <a:rPr lang="en-US" dirty="0"/>
-            </a:br>
-            <a:r>
-              <a:rPr lang="en-US" dirty="0"/>
-              <a:t>time (BG/L) for a dedicated run</a:t>
-            </a:r>
-          </a:p>
-          <a:p>
-            <a:r>
-              <a:rPr lang="en-US" dirty="0"/>
-              <a:t>Short notice to prepare</a:t>
-            </a:r>
-          </a:p>
-          <a:p>
-            <a:pPr lvl="1">
-              <a:spcBef>
-                <a:spcPts val="200"/>
-              </a:spcBef>
-            </a:pPr>
-            <a:r>
-              <a:rPr lang="en-US" b="1" dirty="0"/>
-              <a:t>&lt; 1month to get ready for 1.5 week run</a:t>
-            </a:r>
-            <a:endParaRPr lang="en-US" dirty="0"/>
-          </a:p>
-          <a:p>
-            <a:r>
-              <a:rPr lang="en-US" dirty="0"/>
-              <a:t>Quick and dirty development of particle capability in code</a:t>
-            </a:r>
-          </a:p>
-          <a:p>
-            <a:r>
-              <a:rPr lang="en-US" dirty="0"/>
-              <a:t>Error in tracking particles resulted in duplicated tags from round-off</a:t>
-            </a:r>
-          </a:p>
-          <a:p>
-            <a:r>
-              <a:rPr lang="en-US" dirty="0"/>
-              <a:t>Had to develop post-processing tools to correctly identify trajectories</a:t>
-            </a:r>
-          </a:p>
-          <a:p>
-            <a:pPr lvl="1">
-              <a:spcBef>
-                <a:spcPts val="200"/>
-              </a:spcBef>
-            </a:pPr>
-            <a:r>
-              <a:rPr lang="en-US" b="1" dirty="0"/>
-              <a:t>6 months to process results</a:t>
-            </a:r>
-          </a:p>
-          <a:p>
-            <a:endParaRPr lang="en-US" dirty="0"/>
-          </a:p>
-          <a:p>
-            <a:endParaRPr lang="en-US" dirty="0"/>
-          </a:p>
-          <a:p>
-            <a:endParaRPr lang="en-US" dirty="0"/>
-          </a:p>
-          <a:p>
-            <a:endParaRPr lang="en-US" dirty="0"/>
-          </a:p>
-        </p:txBody>
-      </p:sp>
-      <p:sp>
-        <p:nvSpPr>
-          <p:cNvPr id="4" name="Rounded Rectangle 3"/>
-          <p:cNvSpPr/>
-          <p:nvPr/>
-        </p:nvSpPr>
-        <p:spPr>
-          <a:xfrm>
-            <a:off x="365760" y="5606978"/>
-            <a:ext cx="11266797" cy="1169041"/>
-          </a:xfrm>
-          <a:prstGeom prst="roundRect">
-            <a:avLst/>
-          </a:prstGeom>
-        </p:spPr>
-        <p:style>
-          <a:lnRef idx="1">
-            <a:schemeClr val="accent1"/>
-          </a:lnRef>
-          <a:fillRef idx="3">
-            <a:schemeClr val="accent1"/>
-          </a:fillRef>
-          <a:effectRef idx="2">
-            <a:schemeClr val="accent1"/>
-          </a:effectRef>
-          <a:fontRef idx="minor">
-            <a:schemeClr val="lt1"/>
-          </a:fontRef>
-        </p:style>
-        <p:txBody>
-          <a:bodyPr rtlCol="0" anchor="ctr"/>
-          <a:lstStyle/>
-          <a:p>
-            <a:pPr algn="ctr"/>
-            <a:r>
-              <a:rPr lang="en-US" sz="2400" dirty="0">
-                <a:solidFill>
-                  <a:schemeClr val="bg1"/>
-                </a:solidFill>
-              </a:rPr>
-              <a:t>FLASH had a software process in place. It was tested regularly. This was one instance when the full process could not be applied because of time constraints. </a:t>
-            </a:r>
-          </a:p>
-        </p:txBody>
-      </p:sp>
-      <p:pic>
-        <p:nvPicPr>
-          <p:cNvPr id="5" name="Content Placeholder 5" descr="particles.jpg"/>
-          <p:cNvPicPr>
-            <a:picLocks noChangeAspect="1"/>
-          </p:cNvPicPr>
-          <p:nvPr/>
-        </p:nvPicPr>
-        <p:blipFill>
-          <a:blip r:embed="rId3" cstate="print">
-            <a:extLst>
-              <a:ext uri="{28A0092B-C50C-407E-A947-70E740481C1C}">
-                <a14:useLocalDpi xmlns:a14="http://schemas.microsoft.com/office/drawing/2010/main" val="0"/>
-              </a:ext>
-            </a:extLst>
-          </a:blip>
-          <a:srcRect t="15266" b="15266"/>
-          <a:stretch>
-            <a:fillRect/>
-          </a:stretch>
-        </p:blipFill>
-        <p:spPr bwMode="auto">
-          <a:xfrm>
-            <a:off x="7382801" y="411480"/>
-            <a:ext cx="4440263" cy="2313449"/>
-          </a:xfrm>
-          <a:prstGeom prst="rect">
-            <a:avLst/>
-          </a:prstGeom>
-          <a:noFill/>
-          <a:ln w="9525">
-            <a:noFill/>
-            <a:miter lim="800000"/>
-            <a:headEnd/>
-            <a:tailEnd/>
-          </a:ln>
-        </p:spPr>
-      </p:pic>
-    </p:spTree>
-    <p:extLst>
-      <p:ext uri="{BB962C8B-B14F-4D97-AF65-F5344CB8AC3E}">
-        <p14:creationId xmlns:p14="http://schemas.microsoft.com/office/powerpoint/2010/main" val="1356759628"/>
-      </p:ext>
-    </p:extLst>
-  </p:cSld>
-  <p:clrMapOvr>
-    <a:masterClrMapping/>
-  </p:clrMapOvr>
-</p:sld>
-</file>
-
-<file path=ppt/slides/slide8.xml><?xml version="1.0" encoding="utf-8"?>
-<p:sld xmlns:a="http://schemas.openxmlformats.org/drawingml/2006/main" xmlns:r="http://schemas.openxmlformats.org/officeDocument/2006/relationships" xmlns:p="http://schemas.openxmlformats.org/presentationml/2006/main">
-  <p:cSld>
-    <p:spTree>
-      <p:nvGrpSpPr>
-        <p:cNvPr id="1" name=""/>
-        <p:cNvGrpSpPr/>
-        <p:nvPr/>
-      </p:nvGrpSpPr>
-      <p:grpSpPr>
-        <a:xfrm>
-          <a:off x="0" y="0"/>
-          <a:ext cx="0" cy="0"/>
-          <a:chOff x="0" y="0"/>
-          <a:chExt cx="0" cy="0"/>
-        </a:xfrm>
-      </p:grpSpPr>
-      <p:sp>
-        <p:nvSpPr>
-          <p:cNvPr id="2" name="Title 1">
-            <a:extLst>
-              <a:ext uri="{FF2B5EF4-FFF2-40B4-BE49-F238E27FC236}">
-                <a16:creationId xmlns:a16="http://schemas.microsoft.com/office/drawing/2014/main" id="{D2C8C76E-ADF1-4EAC-97C5-8BDB0E63E3F6}"/>
-              </a:ext>
-            </a:extLst>
-          </p:cNvPr>
-          <p:cNvSpPr>
-            <a:spLocks noGrp="1"/>
-          </p:cNvSpPr>
-          <p:nvPr>
-            <p:ph type="title"/>
-          </p:nvPr>
-        </p:nvSpPr>
-        <p:spPr/>
-        <p:txBody>
-          <a:bodyPr/>
-          <a:lstStyle/>
-          <a:p>
-            <a:r>
-              <a:rPr lang="en-US" dirty="0"/>
-              <a:t>Technical Debt</a:t>
-            </a:r>
-          </a:p>
-        </p:txBody>
-      </p:sp>
-      <p:sp>
-        <p:nvSpPr>
-          <p:cNvPr id="3" name="Content Placeholder 2">
-            <a:extLst>
-              <a:ext uri="{FF2B5EF4-FFF2-40B4-BE49-F238E27FC236}">
-                <a16:creationId xmlns:a16="http://schemas.microsoft.com/office/drawing/2014/main" id="{2255B14C-4E3E-4DB2-8529-0139E3DE7D42}"/>
-              </a:ext>
-            </a:extLst>
-          </p:cNvPr>
-          <p:cNvSpPr>
-            <a:spLocks noGrp="1"/>
-          </p:cNvSpPr>
-          <p:nvPr>
-            <p:ph idx="1"/>
-          </p:nvPr>
-        </p:nvSpPr>
-        <p:spPr>
-          <a:xfrm>
-            <a:off x="365760" y="2892389"/>
-            <a:ext cx="11369809" cy="4047778"/>
-          </a:xfrm>
-        </p:spPr>
-        <p:txBody>
-          <a:bodyPr/>
-          <a:lstStyle/>
-          <a:p>
-            <a:pPr marL="0" indent="0">
-              <a:buNone/>
-            </a:pPr>
-            <a:r>
-              <a:rPr lang="en-US" dirty="0"/>
-              <a:t>Like monetary debt, the more you accumulate, the harder it is to pay off</a:t>
-            </a:r>
-          </a:p>
-          <a:p>
-            <a:r>
-              <a:rPr lang="en-US" dirty="0"/>
-              <a:t>Increases cost of maintenance</a:t>
-            </a:r>
-          </a:p>
-          <a:p>
-            <a:r>
-              <a:rPr lang="en-US" dirty="0"/>
-              <a:t>Parts of software may become unusable over time</a:t>
-            </a:r>
-          </a:p>
-          <a:p>
-            <a:r>
-              <a:rPr lang="en-US" dirty="0"/>
-              <a:t>Inadequately verified software produces questionable results</a:t>
-            </a:r>
-          </a:p>
-          <a:p>
-            <a:r>
-              <a:rPr lang="en-US" dirty="0"/>
-              <a:t>Increases ramp-up time for new developers</a:t>
-            </a:r>
-          </a:p>
-          <a:p>
-            <a:r>
-              <a:rPr lang="en-US" b="1" dirty="0">
-                <a:solidFill>
-                  <a:schemeClr val="tx2"/>
-                </a:solidFill>
-              </a:rPr>
-              <a:t>Overall, reduces software and science productivity</a:t>
-            </a:r>
-          </a:p>
-        </p:txBody>
-      </p:sp>
-      <p:sp>
-        <p:nvSpPr>
-          <p:cNvPr id="5" name="Rectangle 4">
-            <a:extLst>
-              <a:ext uri="{FF2B5EF4-FFF2-40B4-BE49-F238E27FC236}">
-                <a16:creationId xmlns:a16="http://schemas.microsoft.com/office/drawing/2014/main" id="{EED0B917-5ACB-4EA0-B849-BE3F0F378877}"/>
-              </a:ext>
-            </a:extLst>
-          </p:cNvPr>
-          <p:cNvSpPr/>
-          <p:nvPr/>
-        </p:nvSpPr>
-        <p:spPr>
-          <a:xfrm>
-            <a:off x="2447567" y="1074694"/>
-            <a:ext cx="7351360" cy="1569660"/>
-          </a:xfrm>
-          <a:prstGeom prst="rect">
-            <a:avLst/>
-          </a:prstGeom>
-          <a:solidFill>
-            <a:schemeClr val="tx2"/>
-          </a:solidFill>
-          <a:ln/>
-        </p:spPr>
-        <p:style>
-          <a:lnRef idx="2">
-            <a:schemeClr val="accent1">
-              <a:shade val="50000"/>
-            </a:schemeClr>
-          </a:lnRef>
-          <a:fillRef idx="1">
-            <a:schemeClr val="accent1"/>
-          </a:fillRef>
-          <a:effectRef idx="0">
-            <a:schemeClr val="accent1"/>
-          </a:effectRef>
-          <a:fontRef idx="minor">
-            <a:schemeClr val="lt1"/>
-          </a:fontRef>
-        </p:style>
-        <p:txBody>
-          <a:bodyPr rot="0" spcFirstLastPara="0" vertOverflow="overflow" horzOverflow="overflow" vert="horz" wrap="square" lIns="45720" tIns="45720" rIns="45720" bIns="45720" numCol="1" spcCol="0" rtlCol="0" fromWordArt="0" anchor="ctr" anchorCtr="0" forceAA="0" compatLnSpc="1">
-            <a:prstTxWarp prst="textNoShape">
-              <a:avLst/>
-            </a:prstTxWarp>
-            <a:spAutoFit/>
-          </a:bodyPr>
-          <a:lstStyle/>
-          <a:p>
-            <a:pPr algn="ctr"/>
-            <a:r>
-              <a:rPr lang="en-US" sz="2400" dirty="0">
-                <a:solidFill>
-                  <a:schemeClr val="bg1"/>
-                </a:solidFill>
-              </a:rPr>
-              <a:t>The cost implied cost of additional rework caused by choosing an easy (limited) solution now instead of </a:t>
-            </a:r>
-            <a:br>
-              <a:rPr lang="en-US" sz="2400" dirty="0">
-                <a:solidFill>
-                  <a:schemeClr val="bg1"/>
-                </a:solidFill>
-              </a:rPr>
-            </a:br>
-            <a:r>
-              <a:rPr lang="en-US" sz="2400" dirty="0">
-                <a:solidFill>
-                  <a:schemeClr val="bg1"/>
-                </a:solidFill>
-              </a:rPr>
-              <a:t>using a better approach that would take longer.</a:t>
-            </a:r>
-          </a:p>
-          <a:p>
-            <a:pPr algn="r"/>
-            <a:r>
-              <a:rPr lang="en-US" sz="2400" dirty="0">
-                <a:solidFill>
-                  <a:schemeClr val="bg1"/>
-                </a:solidFill>
-              </a:rPr>
-              <a:t>-- Wikipedia </a:t>
-            </a:r>
-          </a:p>
-        </p:txBody>
-      </p:sp>
-    </p:spTree>
-    <p:extLst>
-      <p:ext uri="{BB962C8B-B14F-4D97-AF65-F5344CB8AC3E}">
-        <p14:creationId xmlns:p14="http://schemas.microsoft.com/office/powerpoint/2010/main" val="488493461"/>
-      </p:ext>
-    </p:extLst>
-  </p:cSld>
-  <p:clrMapOvr>
-    <a:masterClrMapping/>
-  </p:clrMapOvr>
-</p:sld>
-</file>
-
-<file path=ppt/slides/slide9.xml><?xml version="1.0" encoding="utf-8"?>
-<p:sld xmlns:a="http://schemas.openxmlformats.org/drawingml/2006/main" xmlns:r="http://schemas.openxmlformats.org/officeDocument/2006/relationships" xmlns:p="http://schemas.openxmlformats.org/presentationml/2006/main">
-  <p:cSld>
-    <p:spTree>
-      <p:nvGrpSpPr>
-        <p:cNvPr id="1" name=""/>
-        <p:cNvGrpSpPr/>
-        <p:nvPr/>
-      </p:nvGrpSpPr>
-      <p:grpSpPr>
-        <a:xfrm>
-          <a:off x="0" y="0"/>
-          <a:ext cx="0" cy="0"/>
-          <a:chOff x="0" y="0"/>
-          <a:chExt cx="0" cy="0"/>
-        </a:xfrm>
-      </p:grpSpPr>
-      <p:sp>
-        <p:nvSpPr>
-          <p:cNvPr id="2" name="Title 1"/>
-          <p:cNvSpPr>
-            <a:spLocks noGrp="1"/>
-          </p:cNvSpPr>
-          <p:nvPr>
-            <p:ph type="title"/>
-          </p:nvPr>
-        </p:nvSpPr>
-        <p:spPr>
-          <a:xfrm>
-            <a:off x="365760" y="410602"/>
-            <a:ext cx="11375136" cy="510909"/>
-          </a:xfrm>
-        </p:spPr>
-        <p:txBody>
-          <a:bodyPr/>
-          <a:lstStyle/>
-          <a:p>
-            <a:r>
-              <a:rPr lang="en-US" dirty="0"/>
-              <a:t>Challenges Developing Scientific Applications Today</a:t>
-            </a:r>
-          </a:p>
-        </p:txBody>
-      </p:sp>
-      <p:sp>
-        <p:nvSpPr>
-          <p:cNvPr id="3" name="Text Placeholder 2"/>
-          <p:cNvSpPr>
-            <a:spLocks noGrp="1"/>
-          </p:cNvSpPr>
-          <p:nvPr>
-            <p:ph type="body" idx="1"/>
-          </p:nvPr>
-        </p:nvSpPr>
-        <p:spPr>
-          <a:xfrm>
-            <a:off x="365760" y="1163920"/>
-            <a:ext cx="5588582" cy="821190"/>
-          </a:xfrm>
-        </p:spPr>
-        <p:txBody>
-          <a:bodyPr/>
-          <a:lstStyle/>
-          <a:p>
-            <a:r>
-              <a:rPr lang="en-US" sz="2800" dirty="0"/>
-              <a:t>Technical</a:t>
-            </a:r>
-          </a:p>
-        </p:txBody>
-      </p:sp>
-      <p:sp>
-        <p:nvSpPr>
-          <p:cNvPr id="7" name="Content Placeholder 6"/>
-          <p:cNvSpPr>
-            <a:spLocks noGrp="1"/>
-          </p:cNvSpPr>
-          <p:nvPr>
-            <p:ph sz="half" idx="2"/>
-          </p:nvPr>
-        </p:nvSpPr>
-        <p:spPr>
-          <a:xfrm>
-            <a:off x="365760" y="2043782"/>
-            <a:ext cx="5588582" cy="3702110"/>
-          </a:xfrm>
-        </p:spPr>
-        <p:txBody>
-          <a:bodyPr>
-            <a:normAutofit lnSpcReduction="10000"/>
-          </a:bodyPr>
-          <a:lstStyle/>
-          <a:p>
-            <a:r>
-              <a:rPr lang="en-US" sz="2400" dirty="0"/>
-              <a:t>All parts of the model and software system can be under research</a:t>
-            </a:r>
-          </a:p>
-          <a:p>
-            <a:r>
-              <a:rPr lang="en-US" sz="2400" dirty="0"/>
-              <a:t>Requirements change throughout the lifecycle as knowledge grows</a:t>
-            </a:r>
-          </a:p>
-          <a:p>
-            <a:r>
-              <a:rPr lang="en-US" sz="2400" dirty="0"/>
-              <a:t>Verification complicated by floating point representation</a:t>
-            </a:r>
-          </a:p>
-          <a:p>
-            <a:r>
-              <a:rPr lang="en-US" sz="2400" dirty="0"/>
-              <a:t>Real world is messy, so is the software</a:t>
-            </a:r>
-          </a:p>
-          <a:p>
-            <a:r>
-              <a:rPr lang="en-US" sz="2400" dirty="0"/>
-              <a:t>Increasing architectural diversity</a:t>
-            </a:r>
-          </a:p>
-          <a:p>
-            <a:endParaRPr lang="en-US" sz="2400" dirty="0"/>
-          </a:p>
-          <a:p>
-            <a:endParaRPr lang="en-US" sz="2400" dirty="0"/>
-          </a:p>
-          <a:p>
-            <a:endParaRPr lang="en-US" sz="2400" dirty="0"/>
-          </a:p>
-        </p:txBody>
-      </p:sp>
-      <p:sp>
-        <p:nvSpPr>
-          <p:cNvPr id="6" name="Text Placeholder 5"/>
-          <p:cNvSpPr>
-            <a:spLocks noGrp="1"/>
-          </p:cNvSpPr>
-          <p:nvPr>
-            <p:ph type="body" sz="quarter" idx="3"/>
-          </p:nvPr>
-        </p:nvSpPr>
-        <p:spPr>
-          <a:xfrm>
-            <a:off x="6191755" y="1163920"/>
-            <a:ext cx="5531934" cy="821190"/>
-          </a:xfrm>
-        </p:spPr>
-        <p:txBody>
-          <a:bodyPr/>
-          <a:lstStyle/>
-          <a:p>
-            <a:r>
-              <a:rPr lang="en-US" sz="2800" dirty="0"/>
-              <a:t>Sociological</a:t>
-            </a:r>
-          </a:p>
-        </p:txBody>
-      </p:sp>
-      <p:sp>
-        <p:nvSpPr>
-          <p:cNvPr id="8" name="Content Placeholder 7"/>
-          <p:cNvSpPr>
-            <a:spLocks noGrp="1"/>
-          </p:cNvSpPr>
-          <p:nvPr>
-            <p:ph sz="quarter" idx="4"/>
-          </p:nvPr>
-        </p:nvSpPr>
-        <p:spPr>
-          <a:xfrm>
-            <a:off x="6191755" y="2043782"/>
-            <a:ext cx="5531934" cy="3702110"/>
-          </a:xfrm>
-        </p:spPr>
-        <p:txBody>
-          <a:bodyPr/>
-          <a:lstStyle/>
-          <a:p>
-            <a:r>
-              <a:rPr lang="en-US" sz="2400" dirty="0"/>
-              <a:t>Competing priorities and incentives</a:t>
-            </a:r>
-          </a:p>
-          <a:p>
-            <a:pPr lvl="1"/>
-            <a:r>
-              <a:rPr lang="en-US" sz="2200" dirty="0"/>
-              <a:t>Sponsors often care more about scientific publications than software per se</a:t>
-            </a:r>
-          </a:p>
-          <a:p>
-            <a:r>
-              <a:rPr lang="en-US" sz="2400" dirty="0"/>
-              <a:t>Limited resources </a:t>
-            </a:r>
-          </a:p>
-          <a:p>
-            <a:r>
-              <a:rPr lang="en-US" sz="2400" dirty="0"/>
-              <a:t>Need for interdisciplinary interactions</a:t>
-            </a:r>
-          </a:p>
-          <a:p>
-            <a:pPr lvl="1"/>
-            <a:r>
-              <a:rPr lang="en-US" sz="2200" dirty="0"/>
-              <a:t>Many different kinds of expertise to be successful</a:t>
-            </a:r>
-          </a:p>
-          <a:p>
-            <a:endParaRPr lang="en-US" sz="2400" dirty="0"/>
-          </a:p>
-        </p:txBody>
-      </p:sp>
-    </p:spTree>
-    <p:extLst>
-      <p:ext uri="{BB962C8B-B14F-4D97-AF65-F5344CB8AC3E}">
-        <p14:creationId xmlns:p14="http://schemas.microsoft.com/office/powerpoint/2010/main" val="3957161676"/>
       </p:ext>
     </p:extLst>
   </p:cSld>
@@ -11823,12 +8685,6 @@
 </file>
 
 <file path=customXml/item2.xml><?xml version="1.0" encoding="utf-8"?>
-<p:properties xmlns:p="http://schemas.microsoft.com/office/2006/metadata/properties" xmlns:xsi="http://www.w3.org/2001/XMLSchema-instance" xmlns:pc="http://schemas.microsoft.com/office/infopath/2007/PartnerControls">
-  <documentManagement/>
-</p:properties>
-</file>
-
-<file path=customXml/item3.xml><?xml version="1.0" encoding="utf-8"?>
 <ct:contentTypeSchema xmlns:ct="http://schemas.microsoft.com/office/2006/metadata/contentType" xmlns:ma="http://schemas.microsoft.com/office/2006/metadata/properties/metaAttributes" ct:_="" ma:_="" ma:contentTypeName="Document" ma:contentTypeID="0x010100565464437F680748A68B85EB6594EA7D" ma:contentTypeVersion="0" ma:contentTypeDescription="Create a new document." ma:contentTypeScope="" ma:versionID="fe3f4dd58d5914c51cfc6deaa8ad845c">
   <xsd:schema xmlns:xsd="http://www.w3.org/2001/XMLSchema" xmlns:p="http://schemas.microsoft.com/office/2006/metadata/properties" targetNamespace="http://schemas.microsoft.com/office/2006/metadata/properties" ma:root="true" ma:fieldsID="4aeb20c0e3442673af7ee10786458764">
     <xsd:element name="properties">
@@ -11877,6 +8733,12 @@
 </ct:contentTypeSchema>
 </file>
 
+<file path=customXml/item3.xml><?xml version="1.0" encoding="utf-8"?>
+<p:properties xmlns:p="http://schemas.microsoft.com/office/2006/metadata/properties" xmlns:xsi="http://www.w3.org/2001/XMLSchema-instance" xmlns:pc="http://schemas.microsoft.com/office/infopath/2007/PartnerControls">
+  <documentManagement/>
+</p:properties>
+</file>
+
 <file path=customXml/itemProps1.xml><?xml version="1.0" encoding="utf-8"?>
 <ds:datastoreItem xmlns:ds="http://schemas.openxmlformats.org/officeDocument/2006/customXml" ds:itemID="{19E20559-B232-4371-8690-E3D8007EDB82}">
   <ds:schemaRefs>
@@ -11886,6 +8748,21 @@
 </file>
 
 <file path=customXml/itemProps2.xml><?xml version="1.0" encoding="utf-8"?>
+<ds:datastoreItem xmlns:ds="http://schemas.openxmlformats.org/officeDocument/2006/customXml" ds:itemID="{E8DB7DEB-074E-4EE8-9B6E-FD277323109C}">
+  <ds:schemaRefs>
+    <ds:schemaRef ds:uri="http://schemas.microsoft.com/office/2006/metadata/contentType"/>
+    <ds:schemaRef ds:uri="http://schemas.microsoft.com/office/2006/metadata/properties/metaAttributes"/>
+    <ds:schemaRef ds:uri="http://www.w3.org/2001/XMLSchema"/>
+    <ds:schemaRef ds:uri="http://schemas.microsoft.com/office/2006/metadata/properties"/>
+    <ds:schemaRef ds:uri="http://schemas.openxmlformats.org/package/2006/metadata/core-properties"/>
+    <ds:schemaRef ds:uri="http://purl.org/dc/elements/1.1/"/>
+    <ds:schemaRef ds:uri="http://purl.org/dc/terms/"/>
+    <ds:schemaRef ds:uri="http://schemas.microsoft.com/office/internal/2005/internalDocumentation"/>
+  </ds:schemaRefs>
+</ds:datastoreItem>
+</file>
+
+<file path=customXml/itemProps3.xml><?xml version="1.0" encoding="utf-8"?>
 <ds:datastoreItem xmlns:ds="http://schemas.openxmlformats.org/officeDocument/2006/customXml" ds:itemID="{A50EC660-24D0-43A0-AE5E-E274115E726B}">
   <ds:schemaRefs>
     <ds:schemaRef ds:uri="http://www.w3.org/XML/1998/namespace"/>
@@ -11898,19 +8775,4 @@
     <ds:schemaRef ds:uri="http://schemas.microsoft.com/office/infopath/2007/PartnerControls"/>
   </ds:schemaRefs>
 </ds:datastoreItem>
-</file>
-
-<file path=customXml/itemProps3.xml><?xml version="1.0" encoding="utf-8"?>
-<ds:datastoreItem xmlns:ds="http://schemas.openxmlformats.org/officeDocument/2006/customXml" ds:itemID="{E8DB7DEB-074E-4EE8-9B6E-FD277323109C}">
-  <ds:schemaRefs>
-    <ds:schemaRef ds:uri="http://schemas.microsoft.com/office/2006/metadata/contentType"/>
-    <ds:schemaRef ds:uri="http://schemas.microsoft.com/office/2006/metadata/properties/metaAttributes"/>
-    <ds:schemaRef ds:uri="http://www.w3.org/2001/XMLSchema"/>
-    <ds:schemaRef ds:uri="http://schemas.microsoft.com/office/2006/metadata/properties"/>
-    <ds:schemaRef ds:uri="http://schemas.openxmlformats.org/package/2006/metadata/core-properties"/>
-    <ds:schemaRef ds:uri="http://purl.org/dc/elements/1.1/"/>
-    <ds:schemaRef ds:uri="http://purl.org/dc/terms/"/>
-    <ds:schemaRef ds:uri="http://schemas.microsoft.com/office/internal/2005/internalDocumentation"/>
-  </ds:schemaRefs>
-</ds:datastoreItem>
 </file>
--- a/final-presentations/2021-04-12-ecpam/01-overview.pptx
+++ b/final-presentations/2021-04-12-ecpam/01-overview.pptx
@@ -263,7 +263,7 @@
           <a:p>
             <a:fld id="{0B842F42-2CE9-4E35-95C1-410DC08A50B1}" type="datetimeFigureOut">
               <a:rPr lang="en-US" smtClean="0"/>
-              <a:t>4/6/2021</a:t>
+              <a:t>4/8/21</a:t>
             </a:fld>
             <a:endParaRPr lang="en-US"/>
           </a:p>
@@ -428,7 +428,7 @@
           <a:p>
             <a:fld id="{6F282904-F315-4730-8D91-37D99E141A6F}" type="datetimeFigureOut">
               <a:rPr lang="en-US" smtClean="0"/>
-              <a:t>4/6/2021</a:t>
+              <a:t>4/8/21</a:t>
             </a:fld>
             <a:endParaRPr lang="en-US"/>
           </a:p>
@@ -4213,7 +4213,12 @@
             <p:ph type="subTitle" idx="1"/>
           </p:nvPr>
         </p:nvSpPr>
-        <p:spPr/>
+        <p:spPr>
+          <a:xfrm>
+            <a:off x="3177632" y="2085961"/>
+            <a:ext cx="8292317" cy="3322617"/>
+          </a:xfrm>
+        </p:spPr>
         <p:txBody>
           <a:bodyPr/>
           <a:lstStyle/>
@@ -8676,12 +8681,9 @@
 </file>
 
 <file path=customXml/item1.xml><?xml version="1.0" encoding="utf-8"?>
-<?mso-contentType ?>
-<FormTemplates xmlns="http://schemas.microsoft.com/sharepoint/v3/contenttype/forms">
-  <Display>DocumentLibraryForm</Display>
-  <Edit>DocumentLibraryForm</Edit>
-  <New>DocumentLibraryForm</New>
-</FormTemplates>
+<p:properties xmlns:p="http://schemas.microsoft.com/office/2006/metadata/properties" xmlns:xsi="http://www.w3.org/2001/XMLSchema-instance" xmlns:pc="http://schemas.microsoft.com/office/infopath/2007/PartnerControls">
+  <documentManagement/>
+</p:properties>
 </file>
 
 <file path=customXml/item2.xml><?xml version="1.0" encoding="utf-8"?>
@@ -8734,15 +8736,25 @@
 </file>
 
 <file path=customXml/item3.xml><?xml version="1.0" encoding="utf-8"?>
-<p:properties xmlns:p="http://schemas.microsoft.com/office/2006/metadata/properties" xmlns:xsi="http://www.w3.org/2001/XMLSchema-instance" xmlns:pc="http://schemas.microsoft.com/office/infopath/2007/PartnerControls">
-  <documentManagement/>
-</p:properties>
+<?mso-contentType ?>
+<FormTemplates xmlns="http://schemas.microsoft.com/sharepoint/v3/contenttype/forms">
+  <Display>DocumentLibraryForm</Display>
+  <Edit>DocumentLibraryForm</Edit>
+  <New>DocumentLibraryForm</New>
+</FormTemplates>
 </file>
 
 <file path=customXml/itemProps1.xml><?xml version="1.0" encoding="utf-8"?>
-<ds:datastoreItem xmlns:ds="http://schemas.openxmlformats.org/officeDocument/2006/customXml" ds:itemID="{19E20559-B232-4371-8690-E3D8007EDB82}">
+<ds:datastoreItem xmlns:ds="http://schemas.openxmlformats.org/officeDocument/2006/customXml" ds:itemID="{A50EC660-24D0-43A0-AE5E-E274115E726B}">
   <ds:schemaRefs>
-    <ds:schemaRef ds:uri="http://schemas.microsoft.com/sharepoint/v3/contenttype/forms"/>
+    <ds:schemaRef ds:uri="http://www.w3.org/XML/1998/namespace"/>
+    <ds:schemaRef ds:uri="http://schemas.microsoft.com/office/2006/documentManagement/types"/>
+    <ds:schemaRef ds:uri="http://purl.org/dc/elements/1.1/"/>
+    <ds:schemaRef ds:uri="http://purl.org/dc/terms/"/>
+    <ds:schemaRef ds:uri="http://schemas.openxmlformats.org/package/2006/metadata/core-properties"/>
+    <ds:schemaRef ds:uri="http://schemas.microsoft.com/office/2006/metadata/properties"/>
+    <ds:schemaRef ds:uri="http://purl.org/dc/dcmitype/"/>
+    <ds:schemaRef ds:uri="http://schemas.microsoft.com/office/infopath/2007/PartnerControls"/>
   </ds:schemaRefs>
 </ds:datastoreItem>
 </file>
@@ -8763,16 +8775,9 @@
 </file>
 
 <file path=customXml/itemProps3.xml><?xml version="1.0" encoding="utf-8"?>
-<ds:datastoreItem xmlns:ds="http://schemas.openxmlformats.org/officeDocument/2006/customXml" ds:itemID="{A50EC660-24D0-43A0-AE5E-E274115E726B}">
+<ds:datastoreItem xmlns:ds="http://schemas.openxmlformats.org/officeDocument/2006/customXml" ds:itemID="{19E20559-B232-4371-8690-E3D8007EDB82}">
   <ds:schemaRefs>
-    <ds:schemaRef ds:uri="http://www.w3.org/XML/1998/namespace"/>
-    <ds:schemaRef ds:uri="http://schemas.microsoft.com/office/2006/documentManagement/types"/>
-    <ds:schemaRef ds:uri="http://purl.org/dc/elements/1.1/"/>
-    <ds:schemaRef ds:uri="http://purl.org/dc/terms/"/>
-    <ds:schemaRef ds:uri="http://schemas.openxmlformats.org/package/2006/metadata/core-properties"/>
-    <ds:schemaRef ds:uri="http://schemas.microsoft.com/office/2006/metadata/properties"/>
-    <ds:schemaRef ds:uri="http://purl.org/dc/dcmitype/"/>
-    <ds:schemaRef ds:uri="http://schemas.microsoft.com/office/infopath/2007/PartnerControls"/>
+    <ds:schemaRef ds:uri="http://schemas.microsoft.com/sharepoint/v3/contenttype/forms"/>
   </ds:schemaRefs>
 </ds:datastoreItem>
 </file>
--- a/final-presentations/2021-04-12-ecpam/01-overview.pptx
+++ b/final-presentations/2021-04-12-ecpam/01-overview.pptx
@@ -263,7 +263,7 @@
           <a:p>
             <a:fld id="{0B842F42-2CE9-4E35-95C1-410DC08A50B1}" type="datetimeFigureOut">
               <a:rPr lang="en-US" smtClean="0"/>
-              <a:t>4/8/21</a:t>
+              <a:t>4/6/2021</a:t>
             </a:fld>
             <a:endParaRPr lang="en-US"/>
           </a:p>
@@ -428,7 +428,7 @@
           <a:p>
             <a:fld id="{6F282904-F315-4730-8D91-37D99E141A6F}" type="datetimeFigureOut">
               <a:rPr lang="en-US" smtClean="0"/>
-              <a:t>4/8/21</a:t>
+              <a:t>4/6/2021</a:t>
             </a:fld>
             <a:endParaRPr lang="en-US"/>
           </a:p>
@@ -4213,12 +4213,7 @@
             <p:ph type="subTitle" idx="1"/>
           </p:nvPr>
         </p:nvSpPr>
-        <p:spPr>
-          <a:xfrm>
-            <a:off x="3177632" y="2085961"/>
-            <a:ext cx="8292317" cy="3322617"/>
-          </a:xfrm>
-        </p:spPr>
+        <p:spPr/>
         <p:txBody>
           <a:bodyPr/>
           <a:lstStyle/>
@@ -8681,9 +8676,12 @@
 </file>
 
 <file path=customXml/item1.xml><?xml version="1.0" encoding="utf-8"?>
-<p:properties xmlns:p="http://schemas.microsoft.com/office/2006/metadata/properties" xmlns:xsi="http://www.w3.org/2001/XMLSchema-instance" xmlns:pc="http://schemas.microsoft.com/office/infopath/2007/PartnerControls">
-  <documentManagement/>
-</p:properties>
+<?mso-contentType ?>
+<FormTemplates xmlns="http://schemas.microsoft.com/sharepoint/v3/contenttype/forms">
+  <Display>DocumentLibraryForm</Display>
+  <Edit>DocumentLibraryForm</Edit>
+  <New>DocumentLibraryForm</New>
+</FormTemplates>
 </file>
 
 <file path=customXml/item2.xml><?xml version="1.0" encoding="utf-8"?>
@@ -8736,25 +8734,15 @@
 </file>
 
 <file path=customXml/item3.xml><?xml version="1.0" encoding="utf-8"?>
-<?mso-contentType ?>
-<FormTemplates xmlns="http://schemas.microsoft.com/sharepoint/v3/contenttype/forms">
-  <Display>DocumentLibraryForm</Display>
-  <Edit>DocumentLibraryForm</Edit>
-  <New>DocumentLibraryForm</New>
-</FormTemplates>
+<p:properties xmlns:p="http://schemas.microsoft.com/office/2006/metadata/properties" xmlns:xsi="http://www.w3.org/2001/XMLSchema-instance" xmlns:pc="http://schemas.microsoft.com/office/infopath/2007/PartnerControls">
+  <documentManagement/>
+</p:properties>
 </file>
 
 <file path=customXml/itemProps1.xml><?xml version="1.0" encoding="utf-8"?>
-<ds:datastoreItem xmlns:ds="http://schemas.openxmlformats.org/officeDocument/2006/customXml" ds:itemID="{A50EC660-24D0-43A0-AE5E-E274115E726B}">
+<ds:datastoreItem xmlns:ds="http://schemas.openxmlformats.org/officeDocument/2006/customXml" ds:itemID="{19E20559-B232-4371-8690-E3D8007EDB82}">
   <ds:schemaRefs>
-    <ds:schemaRef ds:uri="http://www.w3.org/XML/1998/namespace"/>
-    <ds:schemaRef ds:uri="http://schemas.microsoft.com/office/2006/documentManagement/types"/>
-    <ds:schemaRef ds:uri="http://purl.org/dc/elements/1.1/"/>
-    <ds:schemaRef ds:uri="http://purl.org/dc/terms/"/>
-    <ds:schemaRef ds:uri="http://schemas.openxmlformats.org/package/2006/metadata/core-properties"/>
-    <ds:schemaRef ds:uri="http://schemas.microsoft.com/office/2006/metadata/properties"/>
-    <ds:schemaRef ds:uri="http://purl.org/dc/dcmitype/"/>
-    <ds:schemaRef ds:uri="http://schemas.microsoft.com/office/infopath/2007/PartnerControls"/>
+    <ds:schemaRef ds:uri="http://schemas.microsoft.com/sharepoint/v3/contenttype/forms"/>
   </ds:schemaRefs>
 </ds:datastoreItem>
 </file>
@@ -8775,9 +8763,16 @@
 </file>
 
 <file path=customXml/itemProps3.xml><?xml version="1.0" encoding="utf-8"?>
-<ds:datastoreItem xmlns:ds="http://schemas.openxmlformats.org/officeDocument/2006/customXml" ds:itemID="{19E20559-B232-4371-8690-E3D8007EDB82}">
+<ds:datastoreItem xmlns:ds="http://schemas.openxmlformats.org/officeDocument/2006/customXml" ds:itemID="{A50EC660-24D0-43A0-AE5E-E274115E726B}">
   <ds:schemaRefs>
-    <ds:schemaRef ds:uri="http://schemas.microsoft.com/sharepoint/v3/contenttype/forms"/>
+    <ds:schemaRef ds:uri="http://www.w3.org/XML/1998/namespace"/>
+    <ds:schemaRef ds:uri="http://schemas.microsoft.com/office/2006/documentManagement/types"/>
+    <ds:schemaRef ds:uri="http://purl.org/dc/elements/1.1/"/>
+    <ds:schemaRef ds:uri="http://purl.org/dc/terms/"/>
+    <ds:schemaRef ds:uri="http://schemas.openxmlformats.org/package/2006/metadata/core-properties"/>
+    <ds:schemaRef ds:uri="http://schemas.microsoft.com/office/2006/metadata/properties"/>
+    <ds:schemaRef ds:uri="http://purl.org/dc/dcmitype/"/>
+    <ds:schemaRef ds:uri="http://schemas.microsoft.com/office/infopath/2007/PartnerControls"/>
   </ds:schemaRefs>
 </ds:datastoreItem>
 </file>
--- a/final-presentations/2021-04-12-ecpam/01-overview.pptx
+++ b/final-presentations/2021-04-12-ecpam/01-overview.pptx
@@ -5,14 +5,14 @@
     <p:sldMasterId id="2147483935" r:id="rId4"/>
   </p:sldMasterIdLst>
   <p:notesMasterIdLst>
-    <p:notesMasterId r:id="rId14"/>
+    <p:notesMasterId r:id="rId15"/>
   </p:notesMasterIdLst>
   <p:handoutMasterIdLst>
-    <p:handoutMasterId r:id="rId15"/>
+    <p:handoutMasterId r:id="rId16"/>
   </p:handoutMasterIdLst>
   <p:sldIdLst>
     <p:sldId id="318" r:id="rId5"/>
-    <p:sldId id="320" r:id="rId6"/>
+    <p:sldId id="1849" r:id="rId6"/>
     <p:sldId id="1819" r:id="rId7"/>
     <p:sldId id="1822" r:id="rId8"/>
     <p:sldId id="1821" r:id="rId9"/>
@@ -20,6 +20,7 @@
     <p:sldId id="1847" r:id="rId11"/>
     <p:sldId id="1848" r:id="rId12"/>
     <p:sldId id="1845" r:id="rId13"/>
+    <p:sldId id="260" r:id="rId14"/>
   </p:sldIdLst>
   <p:sldSz cx="12188825" cy="6858000"/>
   <p:notesSz cx="7010400" cy="9296400"/>
@@ -263,7 +264,7 @@
           <a:p>
             <a:fld id="{0B842F42-2CE9-4E35-95C1-410DC08A50B1}" type="datetimeFigureOut">
               <a:rPr lang="en-US" smtClean="0"/>
-              <a:t>4/6/2021</a:t>
+              <a:t>4/10/2021</a:t>
             </a:fld>
             <a:endParaRPr lang="en-US"/>
           </a:p>
@@ -428,7 +429,7 @@
           <a:p>
             <a:fld id="{6F282904-F315-4730-8D91-37D99E141A6F}" type="datetimeFigureOut">
               <a:rPr lang="en-US" smtClean="0"/>
-              <a:t>4/6/2021</a:t>
+              <a:t>4/10/2021</a:t>
             </a:fld>
             <a:endParaRPr lang="en-US"/>
           </a:p>
@@ -4226,7 +4227,7 @@
               <a:rPr lang="en-US" u="sng" dirty="0"/>
             </a:br>
             <a:r>
-              <a:rPr lang="en-US" sz="2400" dirty="0"/>
+              <a:rPr lang="en-US" sz="2000" dirty="0"/>
               <a:t>Los Alamos National Laboratory</a:t>
             </a:r>
             <a:endParaRPr lang="en-US" dirty="0"/>
@@ -4240,9 +4241,10 @@
               <a:rPr lang="en-US" u="sng" dirty="0"/>
             </a:br>
             <a:r>
-              <a:rPr lang="en-US" sz="2400" dirty="0"/>
+              <a:rPr lang="en-US" sz="2000" dirty="0"/>
               <a:t>Oak Ridge National Laboratory</a:t>
             </a:r>
+            <a:endParaRPr lang="en-US" sz="2400" dirty="0"/>
           </a:p>
           <a:p>
             <a:r>
@@ -4253,14 +4255,14 @@
               <a:rPr lang="en-US" dirty="0"/>
             </a:br>
             <a:r>
-              <a:rPr lang="en-US" sz="2400" dirty="0"/>
+              <a:rPr lang="en-US" sz="2000" dirty="0"/>
               <a:t>Argonne National Laboratory</a:t>
             </a:r>
             <a:endParaRPr lang="en-US" dirty="0"/>
           </a:p>
           <a:p>
             <a:r>
-              <a:rPr lang="en-US" sz="2400" dirty="0"/>
+              <a:rPr lang="en-US" sz="2000" dirty="0"/>
               <a:t>Developing a Testing and Continuous Integration Strategy for your Team tutorial @ ECP Annual Meeting, April 2021</a:t>
             </a:r>
           </a:p>
@@ -4389,10 +4391,1165 @@
           </a:prstGeom>
         </p:spPr>
       </p:pic>
+      <p:sp>
+        <p:nvSpPr>
+          <p:cNvPr id="8" name="TextBox 7">
+            <a:extLst>
+              <a:ext uri="{FF2B5EF4-FFF2-40B4-BE49-F238E27FC236}">
+                <a16:creationId xmlns:a16="http://schemas.microsoft.com/office/drawing/2014/main" id="{F0AEE0AB-5103-49F8-9154-8E3BB4E0401F}"/>
+              </a:ext>
+            </a:extLst>
+          </p:cNvPr>
+          <p:cNvSpPr txBox="1"/>
+          <p:nvPr/>
+        </p:nvSpPr>
+        <p:spPr>
+          <a:xfrm>
+            <a:off x="10853487" y="5906190"/>
+            <a:ext cx="1335338" cy="276999"/>
+          </a:xfrm>
+          <a:prstGeom prst="rect">
+            <a:avLst/>
+          </a:prstGeom>
+          <a:noFill/>
+        </p:spPr>
+        <p:txBody>
+          <a:bodyPr wrap="square">
+            <a:spAutoFit/>
+          </a:bodyPr>
+          <a:lstStyle/>
+          <a:p>
+            <a:r>
+              <a:rPr lang="en-US" sz="1200" dirty="0">
+                <a:solidFill>
+                  <a:srgbClr val="000000"/>
+                </a:solidFill>
+                <a:effectLst/>
+                <a:latin typeface="+mn-lt"/>
+                <a:ea typeface="Calibri" panose="020F0502020204030204" pitchFamily="34" charset="0"/>
+                <a:cs typeface="Calibri" panose="020F0502020204030204" pitchFamily="34" charset="0"/>
+              </a:rPr>
+              <a:t>LA-UR-21-23406</a:t>
+            </a:r>
+            <a:endParaRPr lang="en-US" sz="1200" dirty="0">
+              <a:latin typeface="+mn-lt"/>
+            </a:endParaRPr>
+          </a:p>
+        </p:txBody>
+      </p:sp>
     </p:spTree>
     <p:extLst>
       <p:ext uri="{BB962C8B-B14F-4D97-AF65-F5344CB8AC3E}">
         <p14:creationId xmlns:p14="http://schemas.microsoft.com/office/powerpoint/2010/main" val="136510035"/>
+      </p:ext>
+    </p:extLst>
+  </p:cSld>
+  <p:clrMapOvr>
+    <a:masterClrMapping/>
+  </p:clrMapOvr>
+</p:sld>
+</file>
+
+<file path=ppt/slides/slide10.xml><?xml version="1.0" encoding="utf-8"?>
+<p:sld xmlns:a="http://schemas.openxmlformats.org/drawingml/2006/main" xmlns:r="http://schemas.openxmlformats.org/officeDocument/2006/relationships" xmlns:p="http://schemas.openxmlformats.org/presentationml/2006/main">
+  <p:cSld>
+    <p:spTree>
+      <p:nvGrpSpPr>
+        <p:cNvPr id="1" name=""/>
+        <p:cNvGrpSpPr/>
+        <p:nvPr/>
+      </p:nvGrpSpPr>
+      <p:grpSpPr>
+        <a:xfrm>
+          <a:off x="0" y="0"/>
+          <a:ext cx="0" cy="0"/>
+          <a:chOff x="0" y="0"/>
+          <a:chExt cx="0" cy="0"/>
+        </a:xfrm>
+      </p:grpSpPr>
+      <p:sp>
+        <p:nvSpPr>
+          <p:cNvPr id="2" name="Title 1">
+            <a:extLst>
+              <a:ext uri="{FF2B5EF4-FFF2-40B4-BE49-F238E27FC236}">
+                <a16:creationId xmlns:a16="http://schemas.microsoft.com/office/drawing/2014/main" id="{2D652AD8-340F-4E8B-B0C4-7ABAA20B6F6A}"/>
+              </a:ext>
+            </a:extLst>
+          </p:cNvPr>
+          <p:cNvSpPr>
+            <a:spLocks noGrp="1"/>
+          </p:cNvSpPr>
+          <p:nvPr>
+            <p:ph type="title"/>
+          </p:nvPr>
+        </p:nvSpPr>
+        <p:spPr/>
+        <p:txBody>
+          <a:bodyPr/>
+          <a:lstStyle/>
+          <a:p>
+            <a:r>
+              <a:rPr lang="en-US" dirty="0"/>
+              <a:t>Agenda</a:t>
+            </a:r>
+          </a:p>
+        </p:txBody>
+      </p:sp>
+      <p:graphicFrame>
+        <p:nvGraphicFramePr>
+          <p:cNvPr id="4" name="Content Placeholder 3">
+            <a:extLst>
+              <a:ext uri="{FF2B5EF4-FFF2-40B4-BE49-F238E27FC236}">
+                <a16:creationId xmlns:a16="http://schemas.microsoft.com/office/drawing/2014/main" id="{A0943BB2-2F98-4DD2-873B-1E619A0C771D}"/>
+              </a:ext>
+            </a:extLst>
+          </p:cNvPr>
+          <p:cNvGraphicFramePr>
+            <a:graphicFrameLocks noGrp="1"/>
+          </p:cNvGraphicFramePr>
+          <p:nvPr>
+            <p:ph idx="1"/>
+          </p:nvPr>
+        </p:nvGraphicFramePr>
+        <p:xfrm>
+          <a:off x="1055369" y="916940"/>
+          <a:ext cx="10042603" cy="2778760"/>
+        </p:xfrm>
+        <a:graphic>
+          <a:graphicData uri="http://schemas.openxmlformats.org/drawingml/2006/table">
+            <a:tbl>
+              <a:tblPr firstRow="1" bandRow="1">
+                <a:tableStyleId>{5C22544A-7EE6-4342-B048-85BDC9FD1C3A}</a:tableStyleId>
+              </a:tblPr>
+              <a:tblGrid>
+                <a:gridCol w="1790700">
+                  <a:extLst>
+                    <a:ext uri="{9D8B030D-6E8A-4147-A177-3AD203B41FA5}">
+                      <a16:colId xmlns:a16="http://schemas.microsoft.com/office/drawing/2014/main" val="3446576009"/>
+                    </a:ext>
+                  </a:extLst>
+                </a:gridCol>
+                <a:gridCol w="1003610">
+                  <a:extLst>
+                    <a:ext uri="{9D8B030D-6E8A-4147-A177-3AD203B41FA5}">
+                      <a16:colId xmlns:a16="http://schemas.microsoft.com/office/drawing/2014/main" val="339314737"/>
+                    </a:ext>
+                  </a:extLst>
+                </a:gridCol>
+                <a:gridCol w="4293220">
+                  <a:extLst>
+                    <a:ext uri="{9D8B030D-6E8A-4147-A177-3AD203B41FA5}">
+                      <a16:colId xmlns:a16="http://schemas.microsoft.com/office/drawing/2014/main" val="1263998808"/>
+                    </a:ext>
+                  </a:extLst>
+                </a:gridCol>
+                <a:gridCol w="2955073">
+                  <a:extLst>
+                    <a:ext uri="{9D8B030D-6E8A-4147-A177-3AD203B41FA5}">
+                      <a16:colId xmlns:a16="http://schemas.microsoft.com/office/drawing/2014/main" val="4097899022"/>
+                    </a:ext>
+                  </a:extLst>
+                </a:gridCol>
+              </a:tblGrid>
+              <a:tr h="370840">
+                <a:tc>
+                  <a:txBody>
+                    <a:bodyPr/>
+                    <a:lstStyle/>
+                    <a:p>
+                      <a:pPr algn="l">
+                        <a:lnSpc>
+                          <a:spcPct val="100000"/>
+                        </a:lnSpc>
+                      </a:pPr>
+                      <a:r>
+                        <a:rPr lang="en-US" sz="1800" dirty="0">
+                          <a:latin typeface="+mn-lt"/>
+                        </a:rPr>
+                        <a:t>Time (EDT)</a:t>
+                      </a:r>
+                    </a:p>
+                  </a:txBody>
+                  <a:tcPr/>
+                </a:tc>
+                <a:tc>
+                  <a:txBody>
+                    <a:bodyPr/>
+                    <a:lstStyle/>
+                    <a:p>
+                      <a:pPr>
+                        <a:lnSpc>
+                          <a:spcPct val="100000"/>
+                        </a:lnSpc>
+                      </a:pPr>
+                      <a:r>
+                        <a:rPr lang="en-US" sz="1800" dirty="0">
+                          <a:latin typeface="+mn-lt"/>
+                        </a:rPr>
+                        <a:t>Module</a:t>
+                      </a:r>
+                    </a:p>
+                  </a:txBody>
+                  <a:tcPr/>
+                </a:tc>
+                <a:tc>
+                  <a:txBody>
+                    <a:bodyPr/>
+                    <a:lstStyle/>
+                    <a:p>
+                      <a:pPr>
+                        <a:lnSpc>
+                          <a:spcPct val="100000"/>
+                        </a:lnSpc>
+                      </a:pPr>
+                      <a:r>
+                        <a:rPr lang="en-US" sz="1800" dirty="0">
+                          <a:latin typeface="+mn-lt"/>
+                        </a:rPr>
+                        <a:t>Topic</a:t>
+                      </a:r>
+                    </a:p>
+                  </a:txBody>
+                  <a:tcPr/>
+                </a:tc>
+                <a:tc>
+                  <a:txBody>
+                    <a:bodyPr/>
+                    <a:lstStyle/>
+                    <a:p>
+                      <a:pPr>
+                        <a:lnSpc>
+                          <a:spcPct val="100000"/>
+                        </a:lnSpc>
+                      </a:pPr>
+                      <a:r>
+                        <a:rPr lang="en-US" sz="1800" dirty="0">
+                          <a:latin typeface="+mn-lt"/>
+                        </a:rPr>
+                        <a:t>Speaker</a:t>
+                      </a:r>
+                    </a:p>
+                  </a:txBody>
+                  <a:tcPr/>
+                </a:tc>
+                <a:extLst>
+                  <a:ext uri="{0D108BD9-81ED-4DB2-BD59-A6C34878D82A}">
+                    <a16:rowId xmlns:a16="http://schemas.microsoft.com/office/drawing/2014/main" val="3602420430"/>
+                  </a:ext>
+                </a:extLst>
+              </a:tr>
+              <a:tr h="370840">
+                <a:tc>
+                  <a:txBody>
+                    <a:bodyPr/>
+                    <a:lstStyle/>
+                    <a:p>
+                      <a:pPr rtl="0" fontAlgn="t">
+                        <a:spcBef>
+                          <a:spcPts val="0"/>
+                        </a:spcBef>
+                        <a:spcAft>
+                          <a:spcPts val="0"/>
+                        </a:spcAft>
+                      </a:pPr>
+                      <a:r>
+                        <a:rPr lang="en-US" sz="1800" b="0" i="0" u="none" strike="noStrike" dirty="0">
+                          <a:solidFill>
+                            <a:srgbClr val="000000"/>
+                          </a:solidFill>
+                          <a:effectLst/>
+                          <a:latin typeface="+mn-lt"/>
+                        </a:rPr>
+                        <a:t>2:30-2:35pm</a:t>
+                      </a:r>
+                      <a:endParaRPr lang="en-US" sz="1800" dirty="0">
+                        <a:effectLst/>
+                        <a:latin typeface="+mn-lt"/>
+                      </a:endParaRPr>
+                    </a:p>
+                  </a:txBody>
+                  <a:tcPr marL="63500" marR="63500" marT="63500" marB="63500"/>
+                </a:tc>
+                <a:tc>
+                  <a:txBody>
+                    <a:bodyPr/>
+                    <a:lstStyle/>
+                    <a:p>
+                      <a:pPr>
+                        <a:lnSpc>
+                          <a:spcPct val="100000"/>
+                        </a:lnSpc>
+                      </a:pPr>
+                      <a:r>
+                        <a:rPr lang="en-US" sz="1800" dirty="0">
+                          <a:latin typeface="+mn-lt"/>
+                        </a:rPr>
+                        <a:t>00</a:t>
+                      </a:r>
+                    </a:p>
+                  </a:txBody>
+                  <a:tcPr/>
+                </a:tc>
+                <a:tc>
+                  <a:txBody>
+                    <a:bodyPr/>
+                    <a:lstStyle/>
+                    <a:p>
+                      <a:pPr>
+                        <a:lnSpc>
+                          <a:spcPct val="100000"/>
+                        </a:lnSpc>
+                      </a:pPr>
+                      <a:r>
+                        <a:rPr lang="en-US" sz="1800" b="0" i="0" u="none" strike="noStrike" kern="1200" dirty="0">
+                          <a:solidFill>
+                            <a:schemeClr val="dk1"/>
+                          </a:solidFill>
+                          <a:effectLst/>
+                          <a:latin typeface="+mn-lt"/>
+                          <a:ea typeface="+mn-ea"/>
+                          <a:cs typeface="+mn-cs"/>
+                        </a:rPr>
+                        <a:t>Introduction</a:t>
+                      </a:r>
+                      <a:endParaRPr lang="en-US" sz="1800" dirty="0">
+                        <a:latin typeface="+mn-lt"/>
+                      </a:endParaRPr>
+                    </a:p>
+                  </a:txBody>
+                  <a:tcPr/>
+                </a:tc>
+                <a:tc>
+                  <a:txBody>
+                    <a:bodyPr/>
+                    <a:lstStyle/>
+                    <a:p>
+                      <a:pPr>
+                        <a:lnSpc>
+                          <a:spcPct val="100000"/>
+                        </a:lnSpc>
+                      </a:pPr>
+                      <a:r>
+                        <a:rPr lang="en-US" sz="1800" dirty="0">
+                          <a:latin typeface="+mn-lt"/>
+                        </a:rPr>
+                        <a:t>David E. Bernholdt, ORNL</a:t>
+                      </a:r>
+                    </a:p>
+                  </a:txBody>
+                  <a:tcPr/>
+                </a:tc>
+                <a:extLst>
+                  <a:ext uri="{0D108BD9-81ED-4DB2-BD59-A6C34878D82A}">
+                    <a16:rowId xmlns:a16="http://schemas.microsoft.com/office/drawing/2014/main" val="4236476034"/>
+                  </a:ext>
+                </a:extLst>
+              </a:tr>
+              <a:tr h="370840">
+                <a:tc>
+                  <a:txBody>
+                    <a:bodyPr/>
+                    <a:lstStyle/>
+                    <a:p>
+                      <a:pPr rtl="0" fontAlgn="t">
+                        <a:spcBef>
+                          <a:spcPts val="0"/>
+                        </a:spcBef>
+                        <a:spcAft>
+                          <a:spcPts val="0"/>
+                        </a:spcAft>
+                      </a:pPr>
+                      <a:r>
+                        <a:rPr lang="en-US" sz="1800" b="0" i="0" u="none" strike="noStrike" dirty="0">
+                          <a:solidFill>
+                            <a:srgbClr val="000000"/>
+                          </a:solidFill>
+                          <a:effectLst/>
+                          <a:latin typeface="+mn-lt"/>
+                        </a:rPr>
+                        <a:t>2:35pm-2:40pm</a:t>
+                      </a:r>
+                      <a:endParaRPr lang="en-US" sz="1800" dirty="0">
+                        <a:effectLst/>
+                        <a:latin typeface="+mn-lt"/>
+                      </a:endParaRPr>
+                    </a:p>
+                  </a:txBody>
+                  <a:tcPr marL="63500" marR="63500" marT="63500" marB="63500"/>
+                </a:tc>
+                <a:tc>
+                  <a:txBody>
+                    <a:bodyPr/>
+                    <a:lstStyle/>
+                    <a:p>
+                      <a:pPr marL="0" marR="0" lvl="0" indent="0" algn="l" defTabSz="914400" rtl="0" eaLnBrk="1" fontAlgn="auto" latinLnBrk="0" hangingPunct="1">
+                        <a:lnSpc>
+                          <a:spcPct val="100000"/>
+                        </a:lnSpc>
+                        <a:spcBef>
+                          <a:spcPts val="0"/>
+                        </a:spcBef>
+                        <a:spcAft>
+                          <a:spcPts val="0"/>
+                        </a:spcAft>
+                        <a:buClrTx/>
+                        <a:buSzTx/>
+                        <a:buFontTx/>
+                        <a:buNone/>
+                        <a:tabLst/>
+                        <a:defRPr/>
+                      </a:pPr>
+                      <a:r>
+                        <a:rPr lang="en-US" sz="1800" dirty="0">
+                          <a:latin typeface="+mn-lt"/>
+                        </a:rPr>
+                        <a:t>01</a:t>
+                      </a:r>
+                    </a:p>
+                  </a:txBody>
+                  <a:tcPr/>
+                </a:tc>
+                <a:tc>
+                  <a:txBody>
+                    <a:bodyPr/>
+                    <a:lstStyle/>
+                    <a:p>
+                      <a:pPr marL="0" marR="0" lvl="0" indent="0" algn="l" defTabSz="914400" rtl="0" eaLnBrk="1" fontAlgn="auto" latinLnBrk="0" hangingPunct="1">
+                        <a:lnSpc>
+                          <a:spcPct val="100000"/>
+                        </a:lnSpc>
+                        <a:spcBef>
+                          <a:spcPts val="0"/>
+                        </a:spcBef>
+                        <a:spcAft>
+                          <a:spcPts val="0"/>
+                        </a:spcAft>
+                        <a:buClrTx/>
+                        <a:buSzTx/>
+                        <a:buFontTx/>
+                        <a:buNone/>
+                        <a:tabLst/>
+                        <a:defRPr/>
+                      </a:pPr>
+                      <a:r>
+                        <a:rPr lang="en-US" sz="1800" b="0" i="0" u="none" strike="noStrike" kern="1200" dirty="0">
+                          <a:solidFill>
+                            <a:schemeClr val="dk1"/>
+                          </a:solidFill>
+                          <a:effectLst/>
+                          <a:latin typeface="+mn-lt"/>
+                          <a:ea typeface="+mn-ea"/>
+                          <a:cs typeface="+mn-cs"/>
+                        </a:rPr>
+                        <a:t>Motivation and Overview</a:t>
+                      </a:r>
+                      <a:endParaRPr lang="en-US" sz="1800" dirty="0">
+                        <a:latin typeface="+mn-lt"/>
+                      </a:endParaRPr>
+                    </a:p>
+                  </a:txBody>
+                  <a:tcPr/>
+                </a:tc>
+                <a:tc>
+                  <a:txBody>
+                    <a:bodyPr/>
+                    <a:lstStyle/>
+                    <a:p>
+                      <a:pPr marL="0" marR="0" lvl="0" indent="0" algn="l" defTabSz="914400" rtl="0" eaLnBrk="1" fontAlgn="auto" latinLnBrk="0" hangingPunct="1">
+                        <a:lnSpc>
+                          <a:spcPct val="100000"/>
+                        </a:lnSpc>
+                        <a:spcBef>
+                          <a:spcPts val="0"/>
+                        </a:spcBef>
+                        <a:spcAft>
+                          <a:spcPts val="0"/>
+                        </a:spcAft>
+                        <a:buClrTx/>
+                        <a:buSzTx/>
+                        <a:buFontTx/>
+                        <a:buNone/>
+                        <a:tabLst/>
+                        <a:defRPr/>
+                      </a:pPr>
+                      <a:r>
+                        <a:rPr lang="en-US" sz="1800" dirty="0">
+                          <a:latin typeface="+mn-lt"/>
+                        </a:rPr>
+                        <a:t>Patricia A. Grubel, LANL</a:t>
+                      </a:r>
+                    </a:p>
+                  </a:txBody>
+                  <a:tcPr/>
+                </a:tc>
+                <a:extLst>
+                  <a:ext uri="{0D108BD9-81ED-4DB2-BD59-A6C34878D82A}">
+                    <a16:rowId xmlns:a16="http://schemas.microsoft.com/office/drawing/2014/main" val="18592124"/>
+                  </a:ext>
+                </a:extLst>
+              </a:tr>
+              <a:tr h="370840">
+                <a:tc>
+                  <a:txBody>
+                    <a:bodyPr/>
+                    <a:lstStyle/>
+                    <a:p>
+                      <a:pPr rtl="0" fontAlgn="t">
+                        <a:spcBef>
+                          <a:spcPts val="0"/>
+                        </a:spcBef>
+                        <a:spcAft>
+                          <a:spcPts val="0"/>
+                        </a:spcAft>
+                      </a:pPr>
+                      <a:r>
+                        <a:rPr lang="en-US" sz="1800" b="0" i="0" u="none" strike="noStrike" dirty="0">
+                          <a:solidFill>
+                            <a:schemeClr val="tx1"/>
+                          </a:solidFill>
+                          <a:effectLst/>
+                          <a:latin typeface="+mn-lt"/>
+                        </a:rPr>
+                        <a:t>2:40pm-3:00pm</a:t>
+                      </a:r>
+                      <a:endParaRPr lang="en-US" sz="1800" i="0" dirty="0">
+                        <a:solidFill>
+                          <a:schemeClr val="tx1"/>
+                        </a:solidFill>
+                        <a:effectLst/>
+                        <a:latin typeface="+mn-lt"/>
+                      </a:endParaRPr>
+                    </a:p>
+                  </a:txBody>
+                  <a:tcPr marL="63500" marR="63500" marT="63500" marB="63500"/>
+                </a:tc>
+                <a:tc>
+                  <a:txBody>
+                    <a:bodyPr/>
+                    <a:lstStyle/>
+                    <a:p>
+                      <a:pPr>
+                        <a:lnSpc>
+                          <a:spcPct val="100000"/>
+                        </a:lnSpc>
+                      </a:pPr>
+                      <a:r>
+                        <a:rPr lang="en-US" sz="1800" i="0" dirty="0">
+                          <a:solidFill>
+                            <a:schemeClr val="tx1"/>
+                          </a:solidFill>
+                          <a:latin typeface="+mn-lt"/>
+                        </a:rPr>
+                        <a:t>02</a:t>
+                      </a:r>
+                    </a:p>
+                  </a:txBody>
+                  <a:tcPr/>
+                </a:tc>
+                <a:tc>
+                  <a:txBody>
+                    <a:bodyPr/>
+                    <a:lstStyle/>
+                    <a:p>
+                      <a:pPr marL="0" marR="0" lvl="0" indent="0" algn="l" defTabSz="914400" rtl="0" eaLnBrk="1" fontAlgn="auto" latinLnBrk="0" hangingPunct="1">
+                        <a:lnSpc>
+                          <a:spcPct val="100000"/>
+                        </a:lnSpc>
+                        <a:spcBef>
+                          <a:spcPts val="0"/>
+                        </a:spcBef>
+                        <a:spcAft>
+                          <a:spcPts val="0"/>
+                        </a:spcAft>
+                        <a:buClrTx/>
+                        <a:buSzTx/>
+                        <a:buFontTx/>
+                        <a:buNone/>
+                        <a:tabLst/>
+                        <a:defRPr/>
+                      </a:pPr>
+                      <a:r>
+                        <a:rPr lang="en-US" sz="1800" i="0" dirty="0">
+                          <a:solidFill>
+                            <a:schemeClr val="tx1"/>
+                          </a:solidFill>
+                          <a:latin typeface="+mn-lt"/>
+                        </a:rPr>
+                        <a:t>Software Testing 1</a:t>
+                      </a:r>
+                    </a:p>
+                  </a:txBody>
+                  <a:tcPr/>
+                </a:tc>
+                <a:tc>
+                  <a:txBody>
+                    <a:bodyPr/>
+                    <a:lstStyle/>
+                    <a:p>
+                      <a:pPr marL="0" marR="0" lvl="0" indent="0" algn="l" defTabSz="914400" rtl="0" eaLnBrk="1" fontAlgn="auto" latinLnBrk="0" hangingPunct="1">
+                        <a:lnSpc>
+                          <a:spcPct val="100000"/>
+                        </a:lnSpc>
+                        <a:spcBef>
+                          <a:spcPts val="0"/>
+                        </a:spcBef>
+                        <a:spcAft>
+                          <a:spcPts val="0"/>
+                        </a:spcAft>
+                        <a:buClrTx/>
+                        <a:buSzTx/>
+                        <a:buFontTx/>
+                        <a:buNone/>
+                        <a:tabLst/>
+                        <a:defRPr/>
+                      </a:pPr>
+                      <a:r>
+                        <a:rPr lang="en-US" sz="1800" dirty="0">
+                          <a:latin typeface="+mn-lt"/>
+                        </a:rPr>
+                        <a:t>Patricia A. Grubel, LANL</a:t>
+                      </a:r>
+                    </a:p>
+                  </a:txBody>
+                  <a:tcPr/>
+                </a:tc>
+                <a:extLst>
+                  <a:ext uri="{0D108BD9-81ED-4DB2-BD59-A6C34878D82A}">
+                    <a16:rowId xmlns:a16="http://schemas.microsoft.com/office/drawing/2014/main" val="1922613886"/>
+                  </a:ext>
+                </a:extLst>
+              </a:tr>
+              <a:tr h="370840">
+                <a:tc>
+                  <a:txBody>
+                    <a:bodyPr/>
+                    <a:lstStyle/>
+                    <a:p>
+                      <a:pPr rtl="0" fontAlgn="t">
+                        <a:spcBef>
+                          <a:spcPts val="0"/>
+                        </a:spcBef>
+                        <a:spcAft>
+                          <a:spcPts val="0"/>
+                        </a:spcAft>
+                      </a:pPr>
+                      <a:r>
+                        <a:rPr lang="en-US" sz="1800" dirty="0">
+                          <a:effectLst/>
+                          <a:latin typeface="+mn-lt"/>
+                        </a:rPr>
+                        <a:t>3:00pm-3:25pm</a:t>
+                      </a:r>
+                    </a:p>
+                  </a:txBody>
+                  <a:tcPr marL="63500" marR="63500" marT="63500" marB="63500"/>
+                </a:tc>
+                <a:tc>
+                  <a:txBody>
+                    <a:bodyPr/>
+                    <a:lstStyle/>
+                    <a:p>
+                      <a:pPr>
+                        <a:lnSpc>
+                          <a:spcPct val="100000"/>
+                        </a:lnSpc>
+                      </a:pPr>
+                      <a:r>
+                        <a:rPr lang="en-US" sz="1800" i="0" dirty="0">
+                          <a:latin typeface="+mn-lt"/>
+                        </a:rPr>
+                        <a:t>03</a:t>
+                      </a:r>
+                    </a:p>
+                  </a:txBody>
+                  <a:tcPr/>
+                </a:tc>
+                <a:tc>
+                  <a:txBody>
+                    <a:bodyPr/>
+                    <a:lstStyle/>
+                    <a:p>
+                      <a:pPr>
+                        <a:lnSpc>
+                          <a:spcPct val="100000"/>
+                        </a:lnSpc>
+                      </a:pPr>
+                      <a:r>
+                        <a:rPr lang="en-US" sz="1800" i="0" dirty="0">
+                          <a:latin typeface="+mn-lt"/>
+                        </a:rPr>
+                        <a:t>Software Testing 2</a:t>
+                      </a:r>
+                    </a:p>
+                  </a:txBody>
+                  <a:tcPr/>
+                </a:tc>
+                <a:tc>
+                  <a:txBody>
+                    <a:bodyPr/>
+                    <a:lstStyle/>
+                    <a:p>
+                      <a:pPr marL="0" marR="0" lvl="0" indent="0" algn="l" defTabSz="914400" rtl="0" eaLnBrk="1" fontAlgn="auto" latinLnBrk="0" hangingPunct="1">
+                        <a:lnSpc>
+                          <a:spcPct val="100000"/>
+                        </a:lnSpc>
+                        <a:spcBef>
+                          <a:spcPts val="0"/>
+                        </a:spcBef>
+                        <a:spcAft>
+                          <a:spcPts val="0"/>
+                        </a:spcAft>
+                        <a:buClrTx/>
+                        <a:buSzTx/>
+                        <a:buFontTx/>
+                        <a:buNone/>
+                        <a:tabLst/>
+                        <a:defRPr/>
+                      </a:pPr>
+                      <a:r>
+                        <a:rPr lang="en-US" sz="1800" dirty="0">
+                          <a:latin typeface="+mn-lt"/>
+                        </a:rPr>
+                        <a:t>David E. Bernholdt, ORNL</a:t>
+                      </a:r>
+                    </a:p>
+                  </a:txBody>
+                  <a:tcPr/>
+                </a:tc>
+                <a:extLst>
+                  <a:ext uri="{0D108BD9-81ED-4DB2-BD59-A6C34878D82A}">
+                    <a16:rowId xmlns:a16="http://schemas.microsoft.com/office/drawing/2014/main" val="387858574"/>
+                  </a:ext>
+                </a:extLst>
+              </a:tr>
+              <a:tr h="370840">
+                <a:tc>
+                  <a:txBody>
+                    <a:bodyPr/>
+                    <a:lstStyle/>
+                    <a:p>
+                      <a:pPr rtl="0" fontAlgn="t">
+                        <a:spcBef>
+                          <a:spcPts val="0"/>
+                        </a:spcBef>
+                        <a:spcAft>
+                          <a:spcPts val="0"/>
+                        </a:spcAft>
+                      </a:pPr>
+                      <a:r>
+                        <a:rPr lang="en-US" sz="1800" dirty="0">
+                          <a:effectLst/>
+                          <a:latin typeface="+mn-lt"/>
+                        </a:rPr>
+                        <a:t>3:25pm-3:55pm</a:t>
+                      </a:r>
+                    </a:p>
+                  </a:txBody>
+                  <a:tcPr marL="63500" marR="63500" marT="63500" marB="63500"/>
+                </a:tc>
+                <a:tc>
+                  <a:txBody>
+                    <a:bodyPr/>
+                    <a:lstStyle/>
+                    <a:p>
+                      <a:pPr>
+                        <a:lnSpc>
+                          <a:spcPct val="100000"/>
+                        </a:lnSpc>
+                      </a:pPr>
+                      <a:r>
+                        <a:rPr lang="en-US" sz="1800" i="0" dirty="0">
+                          <a:latin typeface="+mn-lt"/>
+                        </a:rPr>
+                        <a:t>04</a:t>
+                      </a:r>
+                    </a:p>
+                  </a:txBody>
+                  <a:tcPr/>
+                </a:tc>
+                <a:tc>
+                  <a:txBody>
+                    <a:bodyPr/>
+                    <a:lstStyle/>
+                    <a:p>
+                      <a:pPr>
+                        <a:lnSpc>
+                          <a:spcPct val="100000"/>
+                        </a:lnSpc>
+                      </a:pPr>
+                      <a:r>
+                        <a:rPr lang="en-US" sz="1800" i="0" dirty="0">
+                          <a:latin typeface="+mn-lt"/>
+                        </a:rPr>
+                        <a:t>Continuous Integration</a:t>
+                      </a:r>
+                    </a:p>
+                  </a:txBody>
+                  <a:tcPr/>
+                </a:tc>
+                <a:tc>
+                  <a:txBody>
+                    <a:bodyPr/>
+                    <a:lstStyle/>
+                    <a:p>
+                      <a:pPr>
+                        <a:lnSpc>
+                          <a:spcPct val="100000"/>
+                        </a:lnSpc>
+                      </a:pPr>
+                      <a:r>
+                        <a:rPr lang="en-US" sz="1800" dirty="0">
+                          <a:latin typeface="+mn-lt"/>
+                        </a:rPr>
+                        <a:t>James M. </a:t>
+                      </a:r>
+                      <a:r>
+                        <a:rPr lang="en-US" sz="1800" dirty="0" err="1">
+                          <a:latin typeface="+mn-lt"/>
+                        </a:rPr>
+                        <a:t>Willenbring</a:t>
+                      </a:r>
+                      <a:r>
+                        <a:rPr lang="en-US" sz="1800" dirty="0">
+                          <a:latin typeface="+mn-lt"/>
+                        </a:rPr>
+                        <a:t>, SNL</a:t>
+                      </a:r>
+                    </a:p>
+                  </a:txBody>
+                  <a:tcPr/>
+                </a:tc>
+                <a:extLst>
+                  <a:ext uri="{0D108BD9-81ED-4DB2-BD59-A6C34878D82A}">
+                    <a16:rowId xmlns:a16="http://schemas.microsoft.com/office/drawing/2014/main" val="1746784610"/>
+                  </a:ext>
+                </a:extLst>
+              </a:tr>
+              <a:tr h="370840">
+                <a:tc>
+                  <a:txBody>
+                    <a:bodyPr/>
+                    <a:lstStyle/>
+                    <a:p>
+                      <a:pPr rtl="0" fontAlgn="t">
+                        <a:spcBef>
+                          <a:spcPts val="0"/>
+                        </a:spcBef>
+                        <a:spcAft>
+                          <a:spcPts val="0"/>
+                        </a:spcAft>
+                      </a:pPr>
+                      <a:r>
+                        <a:rPr lang="en-US" sz="1800" dirty="0">
+                          <a:effectLst/>
+                          <a:latin typeface="+mn-lt"/>
+                        </a:rPr>
+                        <a:t>3:55pm-4:00pm</a:t>
+                      </a:r>
+                    </a:p>
+                  </a:txBody>
+                  <a:tcPr marL="63500" marR="63500" marT="63500" marB="63500"/>
+                </a:tc>
+                <a:tc>
+                  <a:txBody>
+                    <a:bodyPr/>
+                    <a:lstStyle/>
+                    <a:p>
+                      <a:pPr>
+                        <a:lnSpc>
+                          <a:spcPct val="100000"/>
+                        </a:lnSpc>
+                      </a:pPr>
+                      <a:r>
+                        <a:rPr lang="en-US" sz="1800" i="0" dirty="0">
+                          <a:latin typeface="+mn-lt"/>
+                        </a:rPr>
+                        <a:t>05</a:t>
+                      </a:r>
+                    </a:p>
+                  </a:txBody>
+                  <a:tcPr/>
+                </a:tc>
+                <a:tc>
+                  <a:txBody>
+                    <a:bodyPr/>
+                    <a:lstStyle/>
+                    <a:p>
+                      <a:pPr>
+                        <a:lnSpc>
+                          <a:spcPct val="100000"/>
+                        </a:lnSpc>
+                      </a:pPr>
+                      <a:r>
+                        <a:rPr lang="en-US" sz="1800" i="0" dirty="0">
+                          <a:latin typeface="+mn-lt"/>
+                        </a:rPr>
+                        <a:t>Summary</a:t>
+                      </a:r>
+                    </a:p>
+                  </a:txBody>
+                  <a:tcPr/>
+                </a:tc>
+                <a:tc>
+                  <a:txBody>
+                    <a:bodyPr/>
+                    <a:lstStyle/>
+                    <a:p>
+                      <a:pPr>
+                        <a:lnSpc>
+                          <a:spcPct val="100000"/>
+                        </a:lnSpc>
+                      </a:pPr>
+                      <a:r>
+                        <a:rPr lang="en-US" sz="1800" dirty="0">
+                          <a:latin typeface="+mn-lt"/>
+                        </a:rPr>
+                        <a:t>James M. </a:t>
+                      </a:r>
+                      <a:r>
+                        <a:rPr lang="en-US" sz="1800" dirty="0" err="1">
+                          <a:latin typeface="+mn-lt"/>
+                        </a:rPr>
+                        <a:t>Willenbring</a:t>
+                      </a:r>
+                      <a:r>
+                        <a:rPr lang="en-US" sz="1800" dirty="0">
+                          <a:latin typeface="+mn-lt"/>
+                        </a:rPr>
+                        <a:t>, SNL</a:t>
+                      </a:r>
+                    </a:p>
+                  </a:txBody>
+                  <a:tcPr/>
+                </a:tc>
+                <a:extLst>
+                  <a:ext uri="{0D108BD9-81ED-4DB2-BD59-A6C34878D82A}">
+                    <a16:rowId xmlns:a16="http://schemas.microsoft.com/office/drawing/2014/main" val="127038030"/>
+                  </a:ext>
+                </a:extLst>
+              </a:tr>
+            </a:tbl>
+          </a:graphicData>
+        </a:graphic>
+      </p:graphicFrame>
+      <p:grpSp>
+        <p:nvGrpSpPr>
+          <p:cNvPr id="5" name="Group 4">
+            <a:extLst>
+              <a:ext uri="{FF2B5EF4-FFF2-40B4-BE49-F238E27FC236}">
+                <a16:creationId xmlns:a16="http://schemas.microsoft.com/office/drawing/2014/main" id="{298E65E2-8CFD-4F26-8DA3-3F5A419B1CCC}"/>
+              </a:ext>
+            </a:extLst>
+          </p:cNvPr>
+          <p:cNvGrpSpPr/>
+          <p:nvPr/>
+        </p:nvGrpSpPr>
+        <p:grpSpPr>
+          <a:xfrm>
+            <a:off x="649538" y="1870326"/>
+            <a:ext cx="10909739" cy="390939"/>
+            <a:chOff x="79513" y="1653208"/>
+            <a:chExt cx="12029799" cy="390939"/>
+          </a:xfrm>
+        </p:grpSpPr>
+        <p:cxnSp>
+          <p:nvCxnSpPr>
+            <p:cNvPr id="6" name="Straight Connector 5">
+              <a:extLst>
+                <a:ext uri="{FF2B5EF4-FFF2-40B4-BE49-F238E27FC236}">
+                  <a16:creationId xmlns:a16="http://schemas.microsoft.com/office/drawing/2014/main" id="{58A6CA20-B55D-4C81-8847-C4C8F5411BA7}"/>
+                </a:ext>
+              </a:extLst>
+            </p:cNvPr>
+            <p:cNvCxnSpPr>
+              <a:cxnSpLocks/>
+            </p:cNvCxnSpPr>
+            <p:nvPr/>
+          </p:nvCxnSpPr>
+          <p:spPr>
+            <a:xfrm>
+              <a:off x="530679" y="1848678"/>
+              <a:ext cx="11127467" cy="0"/>
+            </a:xfrm>
+            <a:prstGeom prst="line">
+              <a:avLst/>
+            </a:prstGeom>
+            <a:ln w="76200">
+              <a:solidFill>
+                <a:srgbClr val="FF0000"/>
+              </a:solidFill>
+            </a:ln>
+          </p:spPr>
+          <p:style>
+            <a:lnRef idx="1">
+              <a:schemeClr val="accent1"/>
+            </a:lnRef>
+            <a:fillRef idx="0">
+              <a:schemeClr val="accent1"/>
+            </a:fillRef>
+            <a:effectRef idx="0">
+              <a:schemeClr val="accent1"/>
+            </a:effectRef>
+            <a:fontRef idx="minor">
+              <a:schemeClr val="tx1"/>
+            </a:fontRef>
+          </p:style>
+        </p:cxnSp>
+        <p:sp>
+          <p:nvSpPr>
+            <p:cNvPr id="7" name="Arrow: Right 7">
+              <a:extLst>
+                <a:ext uri="{FF2B5EF4-FFF2-40B4-BE49-F238E27FC236}">
+                  <a16:creationId xmlns:a16="http://schemas.microsoft.com/office/drawing/2014/main" id="{15647A8B-7F43-4B40-AF9A-5C49F504C09F}"/>
+                </a:ext>
+              </a:extLst>
+            </p:cNvPr>
+            <p:cNvSpPr/>
+            <p:nvPr/>
+          </p:nvSpPr>
+          <p:spPr>
+            <a:xfrm>
+              <a:off x="79513" y="1653208"/>
+              <a:ext cx="451166" cy="390939"/>
+            </a:xfrm>
+            <a:prstGeom prst="rightArrow">
+              <a:avLst/>
+            </a:prstGeom>
+            <a:solidFill>
+              <a:srgbClr val="FF0000"/>
+            </a:solidFill>
+            <a:ln>
+              <a:solidFill>
+                <a:srgbClr val="FF0000"/>
+              </a:solidFill>
+            </a:ln>
+            <a:effectLst/>
+            <a:scene3d>
+              <a:camera prst="orthographicFront">
+                <a:rot lat="0" lon="0" rev="0"/>
+              </a:camera>
+              <a:lightRig rig="threePt" dir="t">
+                <a:rot lat="0" lon="0" rev="1200000"/>
+              </a:lightRig>
+            </a:scene3d>
+            <a:sp3d/>
+          </p:spPr>
+          <p:style>
+            <a:lnRef idx="0">
+              <a:schemeClr val="accent1"/>
+            </a:lnRef>
+            <a:fillRef idx="3">
+              <a:schemeClr val="accent1"/>
+            </a:fillRef>
+            <a:effectRef idx="3">
+              <a:schemeClr val="accent1"/>
+            </a:effectRef>
+            <a:fontRef idx="minor">
+              <a:schemeClr val="lt1"/>
+            </a:fontRef>
+          </p:style>
+          <p:txBody>
+            <a:bodyPr rot="0" spcFirstLastPara="0" vertOverflow="overflow" horzOverflow="overflow" vert="horz" wrap="square" lIns="45720" tIns="45720" rIns="45720" bIns="45720" numCol="1" spcCol="0" rtlCol="0" fromWordArt="0" anchor="ctr" anchorCtr="0" forceAA="0" compatLnSpc="1">
+              <a:prstTxWarp prst="textNoShape">
+                <a:avLst/>
+              </a:prstTxWarp>
+              <a:noAutofit/>
+            </a:bodyPr>
+            <a:lstStyle/>
+            <a:p>
+              <a:pPr algn="ctr">
+                <a:lnSpc>
+                  <a:spcPct val="90000"/>
+                </a:lnSpc>
+              </a:pPr>
+              <a:endParaRPr lang="en-US" dirty="0">
+                <a:solidFill>
+                  <a:schemeClr val="tx1"/>
+                </a:solidFill>
+              </a:endParaRPr>
+            </a:p>
+          </p:txBody>
+        </p:sp>
+        <p:sp>
+          <p:nvSpPr>
+            <p:cNvPr id="8" name="Arrow: Right 8">
+              <a:extLst>
+                <a:ext uri="{FF2B5EF4-FFF2-40B4-BE49-F238E27FC236}">
+                  <a16:creationId xmlns:a16="http://schemas.microsoft.com/office/drawing/2014/main" id="{117F0AD7-F782-4B43-B9F0-67851652A380}"/>
+                </a:ext>
+              </a:extLst>
+            </p:cNvPr>
+            <p:cNvSpPr/>
+            <p:nvPr/>
+          </p:nvSpPr>
+          <p:spPr>
+            <a:xfrm rot="10800000">
+              <a:off x="11658146" y="1653208"/>
+              <a:ext cx="451166" cy="390939"/>
+            </a:xfrm>
+            <a:prstGeom prst="rightArrow">
+              <a:avLst/>
+            </a:prstGeom>
+            <a:solidFill>
+              <a:srgbClr val="FF0000"/>
+            </a:solidFill>
+            <a:ln>
+              <a:solidFill>
+                <a:srgbClr val="FF0000"/>
+              </a:solidFill>
+            </a:ln>
+            <a:effectLst/>
+            <a:scene3d>
+              <a:camera prst="orthographicFront">
+                <a:rot lat="0" lon="0" rev="0"/>
+              </a:camera>
+              <a:lightRig rig="threePt" dir="t">
+                <a:rot lat="0" lon="0" rev="1200000"/>
+              </a:lightRig>
+            </a:scene3d>
+            <a:sp3d/>
+          </p:spPr>
+          <p:style>
+            <a:lnRef idx="0">
+              <a:schemeClr val="accent1"/>
+            </a:lnRef>
+            <a:fillRef idx="3">
+              <a:schemeClr val="accent1"/>
+            </a:fillRef>
+            <a:effectRef idx="3">
+              <a:schemeClr val="accent1"/>
+            </a:effectRef>
+            <a:fontRef idx="minor">
+              <a:schemeClr val="lt1"/>
+            </a:fontRef>
+          </p:style>
+          <p:txBody>
+            <a:bodyPr rot="0" spcFirstLastPara="0" vertOverflow="overflow" horzOverflow="overflow" vert="horz" wrap="square" lIns="45720" tIns="45720" rIns="45720" bIns="45720" numCol="1" spcCol="0" rtlCol="0" fromWordArt="0" anchor="ctr" anchorCtr="0" forceAA="0" compatLnSpc="1">
+              <a:prstTxWarp prst="textNoShape">
+                <a:avLst/>
+              </a:prstTxWarp>
+              <a:noAutofit/>
+            </a:bodyPr>
+            <a:lstStyle/>
+            <a:p>
+              <a:pPr algn="ctr">
+                <a:lnSpc>
+                  <a:spcPct val="90000"/>
+                </a:lnSpc>
+              </a:pPr>
+              <a:endParaRPr lang="en-US" dirty="0">
+                <a:solidFill>
+                  <a:schemeClr val="tx1"/>
+                </a:solidFill>
+              </a:endParaRPr>
+            </a:p>
+          </p:txBody>
+        </p:sp>
+      </p:grpSp>
+    </p:spTree>
+    <p:extLst>
+      <p:ext uri="{BB962C8B-B14F-4D97-AF65-F5344CB8AC3E}">
+        <p14:creationId xmlns:p14="http://schemas.microsoft.com/office/powerpoint/2010/main" val="3000124148"/>
       </p:ext>
     </p:extLst>
   </p:cSld>
@@ -4521,13 +5678,29 @@
             </a:pPr>
             <a:r>
               <a:rPr lang="en-US" sz="1600" b="1" dirty="0"/>
-              <a:t>The requested citation the overall tutorial is: David E. Bernholdt, Anshu Dubey, Rinku K. Gupta, and David M. Rogers, Better Scientific Software tutorial, in Improving Scientific Software conference, online, 2021. DOI: </a:t>
+              <a:t>The requested citation the overall tutorial is: David E. Bernholdt, Patricia A. Grubel, and James M. </a:t>
+            </a:r>
+            <a:r>
+              <a:rPr lang="en-US" sz="1600" b="1" dirty="0" err="1"/>
+              <a:t>Willenbring</a:t>
+            </a:r>
+            <a:r>
+              <a:rPr lang="en-US" sz="1600" b="1" dirty="0"/>
+              <a:t>, Developing a Testing and Continuous Integration Strategy for your Team tutorial, in </a:t>
+            </a:r>
+            <a:r>
+              <a:rPr lang="en-US" sz="1600" b="1" dirty="0" err="1"/>
+              <a:t>Exascale</a:t>
+            </a:r>
+            <a:r>
+              <a:rPr lang="en-US" sz="1600" b="1" dirty="0"/>
+              <a:t> Computing Project Annual Meeting, online, 2021. DOI: </a:t>
             </a:r>
             <a:r>
               <a:rPr lang="en-US" sz="1600" b="1" dirty="0">
                 <a:hlinkClick r:id="rId4"/>
               </a:rPr>
-              <a:t>10.6084/m9.figshare.14256257</a:t>
+              <a:t>10.6084/m9.figshare.14376956</a:t>
             </a:r>
             <a:endParaRPr lang="en-US" sz="1600" b="1" dirty="0"/>
           </a:p>
@@ -4570,15 +5743,7 @@
             </a:pPr>
             <a:r>
               <a:rPr lang="en-US" sz="1400" dirty="0"/>
-              <a:t>Additional contributors include: Mike </a:t>
-            </a:r>
-            <a:r>
-              <a:rPr lang="en-US" sz="1400" dirty="0" err="1"/>
-              <a:t>Heroux</a:t>
-            </a:r>
-            <a:r>
-              <a:rPr lang="en-US" sz="1400" dirty="0"/>
-              <a:t>, Alicia </a:t>
+              <a:t>Additional contributors include: David E. Bernholdt, Anshu Dubey, Rinku K. Gupta, Mike Heroux, Alicia </a:t>
             </a:r>
             <a:r>
               <a:rPr lang="en-US" sz="1400" dirty="0" err="1"/>
@@ -4733,7 +5898,7 @@
     </p:spTree>
     <p:extLst>
       <p:ext uri="{BB962C8B-B14F-4D97-AF65-F5344CB8AC3E}">
-        <p14:creationId xmlns:p14="http://schemas.microsoft.com/office/powerpoint/2010/main" val="978726433"/>
+        <p14:creationId xmlns:p14="http://schemas.microsoft.com/office/powerpoint/2010/main" val="1276324706"/>
       </p:ext>
     </p:extLst>
   </p:cSld>
@@ -8676,12 +9841,9 @@
 </file>
 
 <file path=customXml/item1.xml><?xml version="1.0" encoding="utf-8"?>
-<?mso-contentType ?>
-<FormTemplates xmlns="http://schemas.microsoft.com/sharepoint/v3/contenttype/forms">
-  <Display>DocumentLibraryForm</Display>
-  <Edit>DocumentLibraryForm</Edit>
-  <New>DocumentLibraryForm</New>
-</FormTemplates>
+<p:properties xmlns:p="http://schemas.microsoft.com/office/2006/metadata/properties" xmlns:xsi="http://www.w3.org/2001/XMLSchema-instance" xmlns:pc="http://schemas.microsoft.com/office/infopath/2007/PartnerControls">
+  <documentManagement/>
+</p:properties>
 </file>
 
 <file path=customXml/item2.xml><?xml version="1.0" encoding="utf-8"?>
@@ -8734,15 +9896,25 @@
 </file>
 
 <file path=customXml/item3.xml><?xml version="1.0" encoding="utf-8"?>
-<p:properties xmlns:p="http://schemas.microsoft.com/office/2006/metadata/properties" xmlns:xsi="http://www.w3.org/2001/XMLSchema-instance" xmlns:pc="http://schemas.microsoft.com/office/infopath/2007/PartnerControls">
-  <documentManagement/>
-</p:properties>
+<?mso-contentType ?>
+<FormTemplates xmlns="http://schemas.microsoft.com/sharepoint/v3/contenttype/forms">
+  <Display>DocumentLibraryForm</Display>
+  <Edit>DocumentLibraryForm</Edit>
+  <New>DocumentLibraryForm</New>
+</FormTemplates>
 </file>
 
 <file path=customXml/itemProps1.xml><?xml version="1.0" encoding="utf-8"?>
-<ds:datastoreItem xmlns:ds="http://schemas.openxmlformats.org/officeDocument/2006/customXml" ds:itemID="{19E20559-B232-4371-8690-E3D8007EDB82}">
+<ds:datastoreItem xmlns:ds="http://schemas.openxmlformats.org/officeDocument/2006/customXml" ds:itemID="{A50EC660-24D0-43A0-AE5E-E274115E726B}">
   <ds:schemaRefs>
-    <ds:schemaRef ds:uri="http://schemas.microsoft.com/sharepoint/v3/contenttype/forms"/>
+    <ds:schemaRef ds:uri="http://www.w3.org/XML/1998/namespace"/>
+    <ds:schemaRef ds:uri="http://schemas.microsoft.com/office/2006/documentManagement/types"/>
+    <ds:schemaRef ds:uri="http://purl.org/dc/elements/1.1/"/>
+    <ds:schemaRef ds:uri="http://purl.org/dc/terms/"/>
+    <ds:schemaRef ds:uri="http://schemas.openxmlformats.org/package/2006/metadata/core-properties"/>
+    <ds:schemaRef ds:uri="http://schemas.microsoft.com/office/2006/metadata/properties"/>
+    <ds:schemaRef ds:uri="http://purl.org/dc/dcmitype/"/>
+    <ds:schemaRef ds:uri="http://schemas.microsoft.com/office/infopath/2007/PartnerControls"/>
   </ds:schemaRefs>
 </ds:datastoreItem>
 </file>
@@ -8763,16 +9935,9 @@
 </file>
 
 <file path=customXml/itemProps3.xml><?xml version="1.0" encoding="utf-8"?>
-<ds:datastoreItem xmlns:ds="http://schemas.openxmlformats.org/officeDocument/2006/customXml" ds:itemID="{A50EC660-24D0-43A0-AE5E-E274115E726B}">
+<ds:datastoreItem xmlns:ds="http://schemas.openxmlformats.org/officeDocument/2006/customXml" ds:itemID="{19E20559-B232-4371-8690-E3D8007EDB82}">
   <ds:schemaRefs>
-    <ds:schemaRef ds:uri="http://www.w3.org/XML/1998/namespace"/>
-    <ds:schemaRef ds:uri="http://schemas.microsoft.com/office/2006/documentManagement/types"/>
-    <ds:schemaRef ds:uri="http://purl.org/dc/elements/1.1/"/>
-    <ds:schemaRef ds:uri="http://purl.org/dc/terms/"/>
-    <ds:schemaRef ds:uri="http://schemas.openxmlformats.org/package/2006/metadata/core-properties"/>
-    <ds:schemaRef ds:uri="http://schemas.microsoft.com/office/2006/metadata/properties"/>
-    <ds:schemaRef ds:uri="http://purl.org/dc/dcmitype/"/>
-    <ds:schemaRef ds:uri="http://schemas.microsoft.com/office/infopath/2007/PartnerControls"/>
+    <ds:schemaRef ds:uri="http://schemas.microsoft.com/sharepoint/v3/contenttype/forms"/>
   </ds:schemaRefs>
 </ds:datastoreItem>
 </file>